--- a/Machine_Learning_ISUP.pptx
+++ b/Machine_Learning_ISUP.pptx
@@ -24,23 +24,25 @@
     <p:sldId id="269" r:id="rId19"/>
     <p:sldId id="270" r:id="rId20"/>
     <p:sldId id="271" r:id="rId21"/>
+    <p:sldId id="272" r:id="rId22"/>
+    <p:sldId id="273" r:id="rId23"/>
   </p:sldIdLst>
   <p:sldSz cy="5143500" cx="9144000"/>
   <p:notesSz cx="6858000" cy="9144000"/>
   <p:embeddedFontLst>
     <p:embeddedFont>
       <p:font typeface="Montserrat"/>
-      <p:regular r:id="rId22"/>
-      <p:bold r:id="rId23"/>
-      <p:italic r:id="rId24"/>
-      <p:boldItalic r:id="rId25"/>
+      <p:regular r:id="rId24"/>
+      <p:bold r:id="rId25"/>
+      <p:italic r:id="rId26"/>
+      <p:boldItalic r:id="rId27"/>
     </p:embeddedFont>
     <p:embeddedFont>
       <p:font typeface="Lato"/>
-      <p:regular r:id="rId26"/>
-      <p:bold r:id="rId27"/>
-      <p:italic r:id="rId28"/>
-      <p:boldItalic r:id="rId29"/>
+      <p:regular r:id="rId28"/>
+      <p:bold r:id="rId29"/>
+      <p:italic r:id="rId30"/>
+      <p:boldItalic r:id="rId31"/>
     </p:embeddedFont>
   </p:embeddedFontLst>
   <p:defaultTextStyle>
@@ -1132,7 +1134,7 @@
       </p:grpSpPr>
       <p:sp>
         <p:nvSpPr>
-          <p:cNvPr id="224" name="Google Shape;224;g323493370c0_0_257:notes"/>
+          <p:cNvPr id="224" name="Google Shape;224;g323c9e1032c_1_21:notes"/>
           <p:cNvSpPr/>
           <p:nvPr>
             <p:ph idx="2" type="sldImg"/>
@@ -1167,7 +1169,7 @@
       </p:sp>
       <p:sp>
         <p:nvSpPr>
-          <p:cNvPr id="225" name="Google Shape;225;g323493370c0_0_257:notes"/>
+          <p:cNvPr id="225" name="Google Shape;225;g323c9e1032c_1_21:notes"/>
           <p:cNvSpPr txBox="1"/>
           <p:nvPr>
             <p:ph idx="1" type="body"/>
@@ -1231,7 +1233,7 @@
       </p:grpSpPr>
       <p:sp>
         <p:nvSpPr>
-          <p:cNvPr id="232" name="Google Shape;232;g323493370c0_0_291:notes"/>
+          <p:cNvPr id="232" name="Google Shape;232;g323493370c0_0_257:notes"/>
           <p:cNvSpPr/>
           <p:nvPr>
             <p:ph idx="2" type="sldImg"/>
@@ -1266,7 +1268,7 @@
       </p:sp>
       <p:sp>
         <p:nvSpPr>
-          <p:cNvPr id="233" name="Google Shape;233;g323493370c0_0_291:notes"/>
+          <p:cNvPr id="233" name="Google Shape;233;g323493370c0_0_257:notes"/>
           <p:cNvSpPr txBox="1"/>
           <p:nvPr>
             <p:ph idx="1" type="body"/>
@@ -1330,7 +1332,7 @@
       </p:grpSpPr>
       <p:sp>
         <p:nvSpPr>
-          <p:cNvPr id="240" name="Google Shape;240;g323493370c0_0_170:notes"/>
+          <p:cNvPr id="240" name="Google Shape;240;g323493370c0_0_291:notes"/>
           <p:cNvSpPr/>
           <p:nvPr>
             <p:ph idx="2" type="sldImg"/>
@@ -1365,7 +1367,7 @@
       </p:sp>
       <p:sp>
         <p:nvSpPr>
-          <p:cNvPr id="241" name="Google Shape;241;g323493370c0_0_170:notes"/>
+          <p:cNvPr id="241" name="Google Shape;241;g323493370c0_0_291:notes"/>
           <p:cNvSpPr txBox="1"/>
           <p:nvPr>
             <p:ph idx="1" type="body"/>
@@ -1415,7 +1417,7 @@
   <p:cSld>
     <p:spTree>
       <p:nvGrpSpPr>
-        <p:cNvPr id="248" name="Shape 248"/>
+        <p:cNvPr id="247" name="Shape 247"/>
         <p:cNvGrpSpPr/>
         <p:nvPr/>
       </p:nvGrpSpPr>
@@ -1429,7 +1431,7 @@
       </p:grpSpPr>
       <p:sp>
         <p:nvSpPr>
-          <p:cNvPr id="249" name="Google Shape;249;g323493370c0_0_188:notes"/>
+          <p:cNvPr id="248" name="Google Shape;248;g323c9e1032c_1_35:notes"/>
           <p:cNvSpPr/>
           <p:nvPr>
             <p:ph idx="2" type="sldImg"/>
@@ -1464,7 +1466,205 @@
       </p:sp>
       <p:sp>
         <p:nvSpPr>
-          <p:cNvPr id="250" name="Google Shape;250;g323493370c0_0_188:notes"/>
+          <p:cNvPr id="249" name="Google Shape;249;g323c9e1032c_1_35:notes"/>
+          <p:cNvSpPr txBox="1"/>
+          <p:nvPr>
+            <p:ph idx="1" type="body"/>
+          </p:nvPr>
+        </p:nvSpPr>
+        <p:spPr>
+          <a:xfrm>
+            <a:off x="685800" y="4343400"/>
+            <a:ext cx="5486400" cy="4114800"/>
+          </a:xfrm>
+          <a:prstGeom prst="rect">
+            <a:avLst/>
+          </a:prstGeom>
+        </p:spPr>
+        <p:txBody>
+          <a:bodyPr anchorCtr="0" anchor="t" bIns="91425" lIns="91425" spcFirstLastPara="1" rIns="91425" wrap="square" tIns="91425">
+            <a:noAutofit/>
+          </a:bodyPr>
+          <a:lstStyle/>
+          <a:p>
+            <a:pPr indent="0" lvl="0" marL="0" rtl="0" algn="l">
+              <a:spcBef>
+                <a:spcPts val="0"/>
+              </a:spcBef>
+              <a:spcAft>
+                <a:spcPts val="0"/>
+              </a:spcAft>
+              <a:buNone/>
+            </a:pPr>
+            <a:r>
+              <a:t/>
+            </a:r>
+            <a:endParaRPr/>
+          </a:p>
+        </p:txBody>
+      </p:sp>
+    </p:spTree>
+  </p:cSld>
+  <p:clrMapOvr>
+    <a:masterClrMapping/>
+  </p:clrMapOvr>
+</p:notes>
+</file>
+
+<file path=ppt/notesSlides/notesSlide17.xml><?xml version="1.0" encoding="utf-8"?>
+<p:notes xmlns:a="http://schemas.openxmlformats.org/drawingml/2006/main" xmlns:r="http://schemas.openxmlformats.org/officeDocument/2006/relationships" xmlns:mc="http://schemas.openxmlformats.org/markup-compatibility/2006" xmlns:mv="urn:schemas-microsoft-com:mac:vml" xmlns:p="http://schemas.openxmlformats.org/presentationml/2006/main" xmlns:c="http://schemas.openxmlformats.org/drawingml/2006/chart" xmlns:dgm="http://schemas.openxmlformats.org/drawingml/2006/diagram" xmlns:o="urn:schemas-microsoft-com:office:office" xmlns:v="urn:schemas-microsoft-com:vml" xmlns:pvml="urn:schemas-microsoft-com:office:powerpoint" xmlns:com="http://schemas.openxmlformats.org/drawingml/2006/compatibility" xmlns:p14="http://schemas.microsoft.com/office/powerpoint/2010/main" xmlns:p15="http://schemas.microsoft.com/office/powerpoint/2012/main" xmlns:ahyp="http://schemas.microsoft.com/office/drawing/2018/hyperlinkcolor" showMasterPhAnim="0" showMasterSp="0">
+  <p:cSld>
+    <p:spTree>
+      <p:nvGrpSpPr>
+        <p:cNvPr id="255" name="Shape 255"/>
+        <p:cNvGrpSpPr/>
+        <p:nvPr/>
+      </p:nvGrpSpPr>
+      <p:grpSpPr>
+        <a:xfrm>
+          <a:off x="0" y="0"/>
+          <a:ext cx="0" cy="0"/>
+          <a:chOff x="0" y="0"/>
+          <a:chExt cx="0" cy="0"/>
+        </a:xfrm>
+      </p:grpSpPr>
+      <p:sp>
+        <p:nvSpPr>
+          <p:cNvPr id="256" name="Google Shape;256;g323493370c0_0_170:notes"/>
+          <p:cNvSpPr/>
+          <p:nvPr>
+            <p:ph idx="2" type="sldImg"/>
+          </p:nvPr>
+        </p:nvSpPr>
+        <p:spPr>
+          <a:xfrm>
+            <a:off x="381300" y="685800"/>
+            <a:ext cx="6096000" cy="3429000"/>
+          </a:xfrm>
+          <a:custGeom>
+            <a:rect b="b" l="l" r="r" t="t"/>
+            <a:pathLst>
+              <a:path extrusionOk="0" h="120000" w="120000">
+                <a:moveTo>
+                  <a:pt x="0" y="0"/>
+                </a:moveTo>
+                <a:lnTo>
+                  <a:pt x="120000" y="0"/>
+                </a:lnTo>
+                <a:lnTo>
+                  <a:pt x="120000" y="120000"/>
+                </a:lnTo>
+                <a:lnTo>
+                  <a:pt x="0" y="120000"/>
+                </a:lnTo>
+                <a:close/>
+              </a:path>
+            </a:pathLst>
+          </a:custGeom>
+        </p:spPr>
+      </p:sp>
+      <p:sp>
+        <p:nvSpPr>
+          <p:cNvPr id="257" name="Google Shape;257;g323493370c0_0_170:notes"/>
+          <p:cNvSpPr txBox="1"/>
+          <p:nvPr>
+            <p:ph idx="1" type="body"/>
+          </p:nvPr>
+        </p:nvSpPr>
+        <p:spPr>
+          <a:xfrm>
+            <a:off x="685800" y="4343400"/>
+            <a:ext cx="5486400" cy="4114800"/>
+          </a:xfrm>
+          <a:prstGeom prst="rect">
+            <a:avLst/>
+          </a:prstGeom>
+        </p:spPr>
+        <p:txBody>
+          <a:bodyPr anchorCtr="0" anchor="t" bIns="91425" lIns="91425" spcFirstLastPara="1" rIns="91425" wrap="square" tIns="91425">
+            <a:noAutofit/>
+          </a:bodyPr>
+          <a:lstStyle/>
+          <a:p>
+            <a:pPr indent="0" lvl="0" marL="0" rtl="0" algn="l">
+              <a:spcBef>
+                <a:spcPts val="0"/>
+              </a:spcBef>
+              <a:spcAft>
+                <a:spcPts val="0"/>
+              </a:spcAft>
+              <a:buNone/>
+            </a:pPr>
+            <a:r>
+              <a:t/>
+            </a:r>
+            <a:endParaRPr/>
+          </a:p>
+        </p:txBody>
+      </p:sp>
+    </p:spTree>
+  </p:cSld>
+  <p:clrMapOvr>
+    <a:masterClrMapping/>
+  </p:clrMapOvr>
+</p:notes>
+</file>
+
+<file path=ppt/notesSlides/notesSlide18.xml><?xml version="1.0" encoding="utf-8"?>
+<p:notes xmlns:a="http://schemas.openxmlformats.org/drawingml/2006/main" xmlns:r="http://schemas.openxmlformats.org/officeDocument/2006/relationships" xmlns:mc="http://schemas.openxmlformats.org/markup-compatibility/2006" xmlns:mv="urn:schemas-microsoft-com:mac:vml" xmlns:p="http://schemas.openxmlformats.org/presentationml/2006/main" xmlns:c="http://schemas.openxmlformats.org/drawingml/2006/chart" xmlns:dgm="http://schemas.openxmlformats.org/drawingml/2006/diagram" xmlns:o="urn:schemas-microsoft-com:office:office" xmlns:v="urn:schemas-microsoft-com:vml" xmlns:pvml="urn:schemas-microsoft-com:office:powerpoint" xmlns:com="http://schemas.openxmlformats.org/drawingml/2006/compatibility" xmlns:p14="http://schemas.microsoft.com/office/powerpoint/2010/main" xmlns:p15="http://schemas.microsoft.com/office/powerpoint/2012/main" xmlns:ahyp="http://schemas.microsoft.com/office/drawing/2018/hyperlinkcolor" showMasterPhAnim="0" showMasterSp="0">
+  <p:cSld>
+    <p:spTree>
+      <p:nvGrpSpPr>
+        <p:cNvPr id="264" name="Shape 264"/>
+        <p:cNvGrpSpPr/>
+        <p:nvPr/>
+      </p:nvGrpSpPr>
+      <p:grpSpPr>
+        <a:xfrm>
+          <a:off x="0" y="0"/>
+          <a:ext cx="0" cy="0"/>
+          <a:chOff x="0" y="0"/>
+          <a:chExt cx="0" cy="0"/>
+        </a:xfrm>
+      </p:grpSpPr>
+      <p:sp>
+        <p:nvSpPr>
+          <p:cNvPr id="265" name="Google Shape;265;g323493370c0_0_188:notes"/>
+          <p:cNvSpPr/>
+          <p:nvPr>
+            <p:ph idx="2" type="sldImg"/>
+          </p:nvPr>
+        </p:nvSpPr>
+        <p:spPr>
+          <a:xfrm>
+            <a:off x="381300" y="685800"/>
+            <a:ext cx="6096000" cy="3429000"/>
+          </a:xfrm>
+          <a:custGeom>
+            <a:rect b="b" l="l" r="r" t="t"/>
+            <a:pathLst>
+              <a:path extrusionOk="0" h="120000" w="120000">
+                <a:moveTo>
+                  <a:pt x="0" y="0"/>
+                </a:moveTo>
+                <a:lnTo>
+                  <a:pt x="120000" y="0"/>
+                </a:lnTo>
+                <a:lnTo>
+                  <a:pt x="120000" y="120000"/>
+                </a:lnTo>
+                <a:lnTo>
+                  <a:pt x="0" y="120000"/>
+                </a:lnTo>
+                <a:close/>
+              </a:path>
+            </a:pathLst>
+          </a:custGeom>
+        </p:spPr>
+      </p:sp>
+      <p:sp>
+        <p:nvSpPr>
+          <p:cNvPr id="266" name="Google Shape;266;g323493370c0_0_188:notes"/>
           <p:cNvSpPr txBox="1"/>
           <p:nvPr>
             <p:ph idx="1" type="body"/>
@@ -11303,7 +11503,7 @@
                 <a:cs typeface="Lato"/>
                 <a:sym typeface="Lato"/>
               </a:rPr>
-              <a:t>XGBoost</a:t>
+              <a:t>Random Forest</a:t>
             </a:r>
             <a:endParaRPr/>
           </a:p>
@@ -11325,8 +11525,8 @@
         </p:blipFill>
         <p:spPr>
           <a:xfrm>
-            <a:off x="2401575" y="1307850"/>
-            <a:ext cx="4643399" cy="3714724"/>
+            <a:off x="1531788" y="1307850"/>
+            <a:ext cx="6080422" cy="3530850"/>
           </a:xfrm>
           <a:prstGeom prst="rect">
             <a:avLst/>
@@ -11511,8 +11711,8 @@
         </p:blipFill>
         <p:spPr>
           <a:xfrm>
-            <a:off x="2000989" y="1494875"/>
-            <a:ext cx="5631919" cy="3168350"/>
+            <a:off x="2401575" y="1307850"/>
+            <a:ext cx="4643399" cy="3714724"/>
           </a:xfrm>
           <a:prstGeom prst="rect">
             <a:avLst/>
@@ -11582,6 +11782,378 @@
             </a:pPr>
             <a:r>
               <a:rPr lang="fr"/>
+              <a:t>Modèles prédictifs</a:t>
+            </a:r>
+            <a:endParaRPr/>
+          </a:p>
+        </p:txBody>
+      </p:sp>
+      <p:sp>
+        <p:nvSpPr>
+          <p:cNvPr id="244" name="Google Shape;244;p27"/>
+          <p:cNvSpPr txBox="1"/>
+          <p:nvPr>
+            <p:ph idx="12" type="sldNum"/>
+          </p:nvPr>
+        </p:nvSpPr>
+        <p:spPr>
+          <a:xfrm>
+            <a:off x="8472458" y="4663217"/>
+            <a:ext cx="548700" cy="393600"/>
+          </a:xfrm>
+          <a:prstGeom prst="rect">
+            <a:avLst/>
+          </a:prstGeom>
+        </p:spPr>
+        <p:txBody>
+          <a:bodyPr anchorCtr="0" anchor="ctr" bIns="91425" lIns="91425" spcFirstLastPara="1" rIns="91425" wrap="square" tIns="91425">
+            <a:normAutofit/>
+          </a:bodyPr>
+          <a:lstStyle/>
+          <a:p>
+            <a:pPr indent="0" lvl="0" marL="0" rtl="0" algn="r">
+              <a:spcBef>
+                <a:spcPts val="0"/>
+              </a:spcBef>
+              <a:spcAft>
+                <a:spcPts val="0"/>
+              </a:spcAft>
+              <a:buNone/>
+            </a:pPr>
+            <a:fld id="{00000000-1234-1234-1234-123412341234}" type="slidenum">
+              <a:rPr lang="fr"/>
+              <a:t>‹#›</a:t>
+            </a:fld>
+            <a:endParaRPr/>
+          </a:p>
+        </p:txBody>
+      </p:sp>
+      <p:sp>
+        <p:nvSpPr>
+          <p:cNvPr id="245" name="Google Shape;245;p27"/>
+          <p:cNvSpPr txBox="1"/>
+          <p:nvPr/>
+        </p:nvSpPr>
+        <p:spPr>
+          <a:xfrm>
+            <a:off x="1731825" y="848600"/>
+            <a:ext cx="3000000" cy="354000"/>
+          </a:xfrm>
+          <a:prstGeom prst="rect">
+            <a:avLst/>
+          </a:prstGeom>
+          <a:noFill/>
+          <a:ln>
+            <a:noFill/>
+          </a:ln>
+        </p:spPr>
+        <p:txBody>
+          <a:bodyPr anchorCtr="0" anchor="t" bIns="91425" lIns="91425" spcFirstLastPara="1" rIns="91425" wrap="square" tIns="91425">
+            <a:spAutoFit/>
+          </a:bodyPr>
+          <a:lstStyle/>
+          <a:p>
+            <a:pPr indent="0" lvl="0" marL="0" rtl="0" algn="l">
+              <a:lnSpc>
+                <a:spcPct val="115000"/>
+              </a:lnSpc>
+              <a:spcBef>
+                <a:spcPts val="0"/>
+              </a:spcBef>
+              <a:spcAft>
+                <a:spcPts val="1200"/>
+              </a:spcAft>
+              <a:buNone/>
+            </a:pPr>
+            <a:r>
+              <a:rPr lang="fr" sz="1100">
+                <a:solidFill>
+                  <a:schemeClr val="lt1"/>
+                </a:solidFill>
+                <a:latin typeface="Lato"/>
+                <a:ea typeface="Lato"/>
+                <a:cs typeface="Lato"/>
+                <a:sym typeface="Lato"/>
+              </a:rPr>
+              <a:t>XGBoost</a:t>
+            </a:r>
+            <a:endParaRPr/>
+          </a:p>
+        </p:txBody>
+      </p:sp>
+      <p:pic>
+        <p:nvPicPr>
+          <p:cNvPr id="246" name="Google Shape;246;p27"/>
+          <p:cNvPicPr preferRelativeResize="0"/>
+          <p:nvPr/>
+        </p:nvPicPr>
+        <p:blipFill>
+          <a:blip r:embed="rId3">
+            <a:alphaModFix/>
+          </a:blip>
+          <a:stretch>
+            <a:fillRect/>
+          </a:stretch>
+        </p:blipFill>
+        <p:spPr>
+          <a:xfrm>
+            <a:off x="2000989" y="1494875"/>
+            <a:ext cx="5631919" cy="3168350"/>
+          </a:xfrm>
+          <a:prstGeom prst="rect">
+            <a:avLst/>
+          </a:prstGeom>
+          <a:noFill/>
+          <a:ln>
+            <a:noFill/>
+          </a:ln>
+        </p:spPr>
+      </p:pic>
+    </p:spTree>
+  </p:cSld>
+  <p:clrMapOvr>
+    <a:masterClrMapping/>
+  </p:clrMapOvr>
+</p:sld>
+</file>
+
+<file path=ppt/slides/slide16.xml><?xml version="1.0" encoding="utf-8"?>
+<p:sld xmlns:a="http://schemas.openxmlformats.org/drawingml/2006/main" xmlns:r="http://schemas.openxmlformats.org/officeDocument/2006/relationships" xmlns:mc="http://schemas.openxmlformats.org/markup-compatibility/2006" xmlns:mv="urn:schemas-microsoft-com:mac:vml" xmlns:p="http://schemas.openxmlformats.org/presentationml/2006/main" xmlns:c="http://schemas.openxmlformats.org/drawingml/2006/chart" xmlns:dgm="http://schemas.openxmlformats.org/drawingml/2006/diagram" xmlns:o="urn:schemas-microsoft-com:office:office" xmlns:v="urn:schemas-microsoft-com:vml" xmlns:pvml="urn:schemas-microsoft-com:office:powerpoint" xmlns:com="http://schemas.openxmlformats.org/drawingml/2006/compatibility" xmlns:p14="http://schemas.microsoft.com/office/powerpoint/2010/main" xmlns:p15="http://schemas.microsoft.com/office/powerpoint/2012/main" xmlns:ahyp="http://schemas.microsoft.com/office/drawing/2018/hyperlinkcolor">
+  <p:cSld>
+    <p:spTree>
+      <p:nvGrpSpPr>
+        <p:cNvPr id="250" name="Shape 250"/>
+        <p:cNvGrpSpPr/>
+        <p:nvPr/>
+      </p:nvGrpSpPr>
+      <p:grpSpPr>
+        <a:xfrm>
+          <a:off x="0" y="0"/>
+          <a:ext cx="0" cy="0"/>
+          <a:chOff x="0" y="0"/>
+          <a:chExt cx="0" cy="0"/>
+        </a:xfrm>
+      </p:grpSpPr>
+      <p:sp>
+        <p:nvSpPr>
+          <p:cNvPr id="251" name="Google Shape;251;p28"/>
+          <p:cNvSpPr txBox="1"/>
+          <p:nvPr>
+            <p:ph type="title"/>
+          </p:nvPr>
+        </p:nvSpPr>
+        <p:spPr>
+          <a:xfrm>
+            <a:off x="1297500" y="393750"/>
+            <a:ext cx="7038900" cy="914100"/>
+          </a:xfrm>
+          <a:prstGeom prst="rect">
+            <a:avLst/>
+          </a:prstGeom>
+        </p:spPr>
+        <p:txBody>
+          <a:bodyPr anchorCtr="0" anchor="t" bIns="91425" lIns="91425" spcFirstLastPara="1" rIns="91425" wrap="square" tIns="91425">
+            <a:normAutofit/>
+          </a:bodyPr>
+          <a:lstStyle/>
+          <a:p>
+            <a:pPr indent="0" lvl="0" marL="0" rtl="0" algn="l">
+              <a:spcBef>
+                <a:spcPts val="0"/>
+              </a:spcBef>
+              <a:spcAft>
+                <a:spcPts val="0"/>
+              </a:spcAft>
+              <a:buNone/>
+            </a:pPr>
+            <a:r>
+              <a:rPr lang="fr"/>
+              <a:t>Modèles prédictifs</a:t>
+            </a:r>
+            <a:endParaRPr/>
+          </a:p>
+        </p:txBody>
+      </p:sp>
+      <p:sp>
+        <p:nvSpPr>
+          <p:cNvPr id="252" name="Google Shape;252;p28"/>
+          <p:cNvSpPr txBox="1"/>
+          <p:nvPr>
+            <p:ph idx="12" type="sldNum"/>
+          </p:nvPr>
+        </p:nvSpPr>
+        <p:spPr>
+          <a:xfrm>
+            <a:off x="8472458" y="4663217"/>
+            <a:ext cx="548700" cy="393600"/>
+          </a:xfrm>
+          <a:prstGeom prst="rect">
+            <a:avLst/>
+          </a:prstGeom>
+        </p:spPr>
+        <p:txBody>
+          <a:bodyPr anchorCtr="0" anchor="ctr" bIns="91425" lIns="91425" spcFirstLastPara="1" rIns="91425" wrap="square" tIns="91425">
+            <a:normAutofit/>
+          </a:bodyPr>
+          <a:lstStyle/>
+          <a:p>
+            <a:pPr indent="0" lvl="0" marL="0" rtl="0" algn="r">
+              <a:spcBef>
+                <a:spcPts val="0"/>
+              </a:spcBef>
+              <a:spcAft>
+                <a:spcPts val="0"/>
+              </a:spcAft>
+              <a:buNone/>
+            </a:pPr>
+            <a:fld id="{00000000-1234-1234-1234-123412341234}" type="slidenum">
+              <a:rPr lang="fr"/>
+              <a:t>‹#›</a:t>
+            </a:fld>
+            <a:endParaRPr/>
+          </a:p>
+        </p:txBody>
+      </p:sp>
+      <p:sp>
+        <p:nvSpPr>
+          <p:cNvPr id="253" name="Google Shape;253;p28"/>
+          <p:cNvSpPr txBox="1"/>
+          <p:nvPr/>
+        </p:nvSpPr>
+        <p:spPr>
+          <a:xfrm>
+            <a:off x="1731825" y="848600"/>
+            <a:ext cx="3000000" cy="354000"/>
+          </a:xfrm>
+          <a:prstGeom prst="rect">
+            <a:avLst/>
+          </a:prstGeom>
+          <a:noFill/>
+          <a:ln>
+            <a:noFill/>
+          </a:ln>
+        </p:spPr>
+        <p:txBody>
+          <a:bodyPr anchorCtr="0" anchor="t" bIns="91425" lIns="91425" spcFirstLastPara="1" rIns="91425" wrap="square" tIns="91425">
+            <a:spAutoFit/>
+          </a:bodyPr>
+          <a:lstStyle/>
+          <a:p>
+            <a:pPr indent="0" lvl="0" marL="0" rtl="0" algn="l">
+              <a:lnSpc>
+                <a:spcPct val="115000"/>
+              </a:lnSpc>
+              <a:spcBef>
+                <a:spcPts val="0"/>
+              </a:spcBef>
+              <a:spcAft>
+                <a:spcPts val="1200"/>
+              </a:spcAft>
+              <a:buNone/>
+            </a:pPr>
+            <a:r>
+              <a:rPr lang="fr" sz="1100">
+                <a:solidFill>
+                  <a:schemeClr val="lt1"/>
+                </a:solidFill>
+                <a:latin typeface="Lato"/>
+                <a:ea typeface="Lato"/>
+                <a:cs typeface="Lato"/>
+                <a:sym typeface="Lato"/>
+              </a:rPr>
+              <a:t>XGBoost</a:t>
+            </a:r>
+            <a:endParaRPr/>
+          </a:p>
+        </p:txBody>
+      </p:sp>
+      <p:pic>
+        <p:nvPicPr>
+          <p:cNvPr id="254" name="Google Shape;254;p28"/>
+          <p:cNvPicPr preferRelativeResize="0"/>
+          <p:nvPr/>
+        </p:nvPicPr>
+        <p:blipFill>
+          <a:blip r:embed="rId3">
+            <a:alphaModFix/>
+          </a:blip>
+          <a:stretch>
+            <a:fillRect/>
+          </a:stretch>
+        </p:blipFill>
+        <p:spPr>
+          <a:xfrm>
+            <a:off x="2056863" y="1307850"/>
+            <a:ext cx="5520183" cy="3530850"/>
+          </a:xfrm>
+          <a:prstGeom prst="rect">
+            <a:avLst/>
+          </a:prstGeom>
+          <a:noFill/>
+          <a:ln>
+            <a:noFill/>
+          </a:ln>
+        </p:spPr>
+      </p:pic>
+    </p:spTree>
+  </p:cSld>
+  <p:clrMapOvr>
+    <a:masterClrMapping/>
+  </p:clrMapOvr>
+</p:sld>
+</file>
+
+<file path=ppt/slides/slide17.xml><?xml version="1.0" encoding="utf-8"?>
+<p:sld xmlns:a="http://schemas.openxmlformats.org/drawingml/2006/main" xmlns:r="http://schemas.openxmlformats.org/officeDocument/2006/relationships" xmlns:mc="http://schemas.openxmlformats.org/markup-compatibility/2006" xmlns:mv="urn:schemas-microsoft-com:mac:vml" xmlns:p="http://schemas.openxmlformats.org/presentationml/2006/main" xmlns:c="http://schemas.openxmlformats.org/drawingml/2006/chart" xmlns:dgm="http://schemas.openxmlformats.org/drawingml/2006/diagram" xmlns:o="urn:schemas-microsoft-com:office:office" xmlns:v="urn:schemas-microsoft-com:vml" xmlns:pvml="urn:schemas-microsoft-com:office:powerpoint" xmlns:com="http://schemas.openxmlformats.org/drawingml/2006/compatibility" xmlns:p14="http://schemas.microsoft.com/office/powerpoint/2010/main" xmlns:p15="http://schemas.microsoft.com/office/powerpoint/2012/main" xmlns:ahyp="http://schemas.microsoft.com/office/drawing/2018/hyperlinkcolor">
+  <p:cSld>
+    <p:spTree>
+      <p:nvGrpSpPr>
+        <p:cNvPr id="258" name="Shape 258"/>
+        <p:cNvGrpSpPr/>
+        <p:nvPr/>
+      </p:nvGrpSpPr>
+      <p:grpSpPr>
+        <a:xfrm>
+          <a:off x="0" y="0"/>
+          <a:ext cx="0" cy="0"/>
+          <a:chOff x="0" y="0"/>
+          <a:chExt cx="0" cy="0"/>
+        </a:xfrm>
+      </p:grpSpPr>
+      <p:sp>
+        <p:nvSpPr>
+          <p:cNvPr id="259" name="Google Shape;259;p29"/>
+          <p:cNvSpPr txBox="1"/>
+          <p:nvPr>
+            <p:ph type="title"/>
+          </p:nvPr>
+        </p:nvSpPr>
+        <p:spPr>
+          <a:xfrm>
+            <a:off x="1297500" y="393750"/>
+            <a:ext cx="7038900" cy="914100"/>
+          </a:xfrm>
+          <a:prstGeom prst="rect">
+            <a:avLst/>
+          </a:prstGeom>
+        </p:spPr>
+        <p:txBody>
+          <a:bodyPr anchorCtr="0" anchor="t" bIns="91425" lIns="91425" spcFirstLastPara="1" rIns="91425" wrap="square" tIns="91425">
+            <a:normAutofit/>
+          </a:bodyPr>
+          <a:lstStyle/>
+          <a:p>
+            <a:pPr indent="0" lvl="0" marL="0" rtl="0" algn="l">
+              <a:spcBef>
+                <a:spcPts val="0"/>
+              </a:spcBef>
+              <a:spcAft>
+                <a:spcPts val="0"/>
+              </a:spcAft>
+              <a:buNone/>
+            </a:pPr>
+            <a:r>
+              <a:rPr lang="fr"/>
               <a:t>Modèles Prédictifs</a:t>
             </a:r>
             <a:endParaRPr/>
@@ -11590,7 +12162,7 @@
       </p:sp>
       <p:sp>
         <p:nvSpPr>
-          <p:cNvPr id="244" name="Google Shape;244;p27"/>
+          <p:cNvPr id="260" name="Google Shape;260;p29"/>
           <p:cNvSpPr txBox="1"/>
           <p:nvPr/>
         </p:nvSpPr>
@@ -11648,7 +12220,7 @@
       </p:sp>
       <p:pic>
         <p:nvPicPr>
-          <p:cNvPr id="245" name="Google Shape;245;p27"/>
+          <p:cNvPr id="261" name="Google Shape;261;p29"/>
           <p:cNvPicPr preferRelativeResize="0"/>
           <p:nvPr/>
         </p:nvPicPr>
@@ -11676,7 +12248,7 @@
       </p:pic>
       <p:sp>
         <p:nvSpPr>
-          <p:cNvPr id="246" name="Google Shape;246;p27"/>
+          <p:cNvPr id="262" name="Google Shape;262;p29"/>
           <p:cNvSpPr txBox="1"/>
           <p:nvPr/>
         </p:nvSpPr>
@@ -11734,7 +12306,7 @@
       </p:sp>
       <p:sp>
         <p:nvSpPr>
-          <p:cNvPr id="247" name="Google Shape;247;p27"/>
+          <p:cNvPr id="263" name="Google Shape;263;p29"/>
           <p:cNvSpPr txBox="1"/>
           <p:nvPr>
             <p:ph idx="12" type="sldNum"/>
@@ -11780,12 +12352,12 @@
 </p:sld>
 </file>
 
-<file path=ppt/slides/slide16.xml><?xml version="1.0" encoding="utf-8"?>
+<file path=ppt/slides/slide18.xml><?xml version="1.0" encoding="utf-8"?>
 <p:sld xmlns:a="http://schemas.openxmlformats.org/drawingml/2006/main" xmlns:r="http://schemas.openxmlformats.org/officeDocument/2006/relationships" xmlns:mc="http://schemas.openxmlformats.org/markup-compatibility/2006" xmlns:mv="urn:schemas-microsoft-com:mac:vml" xmlns:p="http://schemas.openxmlformats.org/presentationml/2006/main" xmlns:c="http://schemas.openxmlformats.org/drawingml/2006/chart" xmlns:dgm="http://schemas.openxmlformats.org/drawingml/2006/diagram" xmlns:o="urn:schemas-microsoft-com:office:office" xmlns:v="urn:schemas-microsoft-com:vml" xmlns:pvml="urn:schemas-microsoft-com:office:powerpoint" xmlns:com="http://schemas.openxmlformats.org/drawingml/2006/compatibility" xmlns:p14="http://schemas.microsoft.com/office/powerpoint/2010/main" xmlns:p15="http://schemas.microsoft.com/office/powerpoint/2012/main" xmlns:ahyp="http://schemas.microsoft.com/office/drawing/2018/hyperlinkcolor">
   <p:cSld>
     <p:spTree>
       <p:nvGrpSpPr>
-        <p:cNvPr id="251" name="Shape 251"/>
+        <p:cNvPr id="267" name="Shape 267"/>
         <p:cNvGrpSpPr/>
         <p:nvPr/>
       </p:nvGrpSpPr>
@@ -11799,7 +12371,7 @@
       </p:grpSpPr>
       <p:sp>
         <p:nvSpPr>
-          <p:cNvPr id="252" name="Google Shape;252;p28"/>
+          <p:cNvPr id="268" name="Google Shape;268;p30"/>
           <p:cNvSpPr txBox="1"/>
           <p:nvPr>
             <p:ph type="title"/>
@@ -11839,7 +12411,7 @@
       </p:sp>
       <p:sp>
         <p:nvSpPr>
-          <p:cNvPr id="253" name="Google Shape;253;p28"/>
+          <p:cNvPr id="269" name="Google Shape;269;p30"/>
           <p:cNvSpPr txBox="1"/>
           <p:nvPr/>
         </p:nvSpPr>
@@ -11993,7 +12565,7 @@
       </p:sp>
       <p:sp>
         <p:nvSpPr>
-          <p:cNvPr id="254" name="Google Shape;254;p28"/>
+          <p:cNvPr id="270" name="Google Shape;270;p30"/>
           <p:cNvSpPr txBox="1"/>
           <p:nvPr>
             <p:ph idx="12" type="sldNum"/>
@@ -12818,7 +13390,7 @@
                 <a:cs typeface="Lato"/>
                 <a:sym typeface="Lato"/>
               </a:rPr>
-              <a:t>Interpolation linéaire pour compléter les valeurs</a:t>
+              <a:t>Interpolation linéaire pour compléter les valeurs hors date</a:t>
             </a:r>
             <a:endParaRPr b="1" sz="1300">
               <a:solidFill>
@@ -14055,6 +14627,285 @@
 </file>
 
 <file path=ppt/theme/theme1.xml><?xml version="1.0" encoding="utf-8"?>
+<a:theme xmlns:a="http://schemas.openxmlformats.org/drawingml/2006/main" xmlns:r="http://schemas.openxmlformats.org/officeDocument/2006/relationships" name="Focus">
+  <a:themeElements>
+    <a:clrScheme name="Focus">
+      <a:dk1>
+        <a:srgbClr val="1B212C"/>
+      </a:dk1>
+      <a:lt1>
+        <a:srgbClr val="FFFFFF"/>
+      </a:lt1>
+      <a:dk2>
+        <a:srgbClr val="D9D9D9"/>
+      </a:dk2>
+      <a:lt2>
+        <a:srgbClr val="82C7A5"/>
+      </a:lt2>
+      <a:accent1>
+        <a:srgbClr val="0145AC"/>
+      </a:accent1>
+      <a:accent2>
+        <a:srgbClr val="EECE1A"/>
+      </a:accent2>
+      <a:accent3>
+        <a:srgbClr val="4E5567"/>
+      </a:accent3>
+      <a:accent4>
+        <a:srgbClr val="F4D6AD"/>
+      </a:accent4>
+      <a:accent5>
+        <a:srgbClr val="7890CD"/>
+      </a:accent5>
+      <a:accent6>
+        <a:srgbClr val="F15E22"/>
+      </a:accent6>
+      <a:hlink>
+        <a:srgbClr val="7890CD"/>
+      </a:hlink>
+      <a:folHlink>
+        <a:srgbClr val="7890CD"/>
+      </a:folHlink>
+    </a:clrScheme>
+    <a:fontScheme name="Office">
+      <a:majorFont>
+        <a:latin typeface="Arial"/>
+        <a:ea typeface=""/>
+        <a:cs typeface=""/>
+        <a:font script="Jpan" typeface="ＭＳ Ｐゴシック"/>
+        <a:font script="Hang" typeface="맑은 고딕"/>
+        <a:font script="Hans" typeface="宋体"/>
+        <a:font script="Hant" typeface="新細明體"/>
+        <a:font script="Arab" typeface="Times New Roman"/>
+        <a:font script="Hebr" typeface="Times New Roman"/>
+        <a:font script="Thai" typeface="Angsana New"/>
+        <a:font script="Ethi" typeface="Nyala"/>
+        <a:font script="Beng" typeface="Vrinda"/>
+        <a:font script="Gujr" typeface="Shruti"/>
+        <a:font script="Khmr" typeface="MoolBoran"/>
+        <a:font script="Knda" typeface="Tunga"/>
+        <a:font script="Guru" typeface="Raavi"/>
+        <a:font script="Cans" typeface="Euphemia"/>
+        <a:font script="Cher" typeface="Plantagenet Cherokee"/>
+        <a:font script="Yiii" typeface="Microsoft Yi Baiti"/>
+        <a:font script="Tibt" typeface="Microsoft Himalaya"/>
+        <a:font script="Thaa" typeface="MV Boli"/>
+        <a:font script="Deva" typeface="Mangal"/>
+        <a:font script="Telu" typeface="Gautami"/>
+        <a:font script="Taml" typeface="Latha"/>
+        <a:font script="Syrc" typeface="Estrangelo Edessa"/>
+        <a:font script="Orya" typeface="Kalinga"/>
+        <a:font script="Mlym" typeface="Kartika"/>
+        <a:font script="Laoo" typeface="DokChampa"/>
+        <a:font script="Sinh" typeface="Iskoola Pota"/>
+        <a:font script="Mong" typeface="Mongolian Baiti"/>
+        <a:font script="Viet" typeface="Times New Roman"/>
+        <a:font script="Uigh" typeface="Microsoft Uighur"/>
+        <a:font script="Geor" typeface="Sylfaen"/>
+      </a:majorFont>
+      <a:minorFont>
+        <a:latin typeface="Arial"/>
+        <a:ea typeface=""/>
+        <a:cs typeface=""/>
+        <a:font script="Jpan" typeface="ＭＳ Ｐゴシック"/>
+        <a:font script="Hang" typeface="맑은 고딕"/>
+        <a:font script="Hans" typeface="宋体"/>
+        <a:font script="Hant" typeface="新細明體"/>
+        <a:font script="Arab" typeface="Arial"/>
+        <a:font script="Hebr" typeface="Arial"/>
+        <a:font script="Thai" typeface="Cordia New"/>
+        <a:font script="Ethi" typeface="Nyala"/>
+        <a:font script="Beng" typeface="Vrinda"/>
+        <a:font script="Gujr" typeface="Shruti"/>
+        <a:font script="Khmr" typeface="DaunPenh"/>
+        <a:font script="Knda" typeface="Tunga"/>
+        <a:font script="Guru" typeface="Raavi"/>
+        <a:font script="Cans" typeface="Euphemia"/>
+        <a:font script="Cher" typeface="Plantagenet Cherokee"/>
+        <a:font script="Yiii" typeface="Microsoft Yi Baiti"/>
+        <a:font script="Tibt" typeface="Microsoft Himalaya"/>
+        <a:font script="Thaa" typeface="MV Boli"/>
+        <a:font script="Deva" typeface="Mangal"/>
+        <a:font script="Telu" typeface="Gautami"/>
+        <a:font script="Taml" typeface="Latha"/>
+        <a:font script="Syrc" typeface="Estrangelo Edessa"/>
+        <a:font script="Orya" typeface="Kalinga"/>
+        <a:font script="Mlym" typeface="Kartika"/>
+        <a:font script="Laoo" typeface="DokChampa"/>
+        <a:font script="Sinh" typeface="Iskoola Pota"/>
+        <a:font script="Mong" typeface="Mongolian Baiti"/>
+        <a:font script="Viet" typeface="Arial"/>
+        <a:font script="Uigh" typeface="Microsoft Uighur"/>
+        <a:font script="Geor" typeface="Sylfaen"/>
+      </a:minorFont>
+    </a:fontScheme>
+    <a:fmtScheme name="Office">
+      <a:fillStyleLst>
+        <a:solidFill>
+          <a:schemeClr val="phClr"/>
+        </a:solidFill>
+        <a:gradFill rotWithShape="1">
+          <a:gsLst>
+            <a:gs pos="0">
+              <a:schemeClr val="phClr">
+                <a:tint val="50000"/>
+                <a:satMod val="300000"/>
+              </a:schemeClr>
+            </a:gs>
+            <a:gs pos="35000">
+              <a:schemeClr val="phClr">
+                <a:tint val="37000"/>
+                <a:satMod val="300000"/>
+              </a:schemeClr>
+            </a:gs>
+            <a:gs pos="100000">
+              <a:schemeClr val="phClr">
+                <a:tint val="15000"/>
+                <a:satMod val="350000"/>
+              </a:schemeClr>
+            </a:gs>
+          </a:gsLst>
+          <a:lin ang="16200000" scaled="1"/>
+        </a:gradFill>
+        <a:gradFill rotWithShape="1">
+          <a:gsLst>
+            <a:gs pos="0">
+              <a:schemeClr val="phClr">
+                <a:tint val="100000"/>
+                <a:shade val="100000"/>
+                <a:satMod val="130000"/>
+              </a:schemeClr>
+            </a:gs>
+            <a:gs pos="100000">
+              <a:schemeClr val="phClr">
+                <a:tint val="50000"/>
+                <a:shade val="100000"/>
+                <a:satMod val="350000"/>
+              </a:schemeClr>
+            </a:gs>
+          </a:gsLst>
+          <a:lin ang="16200000" scaled="0"/>
+        </a:gradFill>
+      </a:fillStyleLst>
+      <a:lnStyleLst>
+        <a:ln w="9525" cap="flat" cmpd="sng" algn="ctr">
+          <a:solidFill>
+            <a:schemeClr val="phClr">
+              <a:shade val="95000"/>
+              <a:satMod val="105000"/>
+            </a:schemeClr>
+          </a:solidFill>
+          <a:prstDash val="solid"/>
+        </a:ln>
+        <a:ln w="25400" cap="flat" cmpd="sng" algn="ctr">
+          <a:solidFill>
+            <a:schemeClr val="phClr"/>
+          </a:solidFill>
+          <a:prstDash val="solid"/>
+        </a:ln>
+        <a:ln w="38100" cap="flat" cmpd="sng" algn="ctr">
+          <a:solidFill>
+            <a:schemeClr val="phClr"/>
+          </a:solidFill>
+          <a:prstDash val="solid"/>
+        </a:ln>
+      </a:lnStyleLst>
+      <a:effectStyleLst>
+        <a:effectStyle>
+          <a:effectLst>
+            <a:outerShdw blurRad="40000" dist="20000" dir="5400000" rotWithShape="0">
+              <a:srgbClr val="000000">
+                <a:alpha val="38000"/>
+              </a:srgbClr>
+            </a:outerShdw>
+          </a:effectLst>
+        </a:effectStyle>
+        <a:effectStyle>
+          <a:effectLst>
+            <a:outerShdw blurRad="40000" dist="23000" dir="5400000" rotWithShape="0">
+              <a:srgbClr val="000000">
+                <a:alpha val="35000"/>
+              </a:srgbClr>
+            </a:outerShdw>
+          </a:effectLst>
+        </a:effectStyle>
+        <a:effectStyle>
+          <a:effectLst>
+            <a:outerShdw blurRad="40000" dist="23000" dir="5400000" rotWithShape="0">
+              <a:srgbClr val="000000">
+                <a:alpha val="35000"/>
+              </a:srgbClr>
+            </a:outerShdw>
+          </a:effectLst>
+          <a:scene3d>
+            <a:camera prst="orthographicFront">
+              <a:rot lat="0" lon="0" rev="0"/>
+            </a:camera>
+            <a:lightRig rig="threePt" dir="t">
+              <a:rot lat="0" lon="0" rev="1200000"/>
+            </a:lightRig>
+          </a:scene3d>
+          <a:sp3d>
+            <a:bevelT w="63500" h="25400"/>
+          </a:sp3d>
+        </a:effectStyle>
+      </a:effectStyleLst>
+      <a:bgFillStyleLst>
+        <a:solidFill>
+          <a:schemeClr val="phClr"/>
+        </a:solidFill>
+        <a:gradFill rotWithShape="1">
+          <a:gsLst>
+            <a:gs pos="0">
+              <a:schemeClr val="phClr">
+                <a:tint val="40000"/>
+                <a:satMod val="350000"/>
+              </a:schemeClr>
+            </a:gs>
+            <a:gs pos="40000">
+              <a:schemeClr val="phClr">
+                <a:tint val="45000"/>
+                <a:shade val="99000"/>
+                <a:satMod val="350000"/>
+              </a:schemeClr>
+            </a:gs>
+            <a:gs pos="100000">
+              <a:schemeClr val="phClr">
+                <a:shade val="20000"/>
+                <a:satMod val="255000"/>
+              </a:schemeClr>
+            </a:gs>
+          </a:gsLst>
+          <a:path path="circle">
+            <a:fillToRect l="50000" t="-80000" r="50000" b="180000"/>
+          </a:path>
+        </a:gradFill>
+        <a:gradFill rotWithShape="1">
+          <a:gsLst>
+            <a:gs pos="0">
+              <a:schemeClr val="phClr">
+                <a:tint val="80000"/>
+                <a:satMod val="300000"/>
+              </a:schemeClr>
+            </a:gs>
+            <a:gs pos="100000">
+              <a:schemeClr val="phClr">
+                <a:shade val="30000"/>
+                <a:satMod val="200000"/>
+              </a:schemeClr>
+            </a:gs>
+          </a:gsLst>
+          <a:path path="circle">
+            <a:fillToRect l="50000" t="50000" r="50000" b="50000"/>
+          </a:path>
+        </a:gradFill>
+      </a:bgFillStyleLst>
+    </a:fmtScheme>
+  </a:themeElements>
+</a:theme>
+</file>
+
+<file path=ppt/theme/theme2.xml><?xml version="1.0" encoding="utf-8"?>
 <a:theme xmlns:a="http://schemas.openxmlformats.org/drawingml/2006/main" xmlns:r="http://schemas.openxmlformats.org/officeDocument/2006/relationships">
   <a:themeElements>
     <a:clrScheme name="Default">
@@ -14331,283 +15182,4 @@
     </a:fmtScheme>
   </a:themeElements>
 </a:theme>
-</file>
-
-<file path=ppt/theme/theme2.xml><?xml version="1.0" encoding="utf-8"?>
-<a:theme xmlns:a="http://schemas.openxmlformats.org/drawingml/2006/main" xmlns:r="http://schemas.openxmlformats.org/officeDocument/2006/relationships" name="Focus">
-  <a:themeElements>
-    <a:clrScheme name="Focus">
-      <a:dk1>
-        <a:srgbClr val="1B212C"/>
-      </a:dk1>
-      <a:lt1>
-        <a:srgbClr val="FFFFFF"/>
-      </a:lt1>
-      <a:dk2>
-        <a:srgbClr val="D9D9D9"/>
-      </a:dk2>
-      <a:lt2>
-        <a:srgbClr val="82C7A5"/>
-      </a:lt2>
-      <a:accent1>
-        <a:srgbClr val="0145AC"/>
-      </a:accent1>
-      <a:accent2>
-        <a:srgbClr val="EECE1A"/>
-      </a:accent2>
-      <a:accent3>
-        <a:srgbClr val="4E5567"/>
-      </a:accent3>
-      <a:accent4>
-        <a:srgbClr val="F4D6AD"/>
-      </a:accent4>
-      <a:accent5>
-        <a:srgbClr val="7890CD"/>
-      </a:accent5>
-      <a:accent6>
-        <a:srgbClr val="F15E22"/>
-      </a:accent6>
-      <a:hlink>
-        <a:srgbClr val="7890CD"/>
-      </a:hlink>
-      <a:folHlink>
-        <a:srgbClr val="7890CD"/>
-      </a:folHlink>
-    </a:clrScheme>
-    <a:fontScheme name="Office">
-      <a:majorFont>
-        <a:latin typeface="Arial"/>
-        <a:ea typeface=""/>
-        <a:cs typeface=""/>
-        <a:font script="Jpan" typeface="ＭＳ Ｐゴシック"/>
-        <a:font script="Hang" typeface="맑은 고딕"/>
-        <a:font script="Hans" typeface="宋体"/>
-        <a:font script="Hant" typeface="新細明體"/>
-        <a:font script="Arab" typeface="Times New Roman"/>
-        <a:font script="Hebr" typeface="Times New Roman"/>
-        <a:font script="Thai" typeface="Angsana New"/>
-        <a:font script="Ethi" typeface="Nyala"/>
-        <a:font script="Beng" typeface="Vrinda"/>
-        <a:font script="Gujr" typeface="Shruti"/>
-        <a:font script="Khmr" typeface="MoolBoran"/>
-        <a:font script="Knda" typeface="Tunga"/>
-        <a:font script="Guru" typeface="Raavi"/>
-        <a:font script="Cans" typeface="Euphemia"/>
-        <a:font script="Cher" typeface="Plantagenet Cherokee"/>
-        <a:font script="Yiii" typeface="Microsoft Yi Baiti"/>
-        <a:font script="Tibt" typeface="Microsoft Himalaya"/>
-        <a:font script="Thaa" typeface="MV Boli"/>
-        <a:font script="Deva" typeface="Mangal"/>
-        <a:font script="Telu" typeface="Gautami"/>
-        <a:font script="Taml" typeface="Latha"/>
-        <a:font script="Syrc" typeface="Estrangelo Edessa"/>
-        <a:font script="Orya" typeface="Kalinga"/>
-        <a:font script="Mlym" typeface="Kartika"/>
-        <a:font script="Laoo" typeface="DokChampa"/>
-        <a:font script="Sinh" typeface="Iskoola Pota"/>
-        <a:font script="Mong" typeface="Mongolian Baiti"/>
-        <a:font script="Viet" typeface="Times New Roman"/>
-        <a:font script="Uigh" typeface="Microsoft Uighur"/>
-        <a:font script="Geor" typeface="Sylfaen"/>
-      </a:majorFont>
-      <a:minorFont>
-        <a:latin typeface="Arial"/>
-        <a:ea typeface=""/>
-        <a:cs typeface=""/>
-        <a:font script="Jpan" typeface="ＭＳ Ｐゴシック"/>
-        <a:font script="Hang" typeface="맑은 고딕"/>
-        <a:font script="Hans" typeface="宋体"/>
-        <a:font script="Hant" typeface="新細明體"/>
-        <a:font script="Arab" typeface="Arial"/>
-        <a:font script="Hebr" typeface="Arial"/>
-        <a:font script="Thai" typeface="Cordia New"/>
-        <a:font script="Ethi" typeface="Nyala"/>
-        <a:font script="Beng" typeface="Vrinda"/>
-        <a:font script="Gujr" typeface="Shruti"/>
-        <a:font script="Khmr" typeface="DaunPenh"/>
-        <a:font script="Knda" typeface="Tunga"/>
-        <a:font script="Guru" typeface="Raavi"/>
-        <a:font script="Cans" typeface="Euphemia"/>
-        <a:font script="Cher" typeface="Plantagenet Cherokee"/>
-        <a:font script="Yiii" typeface="Microsoft Yi Baiti"/>
-        <a:font script="Tibt" typeface="Microsoft Himalaya"/>
-        <a:font script="Thaa" typeface="MV Boli"/>
-        <a:font script="Deva" typeface="Mangal"/>
-        <a:font script="Telu" typeface="Gautami"/>
-        <a:font script="Taml" typeface="Latha"/>
-        <a:font script="Syrc" typeface="Estrangelo Edessa"/>
-        <a:font script="Orya" typeface="Kalinga"/>
-        <a:font script="Mlym" typeface="Kartika"/>
-        <a:font script="Laoo" typeface="DokChampa"/>
-        <a:font script="Sinh" typeface="Iskoola Pota"/>
-        <a:font script="Mong" typeface="Mongolian Baiti"/>
-        <a:font script="Viet" typeface="Arial"/>
-        <a:font script="Uigh" typeface="Microsoft Uighur"/>
-        <a:font script="Geor" typeface="Sylfaen"/>
-      </a:minorFont>
-    </a:fontScheme>
-    <a:fmtScheme name="Office">
-      <a:fillStyleLst>
-        <a:solidFill>
-          <a:schemeClr val="phClr"/>
-        </a:solidFill>
-        <a:gradFill rotWithShape="1">
-          <a:gsLst>
-            <a:gs pos="0">
-              <a:schemeClr val="phClr">
-                <a:tint val="50000"/>
-                <a:satMod val="300000"/>
-              </a:schemeClr>
-            </a:gs>
-            <a:gs pos="35000">
-              <a:schemeClr val="phClr">
-                <a:tint val="37000"/>
-                <a:satMod val="300000"/>
-              </a:schemeClr>
-            </a:gs>
-            <a:gs pos="100000">
-              <a:schemeClr val="phClr">
-                <a:tint val="15000"/>
-                <a:satMod val="350000"/>
-              </a:schemeClr>
-            </a:gs>
-          </a:gsLst>
-          <a:lin ang="16200000" scaled="1"/>
-        </a:gradFill>
-        <a:gradFill rotWithShape="1">
-          <a:gsLst>
-            <a:gs pos="0">
-              <a:schemeClr val="phClr">
-                <a:tint val="100000"/>
-                <a:shade val="100000"/>
-                <a:satMod val="130000"/>
-              </a:schemeClr>
-            </a:gs>
-            <a:gs pos="100000">
-              <a:schemeClr val="phClr">
-                <a:tint val="50000"/>
-                <a:shade val="100000"/>
-                <a:satMod val="350000"/>
-              </a:schemeClr>
-            </a:gs>
-          </a:gsLst>
-          <a:lin ang="16200000" scaled="0"/>
-        </a:gradFill>
-      </a:fillStyleLst>
-      <a:lnStyleLst>
-        <a:ln w="9525" cap="flat" cmpd="sng" algn="ctr">
-          <a:solidFill>
-            <a:schemeClr val="phClr">
-              <a:shade val="95000"/>
-              <a:satMod val="105000"/>
-            </a:schemeClr>
-          </a:solidFill>
-          <a:prstDash val="solid"/>
-        </a:ln>
-        <a:ln w="25400" cap="flat" cmpd="sng" algn="ctr">
-          <a:solidFill>
-            <a:schemeClr val="phClr"/>
-          </a:solidFill>
-          <a:prstDash val="solid"/>
-        </a:ln>
-        <a:ln w="38100" cap="flat" cmpd="sng" algn="ctr">
-          <a:solidFill>
-            <a:schemeClr val="phClr"/>
-          </a:solidFill>
-          <a:prstDash val="solid"/>
-        </a:ln>
-      </a:lnStyleLst>
-      <a:effectStyleLst>
-        <a:effectStyle>
-          <a:effectLst>
-            <a:outerShdw blurRad="40000" dist="20000" dir="5400000" rotWithShape="0">
-              <a:srgbClr val="000000">
-                <a:alpha val="38000"/>
-              </a:srgbClr>
-            </a:outerShdw>
-          </a:effectLst>
-        </a:effectStyle>
-        <a:effectStyle>
-          <a:effectLst>
-            <a:outerShdw blurRad="40000" dist="23000" dir="5400000" rotWithShape="0">
-              <a:srgbClr val="000000">
-                <a:alpha val="35000"/>
-              </a:srgbClr>
-            </a:outerShdw>
-          </a:effectLst>
-        </a:effectStyle>
-        <a:effectStyle>
-          <a:effectLst>
-            <a:outerShdw blurRad="40000" dist="23000" dir="5400000" rotWithShape="0">
-              <a:srgbClr val="000000">
-                <a:alpha val="35000"/>
-              </a:srgbClr>
-            </a:outerShdw>
-          </a:effectLst>
-          <a:scene3d>
-            <a:camera prst="orthographicFront">
-              <a:rot lat="0" lon="0" rev="0"/>
-            </a:camera>
-            <a:lightRig rig="threePt" dir="t">
-              <a:rot lat="0" lon="0" rev="1200000"/>
-            </a:lightRig>
-          </a:scene3d>
-          <a:sp3d>
-            <a:bevelT w="63500" h="25400"/>
-          </a:sp3d>
-        </a:effectStyle>
-      </a:effectStyleLst>
-      <a:bgFillStyleLst>
-        <a:solidFill>
-          <a:schemeClr val="phClr"/>
-        </a:solidFill>
-        <a:gradFill rotWithShape="1">
-          <a:gsLst>
-            <a:gs pos="0">
-              <a:schemeClr val="phClr">
-                <a:tint val="40000"/>
-                <a:satMod val="350000"/>
-              </a:schemeClr>
-            </a:gs>
-            <a:gs pos="40000">
-              <a:schemeClr val="phClr">
-                <a:tint val="45000"/>
-                <a:shade val="99000"/>
-                <a:satMod val="350000"/>
-              </a:schemeClr>
-            </a:gs>
-            <a:gs pos="100000">
-              <a:schemeClr val="phClr">
-                <a:shade val="20000"/>
-                <a:satMod val="255000"/>
-              </a:schemeClr>
-            </a:gs>
-          </a:gsLst>
-          <a:path path="circle">
-            <a:fillToRect l="50000" t="-80000" r="50000" b="180000"/>
-          </a:path>
-        </a:gradFill>
-        <a:gradFill rotWithShape="1">
-          <a:gsLst>
-            <a:gs pos="0">
-              <a:schemeClr val="phClr">
-                <a:tint val="80000"/>
-                <a:satMod val="300000"/>
-              </a:schemeClr>
-            </a:gs>
-            <a:gs pos="100000">
-              <a:schemeClr val="phClr">
-                <a:shade val="30000"/>
-                <a:satMod val="200000"/>
-              </a:schemeClr>
-            </a:gs>
-          </a:gsLst>
-          <a:path path="circle">
-            <a:fillToRect l="50000" t="50000" r="50000" b="50000"/>
-          </a:path>
-        </a:gradFill>
-      </a:bgFillStyleLst>
-    </a:fmtScheme>
-  </a:themeElements>
-</a:theme>
 </file>
--- a/Machine_Learning_ISUP.pptx
+++ b/Machine_Learning_ISUP.pptx
@@ -26,23 +26,25 @@
     <p:sldId id="271" r:id="rId21"/>
     <p:sldId id="272" r:id="rId22"/>
     <p:sldId id="273" r:id="rId23"/>
+    <p:sldId id="274" r:id="rId24"/>
+    <p:sldId id="275" r:id="rId25"/>
   </p:sldIdLst>
   <p:sldSz cy="5143500" cx="9144000"/>
   <p:notesSz cx="6858000" cy="9144000"/>
   <p:embeddedFontLst>
     <p:embeddedFont>
       <p:font typeface="Montserrat"/>
-      <p:regular r:id="rId24"/>
-      <p:bold r:id="rId25"/>
-      <p:italic r:id="rId26"/>
-      <p:boldItalic r:id="rId27"/>
+      <p:regular r:id="rId26"/>
+      <p:bold r:id="rId27"/>
+      <p:italic r:id="rId28"/>
+      <p:boldItalic r:id="rId29"/>
     </p:embeddedFont>
     <p:embeddedFont>
       <p:font typeface="Lato"/>
-      <p:regular r:id="rId28"/>
-      <p:bold r:id="rId29"/>
-      <p:italic r:id="rId30"/>
-      <p:boldItalic r:id="rId31"/>
+      <p:regular r:id="rId30"/>
+      <p:bold r:id="rId31"/>
+      <p:italic r:id="rId32"/>
+      <p:boldItalic r:id="rId33"/>
     </p:embeddedFont>
   </p:embeddedFontLst>
   <p:defaultTextStyle>
@@ -823,7 +825,7 @@
   <p:cSld>
     <p:spTree>
       <p:nvGrpSpPr>
-        <p:cNvPr id="199" name="Shape 199"/>
+        <p:cNvPr id="200" name="Shape 200"/>
         <p:cNvGrpSpPr/>
         <p:nvPr/>
       </p:nvGrpSpPr>
@@ -837,7 +839,7 @@
       </p:grpSpPr>
       <p:sp>
         <p:nvSpPr>
-          <p:cNvPr id="200" name="Google Shape;200;g323493370c0_0_160:notes"/>
+          <p:cNvPr id="201" name="Google Shape;201;g323493370c0_0_160:notes"/>
           <p:cNvSpPr/>
           <p:nvPr>
             <p:ph idx="2" type="sldImg"/>
@@ -872,7 +874,7 @@
       </p:sp>
       <p:sp>
         <p:nvSpPr>
-          <p:cNvPr id="201" name="Google Shape;201;g323493370c0_0_160:notes"/>
+          <p:cNvPr id="202" name="Google Shape;202;g323493370c0_0_160:notes"/>
           <p:cNvSpPr txBox="1"/>
           <p:nvPr>
             <p:ph idx="1" type="body"/>
@@ -922,7 +924,7 @@
   <p:cSld>
     <p:spTree>
       <p:nvGrpSpPr>
-        <p:cNvPr id="207" name="Shape 207"/>
+        <p:cNvPr id="208" name="Shape 208"/>
         <p:cNvGrpSpPr/>
         <p:nvPr/>
       </p:nvGrpSpPr>
@@ -936,7 +938,7 @@
       </p:grpSpPr>
       <p:sp>
         <p:nvSpPr>
-          <p:cNvPr id="208" name="Google Shape;208;g323493370c0_0_236:notes"/>
+          <p:cNvPr id="209" name="Google Shape;209;g323493370c0_0_236:notes"/>
           <p:cNvSpPr/>
           <p:nvPr>
             <p:ph idx="2" type="sldImg"/>
@@ -971,7 +973,7 @@
       </p:sp>
       <p:sp>
         <p:nvSpPr>
-          <p:cNvPr id="209" name="Google Shape;209;g323493370c0_0_236:notes"/>
+          <p:cNvPr id="210" name="Google Shape;210;g323493370c0_0_236:notes"/>
           <p:cNvSpPr txBox="1"/>
           <p:nvPr>
             <p:ph idx="1" type="body"/>
@@ -1021,7 +1023,7 @@
   <p:cSld>
     <p:spTree>
       <p:nvGrpSpPr>
-        <p:cNvPr id="215" name="Shape 215"/>
+        <p:cNvPr id="216" name="Shape 216"/>
         <p:cNvGrpSpPr/>
         <p:nvPr/>
       </p:nvGrpSpPr>
@@ -1035,7 +1037,7 @@
       </p:grpSpPr>
       <p:sp>
         <p:nvSpPr>
-          <p:cNvPr id="216" name="Google Shape;216;g323493370c0_0_283:notes"/>
+          <p:cNvPr id="217" name="Google Shape;217;g323493370c0_0_283:notes"/>
           <p:cNvSpPr/>
           <p:nvPr>
             <p:ph idx="2" type="sldImg"/>
@@ -1070,7 +1072,7 @@
       </p:sp>
       <p:sp>
         <p:nvSpPr>
-          <p:cNvPr id="217" name="Google Shape;217;g323493370c0_0_283:notes"/>
+          <p:cNvPr id="218" name="Google Shape;218;g323493370c0_0_283:notes"/>
           <p:cNvSpPr txBox="1"/>
           <p:nvPr>
             <p:ph idx="1" type="body"/>
@@ -1120,7 +1122,7 @@
   <p:cSld>
     <p:spTree>
       <p:nvGrpSpPr>
-        <p:cNvPr id="223" name="Shape 223"/>
+        <p:cNvPr id="224" name="Shape 224"/>
         <p:cNvGrpSpPr/>
         <p:nvPr/>
       </p:nvGrpSpPr>
@@ -1134,7 +1136,7 @@
       </p:grpSpPr>
       <p:sp>
         <p:nvSpPr>
-          <p:cNvPr id="224" name="Google Shape;224;g323c9e1032c_1_21:notes"/>
+          <p:cNvPr id="225" name="Google Shape;225;g323c9e1032c_1_21:notes"/>
           <p:cNvSpPr/>
           <p:nvPr>
             <p:ph idx="2" type="sldImg"/>
@@ -1169,7 +1171,7 @@
       </p:sp>
       <p:sp>
         <p:nvSpPr>
-          <p:cNvPr id="225" name="Google Shape;225;g323c9e1032c_1_21:notes"/>
+          <p:cNvPr id="226" name="Google Shape;226;g323c9e1032c_1_21:notes"/>
           <p:cNvSpPr txBox="1"/>
           <p:nvPr>
             <p:ph idx="1" type="body"/>
@@ -1219,7 +1221,7 @@
   <p:cSld>
     <p:spTree>
       <p:nvGrpSpPr>
-        <p:cNvPr id="231" name="Shape 231"/>
+        <p:cNvPr id="232" name="Shape 232"/>
         <p:cNvGrpSpPr/>
         <p:nvPr/>
       </p:nvGrpSpPr>
@@ -1233,7 +1235,7 @@
       </p:grpSpPr>
       <p:sp>
         <p:nvSpPr>
-          <p:cNvPr id="232" name="Google Shape;232;g323493370c0_0_257:notes"/>
+          <p:cNvPr id="233" name="Google Shape;233;g323493370c0_0_257:notes"/>
           <p:cNvSpPr/>
           <p:nvPr>
             <p:ph idx="2" type="sldImg"/>
@@ -1268,7 +1270,7 @@
       </p:sp>
       <p:sp>
         <p:nvSpPr>
-          <p:cNvPr id="233" name="Google Shape;233;g323493370c0_0_257:notes"/>
+          <p:cNvPr id="234" name="Google Shape;234;g323493370c0_0_257:notes"/>
           <p:cNvSpPr txBox="1"/>
           <p:nvPr>
             <p:ph idx="1" type="body"/>
@@ -1318,7 +1320,7 @@
   <p:cSld>
     <p:spTree>
       <p:nvGrpSpPr>
-        <p:cNvPr id="239" name="Shape 239"/>
+        <p:cNvPr id="240" name="Shape 240"/>
         <p:cNvGrpSpPr/>
         <p:nvPr/>
       </p:nvGrpSpPr>
@@ -1332,7 +1334,7 @@
       </p:grpSpPr>
       <p:sp>
         <p:nvSpPr>
-          <p:cNvPr id="240" name="Google Shape;240;g323493370c0_0_291:notes"/>
+          <p:cNvPr id="241" name="Google Shape;241;g323493370c0_0_291:notes"/>
           <p:cNvSpPr/>
           <p:nvPr>
             <p:ph idx="2" type="sldImg"/>
@@ -1367,7 +1369,7 @@
       </p:sp>
       <p:sp>
         <p:nvSpPr>
-          <p:cNvPr id="241" name="Google Shape;241;g323493370c0_0_291:notes"/>
+          <p:cNvPr id="242" name="Google Shape;242;g323493370c0_0_291:notes"/>
           <p:cNvSpPr txBox="1"/>
           <p:nvPr>
             <p:ph idx="1" type="body"/>
@@ -1417,7 +1419,7 @@
   <p:cSld>
     <p:spTree>
       <p:nvGrpSpPr>
-        <p:cNvPr id="247" name="Shape 247"/>
+        <p:cNvPr id="248" name="Shape 248"/>
         <p:cNvGrpSpPr/>
         <p:nvPr/>
       </p:nvGrpSpPr>
@@ -1431,7 +1433,7 @@
       </p:grpSpPr>
       <p:sp>
         <p:nvSpPr>
-          <p:cNvPr id="248" name="Google Shape;248;g323c9e1032c_1_35:notes"/>
+          <p:cNvPr id="249" name="Google Shape;249;g323c9e1032c_1_35:notes"/>
           <p:cNvSpPr/>
           <p:nvPr>
             <p:ph idx="2" type="sldImg"/>
@@ -1466,7 +1468,7 @@
       </p:sp>
       <p:sp>
         <p:nvSpPr>
-          <p:cNvPr id="249" name="Google Shape;249;g323c9e1032c_1_35:notes"/>
+          <p:cNvPr id="250" name="Google Shape;250;g323c9e1032c_1_35:notes"/>
           <p:cNvSpPr txBox="1"/>
           <p:nvPr>
             <p:ph idx="1" type="body"/>
@@ -1516,7 +1518,7 @@
   <p:cSld>
     <p:spTree>
       <p:nvGrpSpPr>
-        <p:cNvPr id="255" name="Shape 255"/>
+        <p:cNvPr id="256" name="Shape 256"/>
         <p:cNvGrpSpPr/>
         <p:nvPr/>
       </p:nvGrpSpPr>
@@ -1530,7 +1532,7 @@
       </p:grpSpPr>
       <p:sp>
         <p:nvSpPr>
-          <p:cNvPr id="256" name="Google Shape;256;g323493370c0_0_170:notes"/>
+          <p:cNvPr id="257" name="Google Shape;257;g323493370c0_0_170:notes"/>
           <p:cNvSpPr/>
           <p:nvPr>
             <p:ph idx="2" type="sldImg"/>
@@ -1565,7 +1567,7 @@
       </p:sp>
       <p:sp>
         <p:nvSpPr>
-          <p:cNvPr id="257" name="Google Shape;257;g323493370c0_0_170:notes"/>
+          <p:cNvPr id="258" name="Google Shape;258;g323493370c0_0_170:notes"/>
           <p:cNvSpPr txBox="1"/>
           <p:nvPr>
             <p:ph idx="1" type="body"/>
@@ -1615,7 +1617,7 @@
   <p:cSld>
     <p:spTree>
       <p:nvGrpSpPr>
-        <p:cNvPr id="264" name="Shape 264"/>
+        <p:cNvPr id="266" name="Shape 266"/>
         <p:cNvGrpSpPr/>
         <p:nvPr/>
       </p:nvGrpSpPr>
@@ -1629,7 +1631,7 @@
       </p:grpSpPr>
       <p:sp>
         <p:nvSpPr>
-          <p:cNvPr id="265" name="Google Shape;265;g323493370c0_0_188:notes"/>
+          <p:cNvPr id="267" name="Google Shape;267;g323c9e1032c_1_51:notes"/>
           <p:cNvSpPr/>
           <p:nvPr>
             <p:ph idx="2" type="sldImg"/>
@@ -1664,7 +1666,106 @@
       </p:sp>
       <p:sp>
         <p:nvSpPr>
-          <p:cNvPr id="266" name="Google Shape;266;g323493370c0_0_188:notes"/>
+          <p:cNvPr id="268" name="Google Shape;268;g323c9e1032c_1_51:notes"/>
+          <p:cNvSpPr txBox="1"/>
+          <p:nvPr>
+            <p:ph idx="1" type="body"/>
+          </p:nvPr>
+        </p:nvSpPr>
+        <p:spPr>
+          <a:xfrm>
+            <a:off x="685800" y="4343400"/>
+            <a:ext cx="5486400" cy="4114800"/>
+          </a:xfrm>
+          <a:prstGeom prst="rect">
+            <a:avLst/>
+          </a:prstGeom>
+        </p:spPr>
+        <p:txBody>
+          <a:bodyPr anchorCtr="0" anchor="t" bIns="91425" lIns="91425" spcFirstLastPara="1" rIns="91425" wrap="square" tIns="91425">
+            <a:noAutofit/>
+          </a:bodyPr>
+          <a:lstStyle/>
+          <a:p>
+            <a:pPr indent="0" lvl="0" marL="0" rtl="0" algn="l">
+              <a:spcBef>
+                <a:spcPts val="0"/>
+              </a:spcBef>
+              <a:spcAft>
+                <a:spcPts val="0"/>
+              </a:spcAft>
+              <a:buNone/>
+            </a:pPr>
+            <a:r>
+              <a:t/>
+            </a:r>
+            <a:endParaRPr/>
+          </a:p>
+        </p:txBody>
+      </p:sp>
+    </p:spTree>
+  </p:cSld>
+  <p:clrMapOvr>
+    <a:masterClrMapping/>
+  </p:clrMapOvr>
+</p:notes>
+</file>
+
+<file path=ppt/notesSlides/notesSlide19.xml><?xml version="1.0" encoding="utf-8"?>
+<p:notes xmlns:a="http://schemas.openxmlformats.org/drawingml/2006/main" xmlns:r="http://schemas.openxmlformats.org/officeDocument/2006/relationships" xmlns:mc="http://schemas.openxmlformats.org/markup-compatibility/2006" xmlns:mv="urn:schemas-microsoft-com:mac:vml" xmlns:p="http://schemas.openxmlformats.org/presentationml/2006/main" xmlns:c="http://schemas.openxmlformats.org/drawingml/2006/chart" xmlns:dgm="http://schemas.openxmlformats.org/drawingml/2006/diagram" xmlns:o="urn:schemas-microsoft-com:office:office" xmlns:v="urn:schemas-microsoft-com:vml" xmlns:pvml="urn:schemas-microsoft-com:office:powerpoint" xmlns:com="http://schemas.openxmlformats.org/drawingml/2006/compatibility" xmlns:p14="http://schemas.microsoft.com/office/powerpoint/2010/main" xmlns:p15="http://schemas.microsoft.com/office/powerpoint/2012/main" xmlns:ahyp="http://schemas.microsoft.com/office/drawing/2018/hyperlinkcolor" showMasterPhAnim="0" showMasterSp="0">
+  <p:cSld>
+    <p:spTree>
+      <p:nvGrpSpPr>
+        <p:cNvPr id="275" name="Shape 275"/>
+        <p:cNvGrpSpPr/>
+        <p:nvPr/>
+      </p:nvGrpSpPr>
+      <p:grpSpPr>
+        <a:xfrm>
+          <a:off x="0" y="0"/>
+          <a:ext cx="0" cy="0"/>
+          <a:chOff x="0" y="0"/>
+          <a:chExt cx="0" cy="0"/>
+        </a:xfrm>
+      </p:grpSpPr>
+      <p:sp>
+        <p:nvSpPr>
+          <p:cNvPr id="276" name="Google Shape;276;g323c9e1032c_1_62:notes"/>
+          <p:cNvSpPr/>
+          <p:nvPr>
+            <p:ph idx="2" type="sldImg"/>
+          </p:nvPr>
+        </p:nvSpPr>
+        <p:spPr>
+          <a:xfrm>
+            <a:off x="381300" y="685800"/>
+            <a:ext cx="6096000" cy="3429000"/>
+          </a:xfrm>
+          <a:custGeom>
+            <a:rect b="b" l="l" r="r" t="t"/>
+            <a:pathLst>
+              <a:path extrusionOk="0" h="120000" w="120000">
+                <a:moveTo>
+                  <a:pt x="0" y="0"/>
+                </a:moveTo>
+                <a:lnTo>
+                  <a:pt x="120000" y="0"/>
+                </a:lnTo>
+                <a:lnTo>
+                  <a:pt x="120000" y="120000"/>
+                </a:lnTo>
+                <a:lnTo>
+                  <a:pt x="0" y="120000"/>
+                </a:lnTo>
+                <a:close/>
+              </a:path>
+            </a:pathLst>
+          </a:custGeom>
+        </p:spPr>
+      </p:sp>
+      <p:sp>
+        <p:nvSpPr>
+          <p:cNvPr id="277" name="Google Shape;277;g323c9e1032c_1_62:notes"/>
           <p:cNvSpPr txBox="1"/>
           <p:nvPr>
             <p:ph idx="1" type="body"/>
@@ -1808,6 +1909,105 @@
 </p:notes>
 </file>
 
+<file path=ppt/notesSlides/notesSlide20.xml><?xml version="1.0" encoding="utf-8"?>
+<p:notes xmlns:a="http://schemas.openxmlformats.org/drawingml/2006/main" xmlns:r="http://schemas.openxmlformats.org/officeDocument/2006/relationships" xmlns:mc="http://schemas.openxmlformats.org/markup-compatibility/2006" xmlns:mv="urn:schemas-microsoft-com:mac:vml" xmlns:p="http://schemas.openxmlformats.org/presentationml/2006/main" xmlns:c="http://schemas.openxmlformats.org/drawingml/2006/chart" xmlns:dgm="http://schemas.openxmlformats.org/drawingml/2006/diagram" xmlns:o="urn:schemas-microsoft-com:office:office" xmlns:v="urn:schemas-microsoft-com:vml" xmlns:pvml="urn:schemas-microsoft-com:office:powerpoint" xmlns:com="http://schemas.openxmlformats.org/drawingml/2006/compatibility" xmlns:p14="http://schemas.microsoft.com/office/powerpoint/2010/main" xmlns:p15="http://schemas.microsoft.com/office/powerpoint/2012/main" xmlns:ahyp="http://schemas.microsoft.com/office/drawing/2018/hyperlinkcolor" showMasterPhAnim="0" showMasterSp="0">
+  <p:cSld>
+    <p:spTree>
+      <p:nvGrpSpPr>
+        <p:cNvPr id="283" name="Shape 283"/>
+        <p:cNvGrpSpPr/>
+        <p:nvPr/>
+      </p:nvGrpSpPr>
+      <p:grpSpPr>
+        <a:xfrm>
+          <a:off x="0" y="0"/>
+          <a:ext cx="0" cy="0"/>
+          <a:chOff x="0" y="0"/>
+          <a:chExt cx="0" cy="0"/>
+        </a:xfrm>
+      </p:grpSpPr>
+      <p:sp>
+        <p:nvSpPr>
+          <p:cNvPr id="284" name="Google Shape;284;g323493370c0_0_188:notes"/>
+          <p:cNvSpPr/>
+          <p:nvPr>
+            <p:ph idx="2" type="sldImg"/>
+          </p:nvPr>
+        </p:nvSpPr>
+        <p:spPr>
+          <a:xfrm>
+            <a:off x="381300" y="685800"/>
+            <a:ext cx="6096000" cy="3429000"/>
+          </a:xfrm>
+          <a:custGeom>
+            <a:rect b="b" l="l" r="r" t="t"/>
+            <a:pathLst>
+              <a:path extrusionOk="0" h="120000" w="120000">
+                <a:moveTo>
+                  <a:pt x="0" y="0"/>
+                </a:moveTo>
+                <a:lnTo>
+                  <a:pt x="120000" y="0"/>
+                </a:lnTo>
+                <a:lnTo>
+                  <a:pt x="120000" y="120000"/>
+                </a:lnTo>
+                <a:lnTo>
+                  <a:pt x="0" y="120000"/>
+                </a:lnTo>
+                <a:close/>
+              </a:path>
+            </a:pathLst>
+          </a:custGeom>
+        </p:spPr>
+      </p:sp>
+      <p:sp>
+        <p:nvSpPr>
+          <p:cNvPr id="285" name="Google Shape;285;g323493370c0_0_188:notes"/>
+          <p:cNvSpPr txBox="1"/>
+          <p:nvPr>
+            <p:ph idx="1" type="body"/>
+          </p:nvPr>
+        </p:nvSpPr>
+        <p:spPr>
+          <a:xfrm>
+            <a:off x="685800" y="4343400"/>
+            <a:ext cx="5486400" cy="4114800"/>
+          </a:xfrm>
+          <a:prstGeom prst="rect">
+            <a:avLst/>
+          </a:prstGeom>
+        </p:spPr>
+        <p:txBody>
+          <a:bodyPr anchorCtr="0" anchor="t" bIns="91425" lIns="91425" spcFirstLastPara="1" rIns="91425" wrap="square" tIns="91425">
+            <a:noAutofit/>
+          </a:bodyPr>
+          <a:lstStyle/>
+          <a:p>
+            <a:pPr indent="0" lvl="0" marL="0" rtl="0" algn="l">
+              <a:spcBef>
+                <a:spcPts val="0"/>
+              </a:spcBef>
+              <a:spcAft>
+                <a:spcPts val="0"/>
+              </a:spcAft>
+              <a:buNone/>
+            </a:pPr>
+            <a:r>
+              <a:t/>
+            </a:r>
+            <a:endParaRPr/>
+          </a:p>
+        </p:txBody>
+      </p:sp>
+    </p:spTree>
+  </p:cSld>
+  <p:clrMapOvr>
+    <a:masterClrMapping/>
+  </p:clrMapOvr>
+</p:notes>
+</file>
+
 <file path=ppt/notesSlides/notesSlide3.xml><?xml version="1.0" encoding="utf-8"?>
 <p:notes xmlns:a="http://schemas.openxmlformats.org/drawingml/2006/main" xmlns:r="http://schemas.openxmlformats.org/officeDocument/2006/relationships" xmlns:mc="http://schemas.openxmlformats.org/markup-compatibility/2006" xmlns:mv="urn:schemas-microsoft-com:mac:vml" xmlns:p="http://schemas.openxmlformats.org/presentationml/2006/main" xmlns:c="http://schemas.openxmlformats.org/drawingml/2006/chart" xmlns:dgm="http://schemas.openxmlformats.org/drawingml/2006/diagram" xmlns:o="urn:schemas-microsoft-com:office:office" xmlns:v="urn:schemas-microsoft-com:vml" xmlns:pvml="urn:schemas-microsoft-com:office:powerpoint" xmlns:com="http://schemas.openxmlformats.org/drawingml/2006/compatibility" xmlns:p14="http://schemas.microsoft.com/office/powerpoint/2010/main" xmlns:p15="http://schemas.microsoft.com/office/powerpoint/2012/main" xmlns:ahyp="http://schemas.microsoft.com/office/drawing/2018/hyperlinkcolor" showMasterPhAnim="0" showMasterSp="0">
   <p:cSld>
@@ -2110,7 +2310,7 @@
   <p:cSld>
     <p:spTree>
       <p:nvGrpSpPr>
-        <p:cNvPr id="168" name="Shape 168"/>
+        <p:cNvPr id="169" name="Shape 169"/>
         <p:cNvGrpSpPr/>
         <p:nvPr/>
       </p:nvGrpSpPr>
@@ -2124,7 +2324,7 @@
       </p:grpSpPr>
       <p:sp>
         <p:nvSpPr>
-          <p:cNvPr id="169" name="Google Shape;169;g323493370c0_0_136:notes"/>
+          <p:cNvPr id="170" name="Google Shape;170;g323493370c0_0_136:notes"/>
           <p:cNvSpPr/>
           <p:nvPr>
             <p:ph idx="2" type="sldImg"/>
@@ -2159,7 +2359,7 @@
       </p:sp>
       <p:sp>
         <p:nvSpPr>
-          <p:cNvPr id="170" name="Google Shape;170;g323493370c0_0_136:notes"/>
+          <p:cNvPr id="171" name="Google Shape;171;g323493370c0_0_136:notes"/>
           <p:cNvSpPr txBox="1"/>
           <p:nvPr>
             <p:ph idx="1" type="body"/>
@@ -2209,7 +2409,7 @@
   <p:cSld>
     <p:spTree>
       <p:nvGrpSpPr>
-        <p:cNvPr id="176" name="Shape 176"/>
+        <p:cNvPr id="177" name="Shape 177"/>
         <p:cNvGrpSpPr/>
         <p:nvPr/>
       </p:nvGrpSpPr>
@@ -2223,7 +2423,7 @@
       </p:grpSpPr>
       <p:sp>
         <p:nvSpPr>
-          <p:cNvPr id="177" name="Google Shape;177;g323493370c0_0_154:notes"/>
+          <p:cNvPr id="178" name="Google Shape;178;g323493370c0_0_154:notes"/>
           <p:cNvSpPr/>
           <p:nvPr>
             <p:ph idx="2" type="sldImg"/>
@@ -2258,7 +2458,7 @@
       </p:sp>
       <p:sp>
         <p:nvSpPr>
-          <p:cNvPr id="178" name="Google Shape;178;g323493370c0_0_154:notes"/>
+          <p:cNvPr id="179" name="Google Shape;179;g323493370c0_0_154:notes"/>
           <p:cNvSpPr txBox="1"/>
           <p:nvPr>
             <p:ph idx="1" type="body"/>
@@ -2308,7 +2508,7 @@
   <p:cSld>
     <p:spTree>
       <p:nvGrpSpPr>
-        <p:cNvPr id="184" name="Shape 184"/>
+        <p:cNvPr id="185" name="Shape 185"/>
         <p:cNvGrpSpPr/>
         <p:nvPr/>
       </p:nvGrpSpPr>
@@ -2322,7 +2522,7 @@
       </p:grpSpPr>
       <p:sp>
         <p:nvSpPr>
-          <p:cNvPr id="185" name="Google Shape;185;g323493370c0_0_141:notes"/>
+          <p:cNvPr id="186" name="Google Shape;186;g323493370c0_0_141:notes"/>
           <p:cNvSpPr/>
           <p:nvPr>
             <p:ph idx="2" type="sldImg"/>
@@ -2357,7 +2557,7 @@
       </p:sp>
       <p:sp>
         <p:nvSpPr>
-          <p:cNvPr id="186" name="Google Shape;186;g323493370c0_0_141:notes"/>
+          <p:cNvPr id="187" name="Google Shape;187;g323493370c0_0_141:notes"/>
           <p:cNvSpPr txBox="1"/>
           <p:nvPr>
             <p:ph idx="1" type="body"/>
@@ -2407,7 +2607,7 @@
   <p:cSld>
     <p:spTree>
       <p:nvGrpSpPr>
-        <p:cNvPr id="191" name="Shape 191"/>
+        <p:cNvPr id="192" name="Shape 192"/>
         <p:cNvGrpSpPr/>
         <p:nvPr/>
       </p:nvGrpSpPr>
@@ -2421,7 +2621,7 @@
       </p:grpSpPr>
       <p:sp>
         <p:nvSpPr>
-          <p:cNvPr id="192" name="Google Shape;192;g323493370c0_0_146:notes"/>
+          <p:cNvPr id="193" name="Google Shape;193;g323493370c0_0_146:notes"/>
           <p:cNvSpPr/>
           <p:nvPr>
             <p:ph idx="2" type="sldImg"/>
@@ -2456,7 +2656,7 @@
       </p:sp>
       <p:sp>
         <p:nvSpPr>
-          <p:cNvPr id="193" name="Google Shape;193;g323493370c0_0_146:notes"/>
+          <p:cNvPr id="194" name="Google Shape;194;g323493370c0_0_146:notes"/>
           <p:cNvSpPr txBox="1"/>
           <p:nvPr>
             <p:ph idx="1" type="body"/>
@@ -10794,7 +10994,7 @@
   <p:cSld>
     <p:spTree>
       <p:nvGrpSpPr>
-        <p:cNvPr id="202" name="Shape 202"/>
+        <p:cNvPr id="203" name="Shape 203"/>
         <p:cNvGrpSpPr/>
         <p:nvPr/>
       </p:nvGrpSpPr>
@@ -10808,7 +11008,7 @@
       </p:grpSpPr>
       <p:sp>
         <p:nvSpPr>
-          <p:cNvPr id="203" name="Google Shape;203;p22"/>
+          <p:cNvPr id="204" name="Google Shape;204;p22"/>
           <p:cNvSpPr txBox="1"/>
           <p:nvPr>
             <p:ph type="title"/>
@@ -10848,7 +11048,7 @@
       </p:sp>
       <p:sp>
         <p:nvSpPr>
-          <p:cNvPr id="204" name="Google Shape;204;p22"/>
+          <p:cNvPr id="205" name="Google Shape;205;p22"/>
           <p:cNvSpPr txBox="1"/>
           <p:nvPr>
             <p:ph idx="12" type="sldNum"/>
@@ -10888,7 +11088,7 @@
       </p:sp>
       <p:sp>
         <p:nvSpPr>
-          <p:cNvPr id="205" name="Google Shape;205;p22"/>
+          <p:cNvPr id="206" name="Google Shape;206;p22"/>
           <p:cNvSpPr txBox="1"/>
           <p:nvPr/>
         </p:nvSpPr>
@@ -10953,7 +11153,7 @@
       </p:sp>
       <p:pic>
         <p:nvPicPr>
-          <p:cNvPr id="206" name="Google Shape;206;p22"/>
+          <p:cNvPr id="207" name="Google Shape;207;p22"/>
           <p:cNvPicPr preferRelativeResize="0"/>
           <p:nvPr/>
         </p:nvPicPr>
@@ -10992,7 +11192,7 @@
   <p:cSld>
     <p:spTree>
       <p:nvGrpSpPr>
-        <p:cNvPr id="210" name="Shape 210"/>
+        <p:cNvPr id="211" name="Shape 211"/>
         <p:cNvGrpSpPr/>
         <p:nvPr/>
       </p:nvGrpSpPr>
@@ -11006,7 +11206,7 @@
       </p:grpSpPr>
       <p:sp>
         <p:nvSpPr>
-          <p:cNvPr id="211" name="Google Shape;211;p23"/>
+          <p:cNvPr id="212" name="Google Shape;212;p23"/>
           <p:cNvSpPr txBox="1"/>
           <p:nvPr>
             <p:ph type="title"/>
@@ -11046,7 +11246,7 @@
       </p:sp>
       <p:sp>
         <p:nvSpPr>
-          <p:cNvPr id="212" name="Google Shape;212;p23"/>
+          <p:cNvPr id="213" name="Google Shape;213;p23"/>
           <p:cNvSpPr txBox="1"/>
           <p:nvPr>
             <p:ph idx="12" type="sldNum"/>
@@ -11086,7 +11286,7 @@
       </p:sp>
       <p:sp>
         <p:nvSpPr>
-          <p:cNvPr id="213" name="Google Shape;213;p23"/>
+          <p:cNvPr id="214" name="Google Shape;214;p23"/>
           <p:cNvSpPr txBox="1"/>
           <p:nvPr/>
         </p:nvSpPr>
@@ -11139,7 +11339,7 @@
       </p:sp>
       <p:pic>
         <p:nvPicPr>
-          <p:cNvPr id="214" name="Google Shape;214;p23"/>
+          <p:cNvPr id="215" name="Google Shape;215;p23"/>
           <p:cNvPicPr preferRelativeResize="0"/>
           <p:nvPr/>
         </p:nvPicPr>
@@ -11178,7 +11378,7 @@
   <p:cSld>
     <p:spTree>
       <p:nvGrpSpPr>
-        <p:cNvPr id="218" name="Shape 218"/>
+        <p:cNvPr id="219" name="Shape 219"/>
         <p:cNvGrpSpPr/>
         <p:nvPr/>
       </p:nvGrpSpPr>
@@ -11192,7 +11392,7 @@
       </p:grpSpPr>
       <p:sp>
         <p:nvSpPr>
-          <p:cNvPr id="219" name="Google Shape;219;p24"/>
+          <p:cNvPr id="220" name="Google Shape;220;p24"/>
           <p:cNvSpPr txBox="1"/>
           <p:nvPr>
             <p:ph type="title"/>
@@ -11232,7 +11432,7 @@
       </p:sp>
       <p:sp>
         <p:nvSpPr>
-          <p:cNvPr id="220" name="Google Shape;220;p24"/>
+          <p:cNvPr id="221" name="Google Shape;221;p24"/>
           <p:cNvSpPr txBox="1"/>
           <p:nvPr>
             <p:ph idx="12" type="sldNum"/>
@@ -11272,7 +11472,7 @@
       </p:sp>
       <p:sp>
         <p:nvSpPr>
-          <p:cNvPr id="221" name="Google Shape;221;p24"/>
+          <p:cNvPr id="222" name="Google Shape;222;p24"/>
           <p:cNvSpPr txBox="1"/>
           <p:nvPr/>
         </p:nvSpPr>
@@ -11325,7 +11525,7 @@
       </p:sp>
       <p:pic>
         <p:nvPicPr>
-          <p:cNvPr id="222" name="Google Shape;222;p24"/>
+          <p:cNvPr id="223" name="Google Shape;223;p24"/>
           <p:cNvPicPr preferRelativeResize="0"/>
           <p:nvPr/>
         </p:nvPicPr>
@@ -11364,7 +11564,7 @@
   <p:cSld>
     <p:spTree>
       <p:nvGrpSpPr>
-        <p:cNvPr id="226" name="Shape 226"/>
+        <p:cNvPr id="227" name="Shape 227"/>
         <p:cNvGrpSpPr/>
         <p:nvPr/>
       </p:nvGrpSpPr>
@@ -11378,7 +11578,7 @@
       </p:grpSpPr>
       <p:sp>
         <p:nvSpPr>
-          <p:cNvPr id="227" name="Google Shape;227;p25"/>
+          <p:cNvPr id="228" name="Google Shape;228;p25"/>
           <p:cNvSpPr txBox="1"/>
           <p:nvPr>
             <p:ph type="title"/>
@@ -11418,7 +11618,7 @@
       </p:sp>
       <p:sp>
         <p:nvSpPr>
-          <p:cNvPr id="228" name="Google Shape;228;p25"/>
+          <p:cNvPr id="229" name="Google Shape;229;p25"/>
           <p:cNvSpPr txBox="1"/>
           <p:nvPr>
             <p:ph idx="12" type="sldNum"/>
@@ -11458,7 +11658,7 @@
       </p:sp>
       <p:sp>
         <p:nvSpPr>
-          <p:cNvPr id="229" name="Google Shape;229;p25"/>
+          <p:cNvPr id="230" name="Google Shape;230;p25"/>
           <p:cNvSpPr txBox="1"/>
           <p:nvPr/>
         </p:nvSpPr>
@@ -11511,7 +11711,7 @@
       </p:sp>
       <p:pic>
         <p:nvPicPr>
-          <p:cNvPr id="230" name="Google Shape;230;p25"/>
+          <p:cNvPr id="231" name="Google Shape;231;p25"/>
           <p:cNvPicPr preferRelativeResize="0"/>
           <p:nvPr/>
         </p:nvPicPr>
@@ -11550,7 +11750,7 @@
   <p:cSld>
     <p:spTree>
       <p:nvGrpSpPr>
-        <p:cNvPr id="234" name="Shape 234"/>
+        <p:cNvPr id="235" name="Shape 235"/>
         <p:cNvGrpSpPr/>
         <p:nvPr/>
       </p:nvGrpSpPr>
@@ -11564,7 +11764,7 @@
       </p:grpSpPr>
       <p:sp>
         <p:nvSpPr>
-          <p:cNvPr id="235" name="Google Shape;235;p26"/>
+          <p:cNvPr id="236" name="Google Shape;236;p26"/>
           <p:cNvSpPr txBox="1"/>
           <p:nvPr>
             <p:ph type="title"/>
@@ -11604,7 +11804,7 @@
       </p:sp>
       <p:sp>
         <p:nvSpPr>
-          <p:cNvPr id="236" name="Google Shape;236;p26"/>
+          <p:cNvPr id="237" name="Google Shape;237;p26"/>
           <p:cNvSpPr txBox="1"/>
           <p:nvPr>
             <p:ph idx="12" type="sldNum"/>
@@ -11644,7 +11844,7 @@
       </p:sp>
       <p:sp>
         <p:nvSpPr>
-          <p:cNvPr id="237" name="Google Shape;237;p26"/>
+          <p:cNvPr id="238" name="Google Shape;238;p26"/>
           <p:cNvSpPr txBox="1"/>
           <p:nvPr/>
         </p:nvSpPr>
@@ -11697,7 +11897,7 @@
       </p:sp>
       <p:pic>
         <p:nvPicPr>
-          <p:cNvPr id="238" name="Google Shape;238;p26"/>
+          <p:cNvPr id="239" name="Google Shape;239;p26"/>
           <p:cNvPicPr preferRelativeResize="0"/>
           <p:nvPr/>
         </p:nvPicPr>
@@ -11736,7 +11936,7 @@
   <p:cSld>
     <p:spTree>
       <p:nvGrpSpPr>
-        <p:cNvPr id="242" name="Shape 242"/>
+        <p:cNvPr id="243" name="Shape 243"/>
         <p:cNvGrpSpPr/>
         <p:nvPr/>
       </p:nvGrpSpPr>
@@ -11750,7 +11950,7 @@
       </p:grpSpPr>
       <p:sp>
         <p:nvSpPr>
-          <p:cNvPr id="243" name="Google Shape;243;p27"/>
+          <p:cNvPr id="244" name="Google Shape;244;p27"/>
           <p:cNvSpPr txBox="1"/>
           <p:nvPr>
             <p:ph type="title"/>
@@ -11790,7 +11990,7 @@
       </p:sp>
       <p:sp>
         <p:nvSpPr>
-          <p:cNvPr id="244" name="Google Shape;244;p27"/>
+          <p:cNvPr id="245" name="Google Shape;245;p27"/>
           <p:cNvSpPr txBox="1"/>
           <p:nvPr>
             <p:ph idx="12" type="sldNum"/>
@@ -11830,7 +12030,7 @@
       </p:sp>
       <p:sp>
         <p:nvSpPr>
-          <p:cNvPr id="245" name="Google Shape;245;p27"/>
+          <p:cNvPr id="246" name="Google Shape;246;p27"/>
           <p:cNvSpPr txBox="1"/>
           <p:nvPr/>
         </p:nvSpPr>
@@ -11883,7 +12083,7 @@
       </p:sp>
       <p:pic>
         <p:nvPicPr>
-          <p:cNvPr id="246" name="Google Shape;246;p27"/>
+          <p:cNvPr id="247" name="Google Shape;247;p27"/>
           <p:cNvPicPr preferRelativeResize="0"/>
           <p:nvPr/>
         </p:nvPicPr>
@@ -11922,7 +12122,7 @@
   <p:cSld>
     <p:spTree>
       <p:nvGrpSpPr>
-        <p:cNvPr id="250" name="Shape 250"/>
+        <p:cNvPr id="251" name="Shape 251"/>
         <p:cNvGrpSpPr/>
         <p:nvPr/>
       </p:nvGrpSpPr>
@@ -11936,7 +12136,7 @@
       </p:grpSpPr>
       <p:sp>
         <p:nvSpPr>
-          <p:cNvPr id="251" name="Google Shape;251;p28"/>
+          <p:cNvPr id="252" name="Google Shape;252;p28"/>
           <p:cNvSpPr txBox="1"/>
           <p:nvPr>
             <p:ph type="title"/>
@@ -11976,7 +12176,7 @@
       </p:sp>
       <p:sp>
         <p:nvSpPr>
-          <p:cNvPr id="252" name="Google Shape;252;p28"/>
+          <p:cNvPr id="253" name="Google Shape;253;p28"/>
           <p:cNvSpPr txBox="1"/>
           <p:nvPr>
             <p:ph idx="12" type="sldNum"/>
@@ -12016,7 +12216,7 @@
       </p:sp>
       <p:sp>
         <p:nvSpPr>
-          <p:cNvPr id="253" name="Google Shape;253;p28"/>
+          <p:cNvPr id="254" name="Google Shape;254;p28"/>
           <p:cNvSpPr txBox="1"/>
           <p:nvPr/>
         </p:nvSpPr>
@@ -12069,7 +12269,7 @@
       </p:sp>
       <p:pic>
         <p:nvPicPr>
-          <p:cNvPr id="254" name="Google Shape;254;p28"/>
+          <p:cNvPr id="255" name="Google Shape;255;p28"/>
           <p:cNvPicPr preferRelativeResize="0"/>
           <p:nvPr/>
         </p:nvPicPr>
@@ -12108,7 +12308,7 @@
   <p:cSld>
     <p:spTree>
       <p:nvGrpSpPr>
-        <p:cNvPr id="258" name="Shape 258"/>
+        <p:cNvPr id="259" name="Shape 259"/>
         <p:cNvGrpSpPr/>
         <p:nvPr/>
       </p:nvGrpSpPr>
@@ -12122,7 +12322,7 @@
       </p:grpSpPr>
       <p:sp>
         <p:nvSpPr>
-          <p:cNvPr id="259" name="Google Shape;259;p29"/>
+          <p:cNvPr id="260" name="Google Shape;260;p29"/>
           <p:cNvSpPr txBox="1"/>
           <p:nvPr>
             <p:ph type="title"/>
@@ -12162,7 +12362,7 @@
       </p:sp>
       <p:sp>
         <p:nvSpPr>
-          <p:cNvPr id="260" name="Google Shape;260;p29"/>
+          <p:cNvPr id="261" name="Google Shape;261;p29"/>
           <p:cNvSpPr txBox="1"/>
           <p:nvPr/>
         </p:nvSpPr>
@@ -12220,7 +12420,7 @@
       </p:sp>
       <p:pic>
         <p:nvPicPr>
-          <p:cNvPr id="261" name="Google Shape;261;p29"/>
+          <p:cNvPr id="262" name="Google Shape;262;p29"/>
           <p:cNvPicPr preferRelativeResize="0"/>
           <p:nvPr/>
         </p:nvPicPr>
@@ -12234,8 +12434,8 @@
         </p:blipFill>
         <p:spPr>
           <a:xfrm>
-            <a:off x="1176663" y="1836600"/>
-            <a:ext cx="7280575" cy="1963025"/>
+            <a:off x="80225" y="2017000"/>
+            <a:ext cx="5327075" cy="1436300"/>
           </a:xfrm>
           <a:prstGeom prst="rect">
             <a:avLst/>
@@ -12248,14 +12448,14 @@
       </p:pic>
       <p:sp>
         <p:nvSpPr>
-          <p:cNvPr id="262" name="Google Shape;262;p29"/>
+          <p:cNvPr id="263" name="Google Shape;263;p29"/>
           <p:cNvSpPr txBox="1"/>
           <p:nvPr/>
         </p:nvSpPr>
         <p:spPr>
           <a:xfrm>
-            <a:off x="505700" y="4111325"/>
-            <a:ext cx="8638200" cy="675300"/>
+            <a:off x="733275" y="3669250"/>
+            <a:ext cx="3510600" cy="393600"/>
           </a:xfrm>
           <a:prstGeom prst="rect">
             <a:avLst/>
@@ -12306,7 +12506,7 @@
       </p:sp>
       <p:sp>
         <p:nvSpPr>
-          <p:cNvPr id="263" name="Google Shape;263;p29"/>
+          <p:cNvPr id="264" name="Google Shape;264;p29"/>
           <p:cNvSpPr txBox="1"/>
           <p:nvPr>
             <p:ph idx="12" type="sldNum"/>
@@ -12341,6 +12541,88 @@
               <a:t>‹#›</a:t>
             </a:fld>
             <a:endParaRPr/>
+          </a:p>
+        </p:txBody>
+      </p:sp>
+      <p:sp>
+        <p:nvSpPr>
+          <p:cNvPr id="265" name="Google Shape;265;p29"/>
+          <p:cNvSpPr txBox="1"/>
+          <p:nvPr/>
+        </p:nvSpPr>
+        <p:spPr>
+          <a:xfrm>
+            <a:off x="5324500" y="2252525"/>
+            <a:ext cx="3620100" cy="914100"/>
+          </a:xfrm>
+          <a:prstGeom prst="rect">
+            <a:avLst/>
+          </a:prstGeom>
+          <a:noFill/>
+          <a:ln>
+            <a:noFill/>
+          </a:ln>
+        </p:spPr>
+        <p:txBody>
+          <a:bodyPr anchorCtr="0" anchor="t" bIns="91425" lIns="91425" spcFirstLastPara="1" rIns="91425" wrap="square" tIns="91425">
+            <a:noAutofit/>
+          </a:bodyPr>
+          <a:lstStyle/>
+          <a:p>
+            <a:pPr indent="0" lvl="0" marL="0" rtl="0" algn="ctr">
+              <a:spcBef>
+                <a:spcPts val="0"/>
+              </a:spcBef>
+              <a:spcAft>
+                <a:spcPts val="0"/>
+              </a:spcAft>
+              <a:buNone/>
+            </a:pPr>
+            <a:r>
+              <a:rPr lang="fr" sz="1300">
+                <a:solidFill>
+                  <a:schemeClr val="lt1"/>
+                </a:solidFill>
+                <a:latin typeface="Lato"/>
+                <a:ea typeface="Lato"/>
+                <a:cs typeface="Lato"/>
+                <a:sym typeface="Lato"/>
+              </a:rPr>
+              <a:t>Comme il y a une tendance temporelle, la </a:t>
+            </a:r>
+            <a:r>
+              <a:rPr lang="fr" sz="1300">
+                <a:solidFill>
+                  <a:srgbClr val="FF0000"/>
+                </a:solidFill>
+                <a:latin typeface="Lato"/>
+                <a:ea typeface="Lato"/>
+                <a:cs typeface="Lato"/>
+                <a:sym typeface="Lato"/>
+              </a:rPr>
+              <a:t>cross-validation est imparfaite </a:t>
+            </a:r>
+            <a:r>
+              <a:rPr lang="fr" sz="1300">
+                <a:solidFill>
+                  <a:schemeClr val="lt1"/>
+                </a:solidFill>
+                <a:latin typeface="Lato"/>
+                <a:ea typeface="Lato"/>
+                <a:cs typeface="Lato"/>
+                <a:sym typeface="Lato"/>
+              </a:rPr>
+              <a:t>car il faudrait découper les données par années. </a:t>
+            </a:r>
+            <a:endParaRPr sz="1300">
+              <a:solidFill>
+                <a:schemeClr val="lt1"/>
+              </a:solidFill>
+              <a:latin typeface="Lato"/>
+              <a:ea typeface="Lato"/>
+              <a:cs typeface="Lato"/>
+              <a:sym typeface="Lato"/>
+            </a:endParaRPr>
           </a:p>
         </p:txBody>
       </p:sp>
@@ -12357,7 +12639,7 @@
   <p:cSld>
     <p:spTree>
       <p:nvGrpSpPr>
-        <p:cNvPr id="267" name="Shape 267"/>
+        <p:cNvPr id="269" name="Shape 269"/>
         <p:cNvGrpSpPr/>
         <p:nvPr/>
       </p:nvGrpSpPr>
@@ -12371,7 +12653,7 @@
       </p:grpSpPr>
       <p:sp>
         <p:nvSpPr>
-          <p:cNvPr id="268" name="Google Shape;268;p30"/>
+          <p:cNvPr id="270" name="Google Shape;270;p30"/>
           <p:cNvSpPr txBox="1"/>
           <p:nvPr>
             <p:ph type="title"/>
@@ -12403,7 +12685,7 @@
             </a:pPr>
             <a:r>
               <a:rPr lang="fr"/>
-              <a:t>Conclusion</a:t>
+              <a:t>Modèles Prédictifs</a:t>
             </a:r>
             <a:endParaRPr/>
           </a:p>
@@ -12411,14 +12693,14 @@
       </p:sp>
       <p:sp>
         <p:nvSpPr>
-          <p:cNvPr id="269" name="Google Shape;269;p30"/>
+          <p:cNvPr id="271" name="Google Shape;271;p30"/>
           <p:cNvSpPr txBox="1"/>
           <p:nvPr/>
         </p:nvSpPr>
         <p:spPr>
           <a:xfrm>
-            <a:off x="242400" y="1617525"/>
-            <a:ext cx="8659200" cy="2597700"/>
+            <a:off x="1556850" y="839325"/>
+            <a:ext cx="3678000" cy="393600"/>
           </a:xfrm>
           <a:prstGeom prst="rect">
             <a:avLst/>
@@ -12435,11 +12717,8 @@
           <a:lstStyle/>
           <a:p>
             <a:pPr indent="0" lvl="0" marL="0" rtl="0" algn="l">
-              <a:lnSpc>
-                <a:spcPct val="115000"/>
-              </a:lnSpc>
-              <a:spcBef>
-                <a:spcPts val="1200"/>
+              <a:spcBef>
+                <a:spcPts val="0"/>
               </a:spcBef>
               <a:spcAft>
                 <a:spcPts val="0"/>
@@ -12447,7 +12726,7 @@
               <a:buNone/>
             </a:pPr>
             <a:r>
-              <a:rPr lang="fr" sz="1300">
+              <a:rPr b="1" lang="fr" sz="1100">
                 <a:solidFill>
                   <a:schemeClr val="lt1"/>
                 </a:solidFill>
@@ -12456,33 +12735,10 @@
                 <a:cs typeface="Lato"/>
                 <a:sym typeface="Lato"/>
               </a:rPr>
-              <a:t>L'analyse du marché immobilier francilien révèle une dynamique où la géographie prime sur l'économie. Notre modélisation XGBoost, avec un R² de 0.74, démontre que le département est le facteur déterminant des prix, loin devant les variables macroéconomiques (corrélations &lt; 0.03). </a:t>
+              <a:t>Résultats des tests :</a:t>
             </a:r>
-            <a:endParaRPr sz="1300">
-              <a:solidFill>
-                <a:schemeClr val="lt1"/>
-              </a:solidFill>
-              <a:latin typeface="Lato"/>
-              <a:ea typeface="Lato"/>
-              <a:cs typeface="Lato"/>
-              <a:sym typeface="Lato"/>
-            </a:endParaRPr>
-          </a:p>
-          <a:p>
-            <a:pPr indent="0" lvl="0" marL="0" rtl="0" algn="l">
-              <a:lnSpc>
-                <a:spcPct val="115000"/>
-              </a:lnSpc>
-              <a:spcBef>
-                <a:spcPts val="1200"/>
-              </a:spcBef>
-              <a:spcAft>
-                <a:spcPts val="0"/>
-              </a:spcAft>
-              <a:buNone/>
-            </a:pPr>
             <a:r>
-              <a:rPr lang="fr" sz="1300">
+              <a:rPr lang="fr" sz="1100">
                 <a:solidFill>
                   <a:schemeClr val="lt1"/>
                 </a:solidFill>
@@ -12491,67 +12747,9 @@
                 <a:cs typeface="Lato"/>
                 <a:sym typeface="Lato"/>
               </a:rPr>
-              <a:t>La comparaison entre Paris (médiane ~10,000€/m²) et sa périphérie (2,500-5,000€/m²) illustre une forte segmentation géographique. L'évolution 2014-2024 montre une hausse continue des prix (+29%), accélérée post-2020, témoignant d'un marché dynamique malgré les crises.</a:t>
+              <a:t> Sur les transactions de 2024 </a:t>
             </a:r>
-            <a:endParaRPr sz="1300">
-              <a:solidFill>
-                <a:schemeClr val="lt1"/>
-              </a:solidFill>
-              <a:latin typeface="Lato"/>
-              <a:ea typeface="Lato"/>
-              <a:cs typeface="Lato"/>
-              <a:sym typeface="Lato"/>
-            </a:endParaRPr>
-          </a:p>
-          <a:p>
-            <a:pPr indent="0" lvl="0" marL="0" rtl="0" algn="l">
-              <a:lnSpc>
-                <a:spcPct val="115000"/>
-              </a:lnSpc>
-              <a:spcBef>
-                <a:spcPts val="1200"/>
-              </a:spcBef>
-              <a:spcAft>
-                <a:spcPts val="0"/>
-              </a:spcAft>
-              <a:buNone/>
-            </a:pPr>
-            <a:r>
-              <a:rPr lang="fr" sz="1300">
-                <a:solidFill>
-                  <a:schemeClr val="lt1"/>
-                </a:solidFill>
-                <a:latin typeface="Lato"/>
-                <a:ea typeface="Lato"/>
-                <a:cs typeface="Lato"/>
-                <a:sym typeface="Lato"/>
-              </a:rPr>
-              <a:t>Bien que performant, le modèle pourrait être amélioré par l'intégration de données locales (transports, services) et une segmentation plus fine.</a:t>
-            </a:r>
-            <a:endParaRPr sz="1300">
-              <a:solidFill>
-                <a:schemeClr val="lt1"/>
-              </a:solidFill>
-              <a:latin typeface="Lato"/>
-              <a:ea typeface="Lato"/>
-              <a:cs typeface="Lato"/>
-              <a:sym typeface="Lato"/>
-            </a:endParaRPr>
-          </a:p>
-          <a:p>
-            <a:pPr indent="0" lvl="0" marL="0" rtl="0" algn="l">
-              <a:spcBef>
-                <a:spcPts val="1200"/>
-              </a:spcBef>
-              <a:spcAft>
-                <a:spcPts val="0"/>
-              </a:spcAft>
-              <a:buNone/>
-            </a:pPr>
-            <a:r>
-              <a:t/>
-            </a:r>
-            <a:endParaRPr sz="1300">
+            <a:endParaRPr sz="1100">
               <a:solidFill>
                 <a:schemeClr val="lt1"/>
               </a:solidFill>
@@ -12565,7 +12763,7 @@
       </p:sp>
       <p:sp>
         <p:nvSpPr>
-          <p:cNvPr id="270" name="Google Shape;270;p30"/>
+          <p:cNvPr id="272" name="Google Shape;272;p30"/>
           <p:cNvSpPr txBox="1"/>
           <p:nvPr>
             <p:ph idx="12" type="sldNum"/>
@@ -12603,6 +12801,265 @@
           </a:p>
         </p:txBody>
       </p:sp>
+      <p:pic>
+        <p:nvPicPr>
+          <p:cNvPr id="273" name="Google Shape;273;p30"/>
+          <p:cNvPicPr preferRelativeResize="0"/>
+          <p:nvPr/>
+        </p:nvPicPr>
+        <p:blipFill>
+          <a:blip r:embed="rId3">
+            <a:alphaModFix/>
+          </a:blip>
+          <a:stretch>
+            <a:fillRect/>
+          </a:stretch>
+        </p:blipFill>
+        <p:spPr>
+          <a:xfrm>
+            <a:off x="183075" y="1603625"/>
+            <a:ext cx="4388932" cy="3273712"/>
+          </a:xfrm>
+          <a:prstGeom prst="rect">
+            <a:avLst/>
+          </a:prstGeom>
+          <a:noFill/>
+          <a:ln>
+            <a:noFill/>
+          </a:ln>
+        </p:spPr>
+      </p:pic>
+      <p:pic>
+        <p:nvPicPr>
+          <p:cNvPr id="274" name="Google Shape;274;p30"/>
+          <p:cNvPicPr preferRelativeResize="0"/>
+          <p:nvPr/>
+        </p:nvPicPr>
+        <p:blipFill>
+          <a:blip r:embed="rId4">
+            <a:alphaModFix/>
+          </a:blip>
+          <a:stretch>
+            <a:fillRect/>
+          </a:stretch>
+        </p:blipFill>
+        <p:spPr>
+          <a:xfrm>
+            <a:off x="4724399" y="1603626"/>
+            <a:ext cx="4250768" cy="3273701"/>
+          </a:xfrm>
+          <a:prstGeom prst="rect">
+            <a:avLst/>
+          </a:prstGeom>
+          <a:noFill/>
+          <a:ln>
+            <a:noFill/>
+          </a:ln>
+        </p:spPr>
+      </p:pic>
+    </p:spTree>
+  </p:cSld>
+  <p:clrMapOvr>
+    <a:masterClrMapping/>
+  </p:clrMapOvr>
+</p:sld>
+</file>
+
+<file path=ppt/slides/slide19.xml><?xml version="1.0" encoding="utf-8"?>
+<p:sld xmlns:a="http://schemas.openxmlformats.org/drawingml/2006/main" xmlns:r="http://schemas.openxmlformats.org/officeDocument/2006/relationships" xmlns:mc="http://schemas.openxmlformats.org/markup-compatibility/2006" xmlns:mv="urn:schemas-microsoft-com:mac:vml" xmlns:p="http://schemas.openxmlformats.org/presentationml/2006/main" xmlns:c="http://schemas.openxmlformats.org/drawingml/2006/chart" xmlns:dgm="http://schemas.openxmlformats.org/drawingml/2006/diagram" xmlns:o="urn:schemas-microsoft-com:office:office" xmlns:v="urn:schemas-microsoft-com:vml" xmlns:pvml="urn:schemas-microsoft-com:office:powerpoint" xmlns:com="http://schemas.openxmlformats.org/drawingml/2006/compatibility" xmlns:p14="http://schemas.microsoft.com/office/powerpoint/2010/main" xmlns:p15="http://schemas.microsoft.com/office/powerpoint/2012/main" xmlns:ahyp="http://schemas.microsoft.com/office/drawing/2018/hyperlinkcolor">
+  <p:cSld>
+    <p:spTree>
+      <p:nvGrpSpPr>
+        <p:cNvPr id="278" name="Shape 278"/>
+        <p:cNvGrpSpPr/>
+        <p:nvPr/>
+      </p:nvGrpSpPr>
+      <p:grpSpPr>
+        <a:xfrm>
+          <a:off x="0" y="0"/>
+          <a:ext cx="0" cy="0"/>
+          <a:chOff x="0" y="0"/>
+          <a:chExt cx="0" cy="0"/>
+        </a:xfrm>
+      </p:grpSpPr>
+      <p:sp>
+        <p:nvSpPr>
+          <p:cNvPr id="279" name="Google Shape;279;p31"/>
+          <p:cNvSpPr txBox="1"/>
+          <p:nvPr>
+            <p:ph idx="12" type="sldNum"/>
+          </p:nvPr>
+        </p:nvSpPr>
+        <p:spPr>
+          <a:xfrm>
+            <a:off x="8472458" y="4663217"/>
+            <a:ext cx="548700" cy="393600"/>
+          </a:xfrm>
+          <a:prstGeom prst="rect">
+            <a:avLst/>
+          </a:prstGeom>
+        </p:spPr>
+        <p:txBody>
+          <a:bodyPr anchorCtr="0" anchor="ctr" bIns="91425" lIns="91425" spcFirstLastPara="1" rIns="91425" wrap="square" tIns="91425">
+            <a:normAutofit/>
+          </a:bodyPr>
+          <a:lstStyle/>
+          <a:p>
+            <a:pPr indent="0" lvl="0" marL="0" rtl="0" algn="r">
+              <a:spcBef>
+                <a:spcPts val="0"/>
+              </a:spcBef>
+              <a:spcAft>
+                <a:spcPts val="0"/>
+              </a:spcAft>
+              <a:buNone/>
+            </a:pPr>
+            <a:fld id="{00000000-1234-1234-1234-123412341234}" type="slidenum">
+              <a:rPr lang="fr"/>
+              <a:t>‹#›</a:t>
+            </a:fld>
+            <a:endParaRPr/>
+          </a:p>
+        </p:txBody>
+      </p:sp>
+      <p:sp>
+        <p:nvSpPr>
+          <p:cNvPr id="280" name="Google Shape;280;p31"/>
+          <p:cNvSpPr txBox="1"/>
+          <p:nvPr>
+            <p:ph type="title"/>
+          </p:nvPr>
+        </p:nvSpPr>
+        <p:spPr>
+          <a:xfrm>
+            <a:off x="1297500" y="393750"/>
+            <a:ext cx="7038900" cy="914100"/>
+          </a:xfrm>
+          <a:prstGeom prst="rect">
+            <a:avLst/>
+          </a:prstGeom>
+        </p:spPr>
+        <p:txBody>
+          <a:bodyPr anchorCtr="0" anchor="t" bIns="91425" lIns="91425" spcFirstLastPara="1" rIns="91425" wrap="square" tIns="91425">
+            <a:normAutofit/>
+          </a:bodyPr>
+          <a:lstStyle/>
+          <a:p>
+            <a:pPr indent="0" lvl="0" marL="0" rtl="0" algn="l">
+              <a:spcBef>
+                <a:spcPts val="0"/>
+              </a:spcBef>
+              <a:spcAft>
+                <a:spcPts val="0"/>
+              </a:spcAft>
+              <a:buNone/>
+            </a:pPr>
+            <a:r>
+              <a:rPr lang="fr"/>
+              <a:t>Modèles Prédictifs</a:t>
+            </a:r>
+            <a:endParaRPr/>
+          </a:p>
+        </p:txBody>
+      </p:sp>
+      <p:sp>
+        <p:nvSpPr>
+          <p:cNvPr id="281" name="Google Shape;281;p31"/>
+          <p:cNvSpPr txBox="1"/>
+          <p:nvPr/>
+        </p:nvSpPr>
+        <p:spPr>
+          <a:xfrm>
+            <a:off x="1556850" y="839325"/>
+            <a:ext cx="3678000" cy="393600"/>
+          </a:xfrm>
+          <a:prstGeom prst="rect">
+            <a:avLst/>
+          </a:prstGeom>
+          <a:noFill/>
+          <a:ln>
+            <a:noFill/>
+          </a:ln>
+        </p:spPr>
+        <p:txBody>
+          <a:bodyPr anchorCtr="0" anchor="t" bIns="91425" lIns="91425" spcFirstLastPara="1" rIns="91425" wrap="square" tIns="91425">
+            <a:noAutofit/>
+          </a:bodyPr>
+          <a:lstStyle/>
+          <a:p>
+            <a:pPr indent="0" lvl="0" marL="0" rtl="0" algn="l">
+              <a:spcBef>
+                <a:spcPts val="0"/>
+              </a:spcBef>
+              <a:spcAft>
+                <a:spcPts val="0"/>
+              </a:spcAft>
+              <a:buNone/>
+            </a:pPr>
+            <a:r>
+              <a:rPr b="1" lang="fr" sz="1100">
+                <a:solidFill>
+                  <a:schemeClr val="lt1"/>
+                </a:solidFill>
+                <a:latin typeface="Lato"/>
+                <a:ea typeface="Lato"/>
+                <a:cs typeface="Lato"/>
+                <a:sym typeface="Lato"/>
+              </a:rPr>
+              <a:t>Résultats des tests :</a:t>
+            </a:r>
+            <a:r>
+              <a:rPr lang="fr" sz="1100">
+                <a:solidFill>
+                  <a:schemeClr val="lt1"/>
+                </a:solidFill>
+                <a:latin typeface="Lato"/>
+                <a:ea typeface="Lato"/>
+                <a:cs typeface="Lato"/>
+                <a:sym typeface="Lato"/>
+              </a:rPr>
+              <a:t> Sur les transactions de 2024 </a:t>
+            </a:r>
+            <a:endParaRPr sz="1100">
+              <a:solidFill>
+                <a:schemeClr val="lt1"/>
+              </a:solidFill>
+              <a:latin typeface="Lato"/>
+              <a:ea typeface="Lato"/>
+              <a:cs typeface="Lato"/>
+              <a:sym typeface="Lato"/>
+            </a:endParaRPr>
+          </a:p>
+        </p:txBody>
+      </p:sp>
+      <p:pic>
+        <p:nvPicPr>
+          <p:cNvPr id="282" name="Google Shape;282;p31"/>
+          <p:cNvPicPr preferRelativeResize="0"/>
+          <p:nvPr/>
+        </p:nvPicPr>
+        <p:blipFill>
+          <a:blip r:embed="rId3">
+            <a:alphaModFix/>
+          </a:blip>
+          <a:stretch>
+            <a:fillRect/>
+          </a:stretch>
+        </p:blipFill>
+        <p:spPr>
+          <a:xfrm>
+            <a:off x="2271840" y="1231650"/>
+            <a:ext cx="5079435" cy="3748975"/>
+          </a:xfrm>
+          <a:prstGeom prst="rect">
+            <a:avLst/>
+          </a:prstGeom>
+          <a:noFill/>
+          <a:ln>
+            <a:noFill/>
+          </a:ln>
+        </p:spPr>
+      </p:pic>
     </p:spTree>
   </p:cSld>
   <p:clrMapOvr>
@@ -12869,6 +13326,265 @@
       <p:sp>
         <p:nvSpPr>
           <p:cNvPr id="142" name="Google Shape;142;p14"/>
+          <p:cNvSpPr txBox="1"/>
+          <p:nvPr>
+            <p:ph idx="12" type="sldNum"/>
+          </p:nvPr>
+        </p:nvSpPr>
+        <p:spPr>
+          <a:xfrm>
+            <a:off x="8472458" y="4663217"/>
+            <a:ext cx="548700" cy="393600"/>
+          </a:xfrm>
+          <a:prstGeom prst="rect">
+            <a:avLst/>
+          </a:prstGeom>
+        </p:spPr>
+        <p:txBody>
+          <a:bodyPr anchorCtr="0" anchor="ctr" bIns="91425" lIns="91425" spcFirstLastPara="1" rIns="91425" wrap="square" tIns="91425">
+            <a:normAutofit/>
+          </a:bodyPr>
+          <a:lstStyle/>
+          <a:p>
+            <a:pPr indent="0" lvl="0" marL="0" rtl="0" algn="r">
+              <a:spcBef>
+                <a:spcPts val="0"/>
+              </a:spcBef>
+              <a:spcAft>
+                <a:spcPts val="0"/>
+              </a:spcAft>
+              <a:buNone/>
+            </a:pPr>
+            <a:fld id="{00000000-1234-1234-1234-123412341234}" type="slidenum">
+              <a:rPr lang="fr"/>
+              <a:t>‹#›</a:t>
+            </a:fld>
+            <a:endParaRPr/>
+          </a:p>
+        </p:txBody>
+      </p:sp>
+    </p:spTree>
+  </p:cSld>
+  <p:clrMapOvr>
+    <a:masterClrMapping/>
+  </p:clrMapOvr>
+</p:sld>
+</file>
+
+<file path=ppt/slides/slide20.xml><?xml version="1.0" encoding="utf-8"?>
+<p:sld xmlns:a="http://schemas.openxmlformats.org/drawingml/2006/main" xmlns:r="http://schemas.openxmlformats.org/officeDocument/2006/relationships" xmlns:mc="http://schemas.openxmlformats.org/markup-compatibility/2006" xmlns:mv="urn:schemas-microsoft-com:mac:vml" xmlns:p="http://schemas.openxmlformats.org/presentationml/2006/main" xmlns:c="http://schemas.openxmlformats.org/drawingml/2006/chart" xmlns:dgm="http://schemas.openxmlformats.org/drawingml/2006/diagram" xmlns:o="urn:schemas-microsoft-com:office:office" xmlns:v="urn:schemas-microsoft-com:vml" xmlns:pvml="urn:schemas-microsoft-com:office:powerpoint" xmlns:com="http://schemas.openxmlformats.org/drawingml/2006/compatibility" xmlns:p14="http://schemas.microsoft.com/office/powerpoint/2010/main" xmlns:p15="http://schemas.microsoft.com/office/powerpoint/2012/main" xmlns:ahyp="http://schemas.microsoft.com/office/drawing/2018/hyperlinkcolor">
+  <p:cSld>
+    <p:spTree>
+      <p:nvGrpSpPr>
+        <p:cNvPr id="286" name="Shape 286"/>
+        <p:cNvGrpSpPr/>
+        <p:nvPr/>
+      </p:nvGrpSpPr>
+      <p:grpSpPr>
+        <a:xfrm>
+          <a:off x="0" y="0"/>
+          <a:ext cx="0" cy="0"/>
+          <a:chOff x="0" y="0"/>
+          <a:chExt cx="0" cy="0"/>
+        </a:xfrm>
+      </p:grpSpPr>
+      <p:sp>
+        <p:nvSpPr>
+          <p:cNvPr id="287" name="Google Shape;287;p32"/>
+          <p:cNvSpPr txBox="1"/>
+          <p:nvPr>
+            <p:ph type="title"/>
+          </p:nvPr>
+        </p:nvSpPr>
+        <p:spPr>
+          <a:xfrm>
+            <a:off x="1297500" y="393750"/>
+            <a:ext cx="7038900" cy="914100"/>
+          </a:xfrm>
+          <a:prstGeom prst="rect">
+            <a:avLst/>
+          </a:prstGeom>
+        </p:spPr>
+        <p:txBody>
+          <a:bodyPr anchorCtr="0" anchor="t" bIns="91425" lIns="91425" spcFirstLastPara="1" rIns="91425" wrap="square" tIns="91425">
+            <a:normAutofit/>
+          </a:bodyPr>
+          <a:lstStyle/>
+          <a:p>
+            <a:pPr indent="0" lvl="0" marL="0" rtl="0" algn="l">
+              <a:spcBef>
+                <a:spcPts val="0"/>
+              </a:spcBef>
+              <a:spcAft>
+                <a:spcPts val="0"/>
+              </a:spcAft>
+              <a:buNone/>
+            </a:pPr>
+            <a:r>
+              <a:rPr lang="fr"/>
+              <a:t>Conclusion</a:t>
+            </a:r>
+            <a:endParaRPr/>
+          </a:p>
+        </p:txBody>
+      </p:sp>
+      <p:sp>
+        <p:nvSpPr>
+          <p:cNvPr id="288" name="Google Shape;288;p32"/>
+          <p:cNvSpPr txBox="1"/>
+          <p:nvPr/>
+        </p:nvSpPr>
+        <p:spPr>
+          <a:xfrm>
+            <a:off x="242400" y="1617525"/>
+            <a:ext cx="8659200" cy="2597700"/>
+          </a:xfrm>
+          <a:prstGeom prst="rect">
+            <a:avLst/>
+          </a:prstGeom>
+          <a:noFill/>
+          <a:ln>
+            <a:noFill/>
+          </a:ln>
+        </p:spPr>
+        <p:txBody>
+          <a:bodyPr anchorCtr="0" anchor="t" bIns="91425" lIns="91425" spcFirstLastPara="1" rIns="91425" wrap="square" tIns="91425">
+            <a:noAutofit/>
+          </a:bodyPr>
+          <a:lstStyle/>
+          <a:p>
+            <a:pPr indent="0" lvl="0" marL="0" rtl="0" algn="l">
+              <a:lnSpc>
+                <a:spcPct val="115000"/>
+              </a:lnSpc>
+              <a:spcBef>
+                <a:spcPts val="1200"/>
+              </a:spcBef>
+              <a:spcAft>
+                <a:spcPts val="0"/>
+              </a:spcAft>
+              <a:buNone/>
+            </a:pPr>
+            <a:r>
+              <a:rPr lang="fr" sz="1300">
+                <a:solidFill>
+                  <a:schemeClr val="lt1"/>
+                </a:solidFill>
+                <a:latin typeface="Lato"/>
+                <a:ea typeface="Lato"/>
+                <a:cs typeface="Lato"/>
+                <a:sym typeface="Lato"/>
+              </a:rPr>
+              <a:t>L'analyse du marché immobilier francilien révèle une dynamique où la géographie prime sur l'économie. Notre modélisation XGBoost, avec un R² de 0.74, démontre que le département est le facteur déterminant des prix, loin devant les variables macroéconomiques (corrélations &lt; 0.03). </a:t>
+            </a:r>
+            <a:endParaRPr sz="1300">
+              <a:solidFill>
+                <a:schemeClr val="lt1"/>
+              </a:solidFill>
+              <a:latin typeface="Lato"/>
+              <a:ea typeface="Lato"/>
+              <a:cs typeface="Lato"/>
+              <a:sym typeface="Lato"/>
+            </a:endParaRPr>
+          </a:p>
+          <a:p>
+            <a:pPr indent="0" lvl="0" marL="0" rtl="0" algn="l">
+              <a:lnSpc>
+                <a:spcPct val="115000"/>
+              </a:lnSpc>
+              <a:spcBef>
+                <a:spcPts val="1200"/>
+              </a:spcBef>
+              <a:spcAft>
+                <a:spcPts val="0"/>
+              </a:spcAft>
+              <a:buNone/>
+            </a:pPr>
+            <a:r>
+              <a:rPr lang="fr" sz="1300">
+                <a:solidFill>
+                  <a:schemeClr val="lt1"/>
+                </a:solidFill>
+                <a:latin typeface="Lato"/>
+                <a:ea typeface="Lato"/>
+                <a:cs typeface="Lato"/>
+                <a:sym typeface="Lato"/>
+              </a:rPr>
+              <a:t>La comparaison entre Paris (médiane ~10,000€/m²) et sa périphérie (2,500-5,000€/m²) illustre une forte segmentation géographique. L'évolution 2014-2024 montre une hausse continue des prix (+29%), accélérée post-2020, témoignant d'un marché dynamique malgré les crises.</a:t>
+            </a:r>
+            <a:endParaRPr sz="1300">
+              <a:solidFill>
+                <a:schemeClr val="lt1"/>
+              </a:solidFill>
+              <a:latin typeface="Lato"/>
+              <a:ea typeface="Lato"/>
+              <a:cs typeface="Lato"/>
+              <a:sym typeface="Lato"/>
+            </a:endParaRPr>
+          </a:p>
+          <a:p>
+            <a:pPr indent="0" lvl="0" marL="0" rtl="0" algn="l">
+              <a:lnSpc>
+                <a:spcPct val="115000"/>
+              </a:lnSpc>
+              <a:spcBef>
+                <a:spcPts val="1200"/>
+              </a:spcBef>
+              <a:spcAft>
+                <a:spcPts val="0"/>
+              </a:spcAft>
+              <a:buNone/>
+            </a:pPr>
+            <a:r>
+              <a:rPr lang="fr" sz="1300">
+                <a:solidFill>
+                  <a:schemeClr val="lt1"/>
+                </a:solidFill>
+                <a:latin typeface="Lato"/>
+                <a:ea typeface="Lato"/>
+                <a:cs typeface="Lato"/>
+                <a:sym typeface="Lato"/>
+              </a:rPr>
+              <a:t>Bien que performant, le modèle pourrait être amélioré par l'intégration de données locales (transports, services) et une segmentation plus fine.</a:t>
+            </a:r>
+            <a:endParaRPr sz="1300">
+              <a:solidFill>
+                <a:schemeClr val="lt1"/>
+              </a:solidFill>
+              <a:latin typeface="Lato"/>
+              <a:ea typeface="Lato"/>
+              <a:cs typeface="Lato"/>
+              <a:sym typeface="Lato"/>
+            </a:endParaRPr>
+          </a:p>
+          <a:p>
+            <a:pPr indent="0" lvl="0" marL="0" rtl="0" algn="l">
+              <a:spcBef>
+                <a:spcPts val="1200"/>
+              </a:spcBef>
+              <a:spcAft>
+                <a:spcPts val="0"/>
+              </a:spcAft>
+              <a:buNone/>
+            </a:pPr>
+            <a:r>
+              <a:t/>
+            </a:r>
+            <a:endParaRPr sz="1300">
+              <a:solidFill>
+                <a:schemeClr val="lt1"/>
+              </a:solidFill>
+              <a:latin typeface="Lato"/>
+              <a:ea typeface="Lato"/>
+              <a:cs typeface="Lato"/>
+              <a:sym typeface="Lato"/>
+            </a:endParaRPr>
+          </a:p>
+        </p:txBody>
+      </p:sp>
+      <p:sp>
+        <p:nvSpPr>
+          <p:cNvPr id="289" name="Google Shape;289;p32"/>
           <p:cNvSpPr txBox="1"/>
           <p:nvPr>
             <p:ph idx="12" type="sldNum"/>
@@ -13811,6 +14527,100 @@
           </a:p>
         </p:txBody>
       </p:sp>
+      <p:sp>
+        <p:nvSpPr>
+          <p:cNvPr id="168" name="Google Shape;168;p17"/>
+          <p:cNvSpPr txBox="1"/>
+          <p:nvPr/>
+        </p:nvSpPr>
+        <p:spPr>
+          <a:xfrm>
+            <a:off x="342300" y="3946325"/>
+            <a:ext cx="7885500" cy="690000"/>
+          </a:xfrm>
+          <a:prstGeom prst="rect">
+            <a:avLst/>
+          </a:prstGeom>
+          <a:noFill/>
+          <a:ln>
+            <a:noFill/>
+          </a:ln>
+        </p:spPr>
+        <p:txBody>
+          <a:bodyPr anchorCtr="0" anchor="t" bIns="91425" lIns="91425" spcFirstLastPara="1" rIns="91425" wrap="square" tIns="91425">
+            <a:noAutofit/>
+          </a:bodyPr>
+          <a:lstStyle/>
+          <a:p>
+            <a:pPr indent="0" lvl="0" marL="0" rtl="0" algn="ctr">
+              <a:spcBef>
+                <a:spcPts val="0"/>
+              </a:spcBef>
+              <a:spcAft>
+                <a:spcPts val="0"/>
+              </a:spcAft>
+              <a:buNone/>
+            </a:pPr>
+            <a:r>
+              <a:rPr lang="fr" sz="1300">
+                <a:solidFill>
+                  <a:srgbClr val="FF0000"/>
+                </a:solidFill>
+                <a:latin typeface="Lato"/>
+                <a:ea typeface="Lato"/>
+                <a:cs typeface="Lato"/>
+                <a:sym typeface="Lato"/>
+              </a:rPr>
+              <a:t>Attention : </a:t>
+            </a:r>
+            <a:r>
+              <a:rPr lang="fr" sz="1300">
+                <a:solidFill>
+                  <a:schemeClr val="lt1"/>
+                </a:solidFill>
+                <a:latin typeface="Lato"/>
+                <a:ea typeface="Lato"/>
+                <a:cs typeface="Lato"/>
+                <a:sym typeface="Lato"/>
+              </a:rPr>
+              <a:t>Ces prix aux mètres carrés incluent </a:t>
+            </a:r>
+            <a:r>
+              <a:rPr lang="fr" sz="1300">
+                <a:solidFill>
+                  <a:srgbClr val="FF0000"/>
+                </a:solidFill>
+                <a:latin typeface="Lato"/>
+                <a:ea typeface="Lato"/>
+                <a:cs typeface="Lato"/>
+                <a:sym typeface="Lato"/>
+              </a:rPr>
+              <a:t>tous les types de transactions</a:t>
+            </a:r>
+            <a:r>
+              <a:rPr lang="fr" sz="1300">
+                <a:solidFill>
+                  <a:schemeClr val="lt1"/>
+                </a:solidFill>
+                <a:latin typeface="Lato"/>
+                <a:ea typeface="Lato"/>
+                <a:cs typeface="Lato"/>
+                <a:sym typeface="Lato"/>
+              </a:rPr>
+              <a:t> (commercial, professionnel, privé, pré) </a:t>
+            </a:r>
+            <a:endParaRPr sz="1300">
+              <a:solidFill>
+                <a:schemeClr val="lt1"/>
+              </a:solidFill>
+              <a:latin typeface="Lato"/>
+              <a:ea typeface="Lato"/>
+              <a:cs typeface="Lato"/>
+              <a:sym typeface="Lato"/>
+            </a:endParaRPr>
+          </a:p>
+        </p:txBody>
+      </p:sp>
     </p:spTree>
   </p:cSld>
   <p:clrMapOvr>
@@ -13824,7 +14634,7 @@
   <p:cSld>
     <p:spTree>
       <p:nvGrpSpPr>
-        <p:cNvPr id="171" name="Shape 171"/>
+        <p:cNvPr id="172" name="Shape 172"/>
         <p:cNvGrpSpPr/>
         <p:nvPr/>
       </p:nvGrpSpPr>
@@ -13838,7 +14648,7 @@
       </p:grpSpPr>
       <p:sp>
         <p:nvSpPr>
-          <p:cNvPr id="172" name="Google Shape;172;p18"/>
+          <p:cNvPr id="173" name="Google Shape;173;p18"/>
           <p:cNvSpPr txBox="1"/>
           <p:nvPr>
             <p:ph type="title"/>
@@ -13878,7 +14688,7 @@
       </p:sp>
       <p:pic>
         <p:nvPicPr>
-          <p:cNvPr id="173" name="Google Shape;173;p18"/>
+          <p:cNvPr id="174" name="Google Shape;174;p18"/>
           <p:cNvPicPr preferRelativeResize="0"/>
           <p:nvPr/>
         </p:nvPicPr>
@@ -13906,7 +14716,7 @@
       </p:pic>
       <p:sp>
         <p:nvSpPr>
-          <p:cNvPr id="174" name="Google Shape;174;p18"/>
+          <p:cNvPr id="175" name="Google Shape;175;p18"/>
           <p:cNvSpPr txBox="1"/>
           <p:nvPr>
             <p:ph idx="12" type="sldNum"/>
@@ -13946,7 +14756,7 @@
       </p:sp>
       <p:sp>
         <p:nvSpPr>
-          <p:cNvPr id="175" name="Google Shape;175;p18"/>
+          <p:cNvPr id="176" name="Google Shape;176;p18"/>
           <p:cNvSpPr txBox="1"/>
           <p:nvPr/>
         </p:nvSpPr>
@@ -14015,7 +14825,7 @@
   <p:cSld>
     <p:spTree>
       <p:nvGrpSpPr>
-        <p:cNvPr id="179" name="Shape 179"/>
+        <p:cNvPr id="180" name="Shape 180"/>
         <p:cNvGrpSpPr/>
         <p:nvPr/>
       </p:nvGrpSpPr>
@@ -14029,7 +14839,7 @@
       </p:grpSpPr>
       <p:sp>
         <p:nvSpPr>
-          <p:cNvPr id="180" name="Google Shape;180;p19"/>
+          <p:cNvPr id="181" name="Google Shape;181;p19"/>
           <p:cNvSpPr txBox="1"/>
           <p:nvPr>
             <p:ph type="title"/>
@@ -14069,7 +14879,7 @@
       </p:sp>
       <p:pic>
         <p:nvPicPr>
-          <p:cNvPr id="181" name="Google Shape;181;p19"/>
+          <p:cNvPr id="182" name="Google Shape;182;p19"/>
           <p:cNvPicPr preferRelativeResize="0"/>
           <p:nvPr/>
         </p:nvPicPr>
@@ -14097,7 +14907,7 @@
       </p:pic>
       <p:sp>
         <p:nvSpPr>
-          <p:cNvPr id="182" name="Google Shape;182;p19"/>
+          <p:cNvPr id="183" name="Google Shape;183;p19"/>
           <p:cNvSpPr txBox="1"/>
           <p:nvPr>
             <p:ph idx="12" type="sldNum"/>
@@ -14137,7 +14947,7 @@
       </p:sp>
       <p:sp>
         <p:nvSpPr>
-          <p:cNvPr id="183" name="Google Shape;183;p19"/>
+          <p:cNvPr id="184" name="Google Shape;184;p19"/>
           <p:cNvSpPr txBox="1"/>
           <p:nvPr/>
         </p:nvSpPr>
@@ -14232,7 +15042,7 @@
   <p:cSld>
     <p:spTree>
       <p:nvGrpSpPr>
-        <p:cNvPr id="187" name="Shape 187"/>
+        <p:cNvPr id="188" name="Shape 188"/>
         <p:cNvGrpSpPr/>
         <p:nvPr/>
       </p:nvGrpSpPr>
@@ -14246,7 +15056,7 @@
       </p:grpSpPr>
       <p:sp>
         <p:nvSpPr>
-          <p:cNvPr id="188" name="Google Shape;188;p20"/>
+          <p:cNvPr id="189" name="Google Shape;189;p20"/>
           <p:cNvSpPr txBox="1"/>
           <p:nvPr>
             <p:ph type="title"/>
@@ -14286,7 +15096,7 @@
       </p:sp>
       <p:sp>
         <p:nvSpPr>
-          <p:cNvPr id="189" name="Google Shape;189;p20"/>
+          <p:cNvPr id="190" name="Google Shape;190;p20"/>
           <p:cNvSpPr txBox="1"/>
           <p:nvPr>
             <p:ph idx="1" type="body"/>
@@ -14394,7 +15204,7 @@
       </p:sp>
       <p:sp>
         <p:nvSpPr>
-          <p:cNvPr id="190" name="Google Shape;190;p20"/>
+          <p:cNvPr id="191" name="Google Shape;191;p20"/>
           <p:cNvSpPr txBox="1"/>
           <p:nvPr>
             <p:ph idx="12" type="sldNum"/>
@@ -14445,7 +15255,7 @@
   <p:cSld>
     <p:spTree>
       <p:nvGrpSpPr>
-        <p:cNvPr id="194" name="Shape 194"/>
+        <p:cNvPr id="195" name="Shape 195"/>
         <p:cNvGrpSpPr/>
         <p:nvPr/>
       </p:nvGrpSpPr>
@@ -14459,7 +15269,7 @@
       </p:grpSpPr>
       <p:sp>
         <p:nvSpPr>
-          <p:cNvPr id="195" name="Google Shape;195;p21"/>
+          <p:cNvPr id="196" name="Google Shape;196;p21"/>
           <p:cNvSpPr txBox="1"/>
           <p:nvPr>
             <p:ph type="title"/>
@@ -14499,7 +15309,7 @@
       </p:sp>
       <p:sp>
         <p:nvSpPr>
-          <p:cNvPr id="196" name="Google Shape;196;p21"/>
+          <p:cNvPr id="197" name="Google Shape;197;p21"/>
           <p:cNvSpPr txBox="1"/>
           <p:nvPr>
             <p:ph idx="12" type="sldNum"/>
@@ -14539,7 +15349,7 @@
       </p:sp>
       <p:sp>
         <p:nvSpPr>
-          <p:cNvPr id="197" name="Google Shape;197;p21"/>
+          <p:cNvPr id="198" name="Google Shape;198;p21"/>
           <p:cNvSpPr txBox="1"/>
           <p:nvPr/>
         </p:nvSpPr>
@@ -14592,7 +15402,7 @@
       </p:sp>
       <p:pic>
         <p:nvPicPr>
-          <p:cNvPr id="198" name="Google Shape;198;p21"/>
+          <p:cNvPr id="199" name="Google Shape;199;p21"/>
           <p:cNvPicPr preferRelativeResize="0"/>
           <p:nvPr/>
         </p:nvPicPr>
@@ -14627,6 +15437,285 @@
 </file>
 
 <file path=ppt/theme/theme1.xml><?xml version="1.0" encoding="utf-8"?>
+<a:theme xmlns:a="http://schemas.openxmlformats.org/drawingml/2006/main" xmlns:r="http://schemas.openxmlformats.org/officeDocument/2006/relationships">
+  <a:themeElements>
+    <a:clrScheme name="Default">
+      <a:dk1>
+        <a:srgbClr val="000000"/>
+      </a:dk1>
+      <a:lt1>
+        <a:srgbClr val="FFFFFF"/>
+      </a:lt1>
+      <a:dk2>
+        <a:srgbClr val="158158"/>
+      </a:dk2>
+      <a:lt2>
+        <a:srgbClr val="F3F3F3"/>
+      </a:lt2>
+      <a:accent1>
+        <a:srgbClr val="058DC7"/>
+      </a:accent1>
+      <a:accent2>
+        <a:srgbClr val="50B432"/>
+      </a:accent2>
+      <a:accent3>
+        <a:srgbClr val="ED561B"/>
+      </a:accent3>
+      <a:accent4>
+        <a:srgbClr val="EDEF00"/>
+      </a:accent4>
+      <a:accent5>
+        <a:srgbClr val="24CBE5"/>
+      </a:accent5>
+      <a:accent6>
+        <a:srgbClr val="64E572"/>
+      </a:accent6>
+      <a:hlink>
+        <a:srgbClr val="2200CC"/>
+      </a:hlink>
+      <a:folHlink>
+        <a:srgbClr val="551A8B"/>
+      </a:folHlink>
+    </a:clrScheme>
+    <a:fontScheme name="Office">
+      <a:majorFont>
+        <a:latin typeface="Arial"/>
+        <a:ea typeface=""/>
+        <a:cs typeface=""/>
+        <a:font script="Jpan" typeface="ＭＳ Ｐゴシック"/>
+        <a:font script="Hang" typeface="맑은 고딕"/>
+        <a:font script="Hans" typeface="宋体"/>
+        <a:font script="Hant" typeface="新細明體"/>
+        <a:font script="Arab" typeface="Times New Roman"/>
+        <a:font script="Hebr" typeface="Times New Roman"/>
+        <a:font script="Thai" typeface="Angsana New"/>
+        <a:font script="Ethi" typeface="Nyala"/>
+        <a:font script="Beng" typeface="Vrinda"/>
+        <a:font script="Gujr" typeface="Shruti"/>
+        <a:font script="Khmr" typeface="MoolBoran"/>
+        <a:font script="Knda" typeface="Tunga"/>
+        <a:font script="Guru" typeface="Raavi"/>
+        <a:font script="Cans" typeface="Euphemia"/>
+        <a:font script="Cher" typeface="Plantagenet Cherokee"/>
+        <a:font script="Yiii" typeface="Microsoft Yi Baiti"/>
+        <a:font script="Tibt" typeface="Microsoft Himalaya"/>
+        <a:font script="Thaa" typeface="MV Boli"/>
+        <a:font script="Deva" typeface="Mangal"/>
+        <a:font script="Telu" typeface="Gautami"/>
+        <a:font script="Taml" typeface="Latha"/>
+        <a:font script="Syrc" typeface="Estrangelo Edessa"/>
+        <a:font script="Orya" typeface="Kalinga"/>
+        <a:font script="Mlym" typeface="Kartika"/>
+        <a:font script="Laoo" typeface="DokChampa"/>
+        <a:font script="Sinh" typeface="Iskoola Pota"/>
+        <a:font script="Mong" typeface="Mongolian Baiti"/>
+        <a:font script="Viet" typeface="Times New Roman"/>
+        <a:font script="Uigh" typeface="Microsoft Uighur"/>
+        <a:font script="Geor" typeface="Sylfaen"/>
+      </a:majorFont>
+      <a:minorFont>
+        <a:latin typeface="Arial"/>
+        <a:ea typeface=""/>
+        <a:cs typeface=""/>
+        <a:font script="Jpan" typeface="ＭＳ Ｐゴシック"/>
+        <a:font script="Hang" typeface="맑은 고딕"/>
+        <a:font script="Hans" typeface="宋体"/>
+        <a:font script="Hant" typeface="新細明體"/>
+        <a:font script="Arab" typeface="Arial"/>
+        <a:font script="Hebr" typeface="Arial"/>
+        <a:font script="Thai" typeface="Cordia New"/>
+        <a:font script="Ethi" typeface="Nyala"/>
+        <a:font script="Beng" typeface="Vrinda"/>
+        <a:font script="Gujr" typeface="Shruti"/>
+        <a:font script="Khmr" typeface="DaunPenh"/>
+        <a:font script="Knda" typeface="Tunga"/>
+        <a:font script="Guru" typeface="Raavi"/>
+        <a:font script="Cans" typeface="Euphemia"/>
+        <a:font script="Cher" typeface="Plantagenet Cherokee"/>
+        <a:font script="Yiii" typeface="Microsoft Yi Baiti"/>
+        <a:font script="Tibt" typeface="Microsoft Himalaya"/>
+        <a:font script="Thaa" typeface="MV Boli"/>
+        <a:font script="Deva" typeface="Mangal"/>
+        <a:font script="Telu" typeface="Gautami"/>
+        <a:font script="Taml" typeface="Latha"/>
+        <a:font script="Syrc" typeface="Estrangelo Edessa"/>
+        <a:font script="Orya" typeface="Kalinga"/>
+        <a:font script="Mlym" typeface="Kartika"/>
+        <a:font script="Laoo" typeface="DokChampa"/>
+        <a:font script="Sinh" typeface="Iskoola Pota"/>
+        <a:font script="Mong" typeface="Mongolian Baiti"/>
+        <a:font script="Viet" typeface="Arial"/>
+        <a:font script="Uigh" typeface="Microsoft Uighur"/>
+        <a:font script="Geor" typeface="Sylfaen"/>
+      </a:minorFont>
+    </a:fontScheme>
+    <a:fmtScheme name="Office">
+      <a:fillStyleLst>
+        <a:solidFill>
+          <a:schemeClr val="phClr"/>
+        </a:solidFill>
+        <a:gradFill rotWithShape="1">
+          <a:gsLst>
+            <a:gs pos="0">
+              <a:schemeClr val="phClr">
+                <a:tint val="50000"/>
+                <a:satMod val="300000"/>
+              </a:schemeClr>
+            </a:gs>
+            <a:gs pos="35000">
+              <a:schemeClr val="phClr">
+                <a:tint val="37000"/>
+                <a:satMod val="300000"/>
+              </a:schemeClr>
+            </a:gs>
+            <a:gs pos="100000">
+              <a:schemeClr val="phClr">
+                <a:tint val="15000"/>
+                <a:satMod val="350000"/>
+              </a:schemeClr>
+            </a:gs>
+          </a:gsLst>
+          <a:lin ang="16200000" scaled="1"/>
+        </a:gradFill>
+        <a:gradFill rotWithShape="1">
+          <a:gsLst>
+            <a:gs pos="0">
+              <a:schemeClr val="phClr">
+                <a:tint val="100000"/>
+                <a:shade val="100000"/>
+                <a:satMod val="130000"/>
+              </a:schemeClr>
+            </a:gs>
+            <a:gs pos="100000">
+              <a:schemeClr val="phClr">
+                <a:tint val="50000"/>
+                <a:shade val="100000"/>
+                <a:satMod val="350000"/>
+              </a:schemeClr>
+            </a:gs>
+          </a:gsLst>
+          <a:lin ang="16200000" scaled="0"/>
+        </a:gradFill>
+      </a:fillStyleLst>
+      <a:lnStyleLst>
+        <a:ln w="9525" cap="flat" cmpd="sng" algn="ctr">
+          <a:solidFill>
+            <a:schemeClr val="phClr">
+              <a:shade val="95000"/>
+              <a:satMod val="105000"/>
+            </a:schemeClr>
+          </a:solidFill>
+          <a:prstDash val="solid"/>
+        </a:ln>
+        <a:ln w="25400" cap="flat" cmpd="sng" algn="ctr">
+          <a:solidFill>
+            <a:schemeClr val="phClr"/>
+          </a:solidFill>
+          <a:prstDash val="solid"/>
+        </a:ln>
+        <a:ln w="38100" cap="flat" cmpd="sng" algn="ctr">
+          <a:solidFill>
+            <a:schemeClr val="phClr"/>
+          </a:solidFill>
+          <a:prstDash val="solid"/>
+        </a:ln>
+      </a:lnStyleLst>
+      <a:effectStyleLst>
+        <a:effectStyle>
+          <a:effectLst>
+            <a:outerShdw blurRad="40000" dist="20000" dir="5400000" rotWithShape="0">
+              <a:srgbClr val="000000">
+                <a:alpha val="38000"/>
+              </a:srgbClr>
+            </a:outerShdw>
+          </a:effectLst>
+        </a:effectStyle>
+        <a:effectStyle>
+          <a:effectLst>
+            <a:outerShdw blurRad="40000" dist="23000" dir="5400000" rotWithShape="0">
+              <a:srgbClr val="000000">
+                <a:alpha val="35000"/>
+              </a:srgbClr>
+            </a:outerShdw>
+          </a:effectLst>
+        </a:effectStyle>
+        <a:effectStyle>
+          <a:effectLst>
+            <a:outerShdw blurRad="40000" dist="23000" dir="5400000" rotWithShape="0">
+              <a:srgbClr val="000000">
+                <a:alpha val="35000"/>
+              </a:srgbClr>
+            </a:outerShdw>
+          </a:effectLst>
+          <a:scene3d>
+            <a:camera prst="orthographicFront">
+              <a:rot lat="0" lon="0" rev="0"/>
+            </a:camera>
+            <a:lightRig rig="threePt" dir="t">
+              <a:rot lat="0" lon="0" rev="1200000"/>
+            </a:lightRig>
+          </a:scene3d>
+          <a:sp3d>
+            <a:bevelT w="63500" h="25400"/>
+          </a:sp3d>
+        </a:effectStyle>
+      </a:effectStyleLst>
+      <a:bgFillStyleLst>
+        <a:solidFill>
+          <a:schemeClr val="phClr"/>
+        </a:solidFill>
+        <a:gradFill rotWithShape="1">
+          <a:gsLst>
+            <a:gs pos="0">
+              <a:schemeClr val="phClr">
+                <a:tint val="40000"/>
+                <a:satMod val="350000"/>
+              </a:schemeClr>
+            </a:gs>
+            <a:gs pos="40000">
+              <a:schemeClr val="phClr">
+                <a:tint val="45000"/>
+                <a:shade val="99000"/>
+                <a:satMod val="350000"/>
+              </a:schemeClr>
+            </a:gs>
+            <a:gs pos="100000">
+              <a:schemeClr val="phClr">
+                <a:shade val="20000"/>
+                <a:satMod val="255000"/>
+              </a:schemeClr>
+            </a:gs>
+          </a:gsLst>
+          <a:path path="circle">
+            <a:fillToRect l="50000" t="-80000" r="50000" b="180000"/>
+          </a:path>
+        </a:gradFill>
+        <a:gradFill rotWithShape="1">
+          <a:gsLst>
+            <a:gs pos="0">
+              <a:schemeClr val="phClr">
+                <a:tint val="80000"/>
+                <a:satMod val="300000"/>
+              </a:schemeClr>
+            </a:gs>
+            <a:gs pos="100000">
+              <a:schemeClr val="phClr">
+                <a:shade val="30000"/>
+                <a:satMod val="200000"/>
+              </a:schemeClr>
+            </a:gs>
+          </a:gsLst>
+          <a:path path="circle">
+            <a:fillToRect l="50000" t="50000" r="50000" b="50000"/>
+          </a:path>
+        </a:gradFill>
+      </a:bgFillStyleLst>
+    </a:fmtScheme>
+  </a:themeElements>
+</a:theme>
+</file>
+
+<file path=ppt/theme/theme2.xml><?xml version="1.0" encoding="utf-8"?>
 <a:theme xmlns:a="http://schemas.openxmlformats.org/drawingml/2006/main" xmlns:r="http://schemas.openxmlformats.org/officeDocument/2006/relationships" name="Focus">
   <a:themeElements>
     <a:clrScheme name="Focus">
@@ -14903,283 +15992,4 @@
     </a:fmtScheme>
   </a:themeElements>
 </a:theme>
-</file>
-
-<file path=ppt/theme/theme2.xml><?xml version="1.0" encoding="utf-8"?>
-<a:theme xmlns:a="http://schemas.openxmlformats.org/drawingml/2006/main" xmlns:r="http://schemas.openxmlformats.org/officeDocument/2006/relationships">
-  <a:themeElements>
-    <a:clrScheme name="Default">
-      <a:dk1>
-        <a:srgbClr val="000000"/>
-      </a:dk1>
-      <a:lt1>
-        <a:srgbClr val="FFFFFF"/>
-      </a:lt1>
-      <a:dk2>
-        <a:srgbClr val="158158"/>
-      </a:dk2>
-      <a:lt2>
-        <a:srgbClr val="F3F3F3"/>
-      </a:lt2>
-      <a:accent1>
-        <a:srgbClr val="058DC7"/>
-      </a:accent1>
-      <a:accent2>
-        <a:srgbClr val="50B432"/>
-      </a:accent2>
-      <a:accent3>
-        <a:srgbClr val="ED561B"/>
-      </a:accent3>
-      <a:accent4>
-        <a:srgbClr val="EDEF00"/>
-      </a:accent4>
-      <a:accent5>
-        <a:srgbClr val="24CBE5"/>
-      </a:accent5>
-      <a:accent6>
-        <a:srgbClr val="64E572"/>
-      </a:accent6>
-      <a:hlink>
-        <a:srgbClr val="2200CC"/>
-      </a:hlink>
-      <a:folHlink>
-        <a:srgbClr val="551A8B"/>
-      </a:folHlink>
-    </a:clrScheme>
-    <a:fontScheme name="Office">
-      <a:majorFont>
-        <a:latin typeface="Arial"/>
-        <a:ea typeface=""/>
-        <a:cs typeface=""/>
-        <a:font script="Jpan" typeface="ＭＳ Ｐゴシック"/>
-        <a:font script="Hang" typeface="맑은 고딕"/>
-        <a:font script="Hans" typeface="宋体"/>
-        <a:font script="Hant" typeface="新細明體"/>
-        <a:font script="Arab" typeface="Times New Roman"/>
-        <a:font script="Hebr" typeface="Times New Roman"/>
-        <a:font script="Thai" typeface="Angsana New"/>
-        <a:font script="Ethi" typeface="Nyala"/>
-        <a:font script="Beng" typeface="Vrinda"/>
-        <a:font script="Gujr" typeface="Shruti"/>
-        <a:font script="Khmr" typeface="MoolBoran"/>
-        <a:font script="Knda" typeface="Tunga"/>
-        <a:font script="Guru" typeface="Raavi"/>
-        <a:font script="Cans" typeface="Euphemia"/>
-        <a:font script="Cher" typeface="Plantagenet Cherokee"/>
-        <a:font script="Yiii" typeface="Microsoft Yi Baiti"/>
-        <a:font script="Tibt" typeface="Microsoft Himalaya"/>
-        <a:font script="Thaa" typeface="MV Boli"/>
-        <a:font script="Deva" typeface="Mangal"/>
-        <a:font script="Telu" typeface="Gautami"/>
-        <a:font script="Taml" typeface="Latha"/>
-        <a:font script="Syrc" typeface="Estrangelo Edessa"/>
-        <a:font script="Orya" typeface="Kalinga"/>
-        <a:font script="Mlym" typeface="Kartika"/>
-        <a:font script="Laoo" typeface="DokChampa"/>
-        <a:font script="Sinh" typeface="Iskoola Pota"/>
-        <a:font script="Mong" typeface="Mongolian Baiti"/>
-        <a:font script="Viet" typeface="Times New Roman"/>
-        <a:font script="Uigh" typeface="Microsoft Uighur"/>
-        <a:font script="Geor" typeface="Sylfaen"/>
-      </a:majorFont>
-      <a:minorFont>
-        <a:latin typeface="Arial"/>
-        <a:ea typeface=""/>
-        <a:cs typeface=""/>
-        <a:font script="Jpan" typeface="ＭＳ Ｐゴシック"/>
-        <a:font script="Hang" typeface="맑은 고딕"/>
-        <a:font script="Hans" typeface="宋体"/>
-        <a:font script="Hant" typeface="新細明體"/>
-        <a:font script="Arab" typeface="Arial"/>
-        <a:font script="Hebr" typeface="Arial"/>
-        <a:font script="Thai" typeface="Cordia New"/>
-        <a:font script="Ethi" typeface="Nyala"/>
-        <a:font script="Beng" typeface="Vrinda"/>
-        <a:font script="Gujr" typeface="Shruti"/>
-        <a:font script="Khmr" typeface="DaunPenh"/>
-        <a:font script="Knda" typeface="Tunga"/>
-        <a:font script="Guru" typeface="Raavi"/>
-        <a:font script="Cans" typeface="Euphemia"/>
-        <a:font script="Cher" typeface="Plantagenet Cherokee"/>
-        <a:font script="Yiii" typeface="Microsoft Yi Baiti"/>
-        <a:font script="Tibt" typeface="Microsoft Himalaya"/>
-        <a:font script="Thaa" typeface="MV Boli"/>
-        <a:font script="Deva" typeface="Mangal"/>
-        <a:font script="Telu" typeface="Gautami"/>
-        <a:font script="Taml" typeface="Latha"/>
-        <a:font script="Syrc" typeface="Estrangelo Edessa"/>
-        <a:font script="Orya" typeface="Kalinga"/>
-        <a:font script="Mlym" typeface="Kartika"/>
-        <a:font script="Laoo" typeface="DokChampa"/>
-        <a:font script="Sinh" typeface="Iskoola Pota"/>
-        <a:font script="Mong" typeface="Mongolian Baiti"/>
-        <a:font script="Viet" typeface="Arial"/>
-        <a:font script="Uigh" typeface="Microsoft Uighur"/>
-        <a:font script="Geor" typeface="Sylfaen"/>
-      </a:minorFont>
-    </a:fontScheme>
-    <a:fmtScheme name="Office">
-      <a:fillStyleLst>
-        <a:solidFill>
-          <a:schemeClr val="phClr"/>
-        </a:solidFill>
-        <a:gradFill rotWithShape="1">
-          <a:gsLst>
-            <a:gs pos="0">
-              <a:schemeClr val="phClr">
-                <a:tint val="50000"/>
-                <a:satMod val="300000"/>
-              </a:schemeClr>
-            </a:gs>
-            <a:gs pos="35000">
-              <a:schemeClr val="phClr">
-                <a:tint val="37000"/>
-                <a:satMod val="300000"/>
-              </a:schemeClr>
-            </a:gs>
-            <a:gs pos="100000">
-              <a:schemeClr val="phClr">
-                <a:tint val="15000"/>
-                <a:satMod val="350000"/>
-              </a:schemeClr>
-            </a:gs>
-          </a:gsLst>
-          <a:lin ang="16200000" scaled="1"/>
-        </a:gradFill>
-        <a:gradFill rotWithShape="1">
-          <a:gsLst>
-            <a:gs pos="0">
-              <a:schemeClr val="phClr">
-                <a:tint val="100000"/>
-                <a:shade val="100000"/>
-                <a:satMod val="130000"/>
-              </a:schemeClr>
-            </a:gs>
-            <a:gs pos="100000">
-              <a:schemeClr val="phClr">
-                <a:tint val="50000"/>
-                <a:shade val="100000"/>
-                <a:satMod val="350000"/>
-              </a:schemeClr>
-            </a:gs>
-          </a:gsLst>
-          <a:lin ang="16200000" scaled="0"/>
-        </a:gradFill>
-      </a:fillStyleLst>
-      <a:lnStyleLst>
-        <a:ln w="9525" cap="flat" cmpd="sng" algn="ctr">
-          <a:solidFill>
-            <a:schemeClr val="phClr">
-              <a:shade val="95000"/>
-              <a:satMod val="105000"/>
-            </a:schemeClr>
-          </a:solidFill>
-          <a:prstDash val="solid"/>
-        </a:ln>
-        <a:ln w="25400" cap="flat" cmpd="sng" algn="ctr">
-          <a:solidFill>
-            <a:schemeClr val="phClr"/>
-          </a:solidFill>
-          <a:prstDash val="solid"/>
-        </a:ln>
-        <a:ln w="38100" cap="flat" cmpd="sng" algn="ctr">
-          <a:solidFill>
-            <a:schemeClr val="phClr"/>
-          </a:solidFill>
-          <a:prstDash val="solid"/>
-        </a:ln>
-      </a:lnStyleLst>
-      <a:effectStyleLst>
-        <a:effectStyle>
-          <a:effectLst>
-            <a:outerShdw blurRad="40000" dist="20000" dir="5400000" rotWithShape="0">
-              <a:srgbClr val="000000">
-                <a:alpha val="38000"/>
-              </a:srgbClr>
-            </a:outerShdw>
-          </a:effectLst>
-        </a:effectStyle>
-        <a:effectStyle>
-          <a:effectLst>
-            <a:outerShdw blurRad="40000" dist="23000" dir="5400000" rotWithShape="0">
-              <a:srgbClr val="000000">
-                <a:alpha val="35000"/>
-              </a:srgbClr>
-            </a:outerShdw>
-          </a:effectLst>
-        </a:effectStyle>
-        <a:effectStyle>
-          <a:effectLst>
-            <a:outerShdw blurRad="40000" dist="23000" dir="5400000" rotWithShape="0">
-              <a:srgbClr val="000000">
-                <a:alpha val="35000"/>
-              </a:srgbClr>
-            </a:outerShdw>
-          </a:effectLst>
-          <a:scene3d>
-            <a:camera prst="orthographicFront">
-              <a:rot lat="0" lon="0" rev="0"/>
-            </a:camera>
-            <a:lightRig rig="threePt" dir="t">
-              <a:rot lat="0" lon="0" rev="1200000"/>
-            </a:lightRig>
-          </a:scene3d>
-          <a:sp3d>
-            <a:bevelT w="63500" h="25400"/>
-          </a:sp3d>
-        </a:effectStyle>
-      </a:effectStyleLst>
-      <a:bgFillStyleLst>
-        <a:solidFill>
-          <a:schemeClr val="phClr"/>
-        </a:solidFill>
-        <a:gradFill rotWithShape="1">
-          <a:gsLst>
-            <a:gs pos="0">
-              <a:schemeClr val="phClr">
-                <a:tint val="40000"/>
-                <a:satMod val="350000"/>
-              </a:schemeClr>
-            </a:gs>
-            <a:gs pos="40000">
-              <a:schemeClr val="phClr">
-                <a:tint val="45000"/>
-                <a:shade val="99000"/>
-                <a:satMod val="350000"/>
-              </a:schemeClr>
-            </a:gs>
-            <a:gs pos="100000">
-              <a:schemeClr val="phClr">
-                <a:shade val="20000"/>
-                <a:satMod val="255000"/>
-              </a:schemeClr>
-            </a:gs>
-          </a:gsLst>
-          <a:path path="circle">
-            <a:fillToRect l="50000" t="-80000" r="50000" b="180000"/>
-          </a:path>
-        </a:gradFill>
-        <a:gradFill rotWithShape="1">
-          <a:gsLst>
-            <a:gs pos="0">
-              <a:schemeClr val="phClr">
-                <a:tint val="80000"/>
-                <a:satMod val="300000"/>
-              </a:schemeClr>
-            </a:gs>
-            <a:gs pos="100000">
-              <a:schemeClr val="phClr">
-                <a:shade val="30000"/>
-                <a:satMod val="200000"/>
-              </a:schemeClr>
-            </a:gs>
-          </a:gsLst>
-          <a:path path="circle">
-            <a:fillToRect l="50000" t="50000" r="50000" b="50000"/>
-          </a:path>
-        </a:gradFill>
-      </a:bgFillStyleLst>
-    </a:fmtScheme>
-  </a:themeElements>
-</a:theme>
 </file>
--- a/Machine_Learning_ISUP.pptx
+++ b/Machine_Learning_ISUP.pptx
@@ -28,23 +28,25 @@
     <p:sldId id="273" r:id="rId23"/>
     <p:sldId id="274" r:id="rId24"/>
     <p:sldId id="275" r:id="rId25"/>
+    <p:sldId id="276" r:id="rId26"/>
+    <p:sldId id="277" r:id="rId27"/>
   </p:sldIdLst>
   <p:sldSz cy="5143500" cx="9144000"/>
   <p:notesSz cx="6858000" cy="9144000"/>
   <p:embeddedFontLst>
     <p:embeddedFont>
       <p:font typeface="Montserrat"/>
-      <p:regular r:id="rId26"/>
-      <p:bold r:id="rId27"/>
-      <p:italic r:id="rId28"/>
-      <p:boldItalic r:id="rId29"/>
+      <p:regular r:id="rId28"/>
+      <p:bold r:id="rId29"/>
+      <p:italic r:id="rId30"/>
+      <p:boldItalic r:id="rId31"/>
     </p:embeddedFont>
     <p:embeddedFont>
       <p:font typeface="Lato"/>
-      <p:regular r:id="rId30"/>
-      <p:bold r:id="rId31"/>
-      <p:italic r:id="rId32"/>
-      <p:boldItalic r:id="rId33"/>
+      <p:regular r:id="rId32"/>
+      <p:bold r:id="rId33"/>
+      <p:italic r:id="rId34"/>
+      <p:boldItalic r:id="rId35"/>
     </p:embeddedFont>
   </p:embeddedFontLst>
   <p:defaultTextStyle>
@@ -825,7 +827,7 @@
   <p:cSld>
     <p:spTree>
       <p:nvGrpSpPr>
-        <p:cNvPr id="200" name="Shape 200"/>
+        <p:cNvPr id="201" name="Shape 201"/>
         <p:cNvGrpSpPr/>
         <p:nvPr/>
       </p:nvGrpSpPr>
@@ -839,7 +841,7 @@
       </p:grpSpPr>
       <p:sp>
         <p:nvSpPr>
-          <p:cNvPr id="201" name="Google Shape;201;g323493370c0_0_160:notes"/>
+          <p:cNvPr id="202" name="Google Shape;202;g323493370c0_0_160:notes"/>
           <p:cNvSpPr/>
           <p:nvPr>
             <p:ph idx="2" type="sldImg"/>
@@ -874,7 +876,7 @@
       </p:sp>
       <p:sp>
         <p:nvSpPr>
-          <p:cNvPr id="202" name="Google Shape;202;g323493370c0_0_160:notes"/>
+          <p:cNvPr id="203" name="Google Shape;203;g323493370c0_0_160:notes"/>
           <p:cNvSpPr txBox="1"/>
           <p:nvPr>
             <p:ph idx="1" type="body"/>
@@ -924,7 +926,7 @@
   <p:cSld>
     <p:spTree>
       <p:nvGrpSpPr>
-        <p:cNvPr id="208" name="Shape 208"/>
+        <p:cNvPr id="209" name="Shape 209"/>
         <p:cNvGrpSpPr/>
         <p:nvPr/>
       </p:nvGrpSpPr>
@@ -938,7 +940,7 @@
       </p:grpSpPr>
       <p:sp>
         <p:nvSpPr>
-          <p:cNvPr id="209" name="Google Shape;209;g323493370c0_0_236:notes"/>
+          <p:cNvPr id="210" name="Google Shape;210;g3248e3421d8_1_8:notes"/>
           <p:cNvSpPr/>
           <p:nvPr>
             <p:ph idx="2" type="sldImg"/>
@@ -973,7 +975,7 @@
       </p:sp>
       <p:sp>
         <p:nvSpPr>
-          <p:cNvPr id="210" name="Google Shape;210;g323493370c0_0_236:notes"/>
+          <p:cNvPr id="211" name="Google Shape;211;g3248e3421d8_1_8:notes"/>
           <p:cNvSpPr txBox="1"/>
           <p:nvPr>
             <p:ph idx="1" type="body"/>
@@ -1023,7 +1025,7 @@
   <p:cSld>
     <p:spTree>
       <p:nvGrpSpPr>
-        <p:cNvPr id="216" name="Shape 216"/>
+        <p:cNvPr id="217" name="Shape 217"/>
         <p:cNvGrpSpPr/>
         <p:nvPr/>
       </p:nvGrpSpPr>
@@ -1037,7 +1039,7 @@
       </p:grpSpPr>
       <p:sp>
         <p:nvSpPr>
-          <p:cNvPr id="217" name="Google Shape;217;g323493370c0_0_283:notes"/>
+          <p:cNvPr id="218" name="Google Shape;218;g323493370c0_0_236:notes"/>
           <p:cNvSpPr/>
           <p:nvPr>
             <p:ph idx="2" type="sldImg"/>
@@ -1072,7 +1074,7 @@
       </p:sp>
       <p:sp>
         <p:nvSpPr>
-          <p:cNvPr id="218" name="Google Shape;218;g323493370c0_0_283:notes"/>
+          <p:cNvPr id="219" name="Google Shape;219;g323493370c0_0_236:notes"/>
           <p:cNvSpPr txBox="1"/>
           <p:nvPr>
             <p:ph idx="1" type="body"/>
@@ -1122,7 +1124,7 @@
   <p:cSld>
     <p:spTree>
       <p:nvGrpSpPr>
-        <p:cNvPr id="224" name="Shape 224"/>
+        <p:cNvPr id="225" name="Shape 225"/>
         <p:cNvGrpSpPr/>
         <p:nvPr/>
       </p:nvGrpSpPr>
@@ -1136,7 +1138,7 @@
       </p:grpSpPr>
       <p:sp>
         <p:nvSpPr>
-          <p:cNvPr id="225" name="Google Shape;225;g323c9e1032c_1_21:notes"/>
+          <p:cNvPr id="226" name="Google Shape;226;g323493370c0_0_283:notes"/>
           <p:cNvSpPr/>
           <p:nvPr>
             <p:ph idx="2" type="sldImg"/>
@@ -1171,7 +1173,7 @@
       </p:sp>
       <p:sp>
         <p:nvSpPr>
-          <p:cNvPr id="226" name="Google Shape;226;g323c9e1032c_1_21:notes"/>
+          <p:cNvPr id="227" name="Google Shape;227;g323493370c0_0_283:notes"/>
           <p:cNvSpPr txBox="1"/>
           <p:nvPr>
             <p:ph idx="1" type="body"/>
@@ -1221,7 +1223,7 @@
   <p:cSld>
     <p:spTree>
       <p:nvGrpSpPr>
-        <p:cNvPr id="232" name="Shape 232"/>
+        <p:cNvPr id="233" name="Shape 233"/>
         <p:cNvGrpSpPr/>
         <p:nvPr/>
       </p:nvGrpSpPr>
@@ -1235,7 +1237,7 @@
       </p:grpSpPr>
       <p:sp>
         <p:nvSpPr>
-          <p:cNvPr id="233" name="Google Shape;233;g323493370c0_0_257:notes"/>
+          <p:cNvPr id="234" name="Google Shape;234;g3248e3421d8_1_24:notes"/>
           <p:cNvSpPr/>
           <p:nvPr>
             <p:ph idx="2" type="sldImg"/>
@@ -1270,7 +1272,7 @@
       </p:sp>
       <p:sp>
         <p:nvSpPr>
-          <p:cNvPr id="234" name="Google Shape;234;g323493370c0_0_257:notes"/>
+          <p:cNvPr id="235" name="Google Shape;235;g3248e3421d8_1_24:notes"/>
           <p:cNvSpPr txBox="1"/>
           <p:nvPr>
             <p:ph idx="1" type="body"/>
@@ -1320,7 +1322,7 @@
   <p:cSld>
     <p:spTree>
       <p:nvGrpSpPr>
-        <p:cNvPr id="240" name="Shape 240"/>
+        <p:cNvPr id="241" name="Shape 241"/>
         <p:cNvGrpSpPr/>
         <p:nvPr/>
       </p:nvGrpSpPr>
@@ -1334,7 +1336,7 @@
       </p:grpSpPr>
       <p:sp>
         <p:nvSpPr>
-          <p:cNvPr id="241" name="Google Shape;241;g323493370c0_0_291:notes"/>
+          <p:cNvPr id="242" name="Google Shape;242;g323c9e1032c_1_21:notes"/>
           <p:cNvSpPr/>
           <p:nvPr>
             <p:ph idx="2" type="sldImg"/>
@@ -1369,7 +1371,7 @@
       </p:sp>
       <p:sp>
         <p:nvSpPr>
-          <p:cNvPr id="242" name="Google Shape;242;g323493370c0_0_291:notes"/>
+          <p:cNvPr id="243" name="Google Shape;243;g323c9e1032c_1_21:notes"/>
           <p:cNvSpPr txBox="1"/>
           <p:nvPr>
             <p:ph idx="1" type="body"/>
@@ -1419,7 +1421,7 @@
   <p:cSld>
     <p:spTree>
       <p:nvGrpSpPr>
-        <p:cNvPr id="248" name="Shape 248"/>
+        <p:cNvPr id="249" name="Shape 249"/>
         <p:cNvGrpSpPr/>
         <p:nvPr/>
       </p:nvGrpSpPr>
@@ -1433,7 +1435,7 @@
       </p:grpSpPr>
       <p:sp>
         <p:nvSpPr>
-          <p:cNvPr id="249" name="Google Shape;249;g323c9e1032c_1_35:notes"/>
+          <p:cNvPr id="250" name="Google Shape;250;g323493370c0_0_257:notes"/>
           <p:cNvSpPr/>
           <p:nvPr>
             <p:ph idx="2" type="sldImg"/>
@@ -1468,7 +1470,7 @@
       </p:sp>
       <p:sp>
         <p:nvSpPr>
-          <p:cNvPr id="250" name="Google Shape;250;g323c9e1032c_1_35:notes"/>
+          <p:cNvPr id="251" name="Google Shape;251;g323493370c0_0_257:notes"/>
           <p:cNvSpPr txBox="1"/>
           <p:nvPr>
             <p:ph idx="1" type="body"/>
@@ -1518,7 +1520,7 @@
   <p:cSld>
     <p:spTree>
       <p:nvGrpSpPr>
-        <p:cNvPr id="256" name="Shape 256"/>
+        <p:cNvPr id="257" name="Shape 257"/>
         <p:cNvGrpSpPr/>
         <p:nvPr/>
       </p:nvGrpSpPr>
@@ -1532,7 +1534,7 @@
       </p:grpSpPr>
       <p:sp>
         <p:nvSpPr>
-          <p:cNvPr id="257" name="Google Shape;257;g323493370c0_0_170:notes"/>
+          <p:cNvPr id="258" name="Google Shape;258;g323493370c0_0_291:notes"/>
           <p:cNvSpPr/>
           <p:nvPr>
             <p:ph idx="2" type="sldImg"/>
@@ -1567,7 +1569,7 @@
       </p:sp>
       <p:sp>
         <p:nvSpPr>
-          <p:cNvPr id="258" name="Google Shape;258;g323493370c0_0_170:notes"/>
+          <p:cNvPr id="259" name="Google Shape;259;g323493370c0_0_291:notes"/>
           <p:cNvSpPr txBox="1"/>
           <p:nvPr>
             <p:ph idx="1" type="body"/>
@@ -1617,7 +1619,7 @@
   <p:cSld>
     <p:spTree>
       <p:nvGrpSpPr>
-        <p:cNvPr id="266" name="Shape 266"/>
+        <p:cNvPr id="265" name="Shape 265"/>
         <p:cNvGrpSpPr/>
         <p:nvPr/>
       </p:nvGrpSpPr>
@@ -1631,7 +1633,7 @@
       </p:grpSpPr>
       <p:sp>
         <p:nvSpPr>
-          <p:cNvPr id="267" name="Google Shape;267;g323c9e1032c_1_51:notes"/>
+          <p:cNvPr id="266" name="Google Shape;266;g323c9e1032c_1_35:notes"/>
           <p:cNvSpPr/>
           <p:nvPr>
             <p:ph idx="2" type="sldImg"/>
@@ -1666,7 +1668,7 @@
       </p:sp>
       <p:sp>
         <p:nvSpPr>
-          <p:cNvPr id="268" name="Google Shape;268;g323c9e1032c_1_51:notes"/>
+          <p:cNvPr id="267" name="Google Shape;267;g323c9e1032c_1_35:notes"/>
           <p:cNvSpPr txBox="1"/>
           <p:nvPr>
             <p:ph idx="1" type="body"/>
@@ -1716,7 +1718,7 @@
   <p:cSld>
     <p:spTree>
       <p:nvGrpSpPr>
-        <p:cNvPr id="275" name="Shape 275"/>
+        <p:cNvPr id="273" name="Shape 273"/>
         <p:cNvGrpSpPr/>
         <p:nvPr/>
       </p:nvGrpSpPr>
@@ -1730,7 +1732,7 @@
       </p:grpSpPr>
       <p:sp>
         <p:nvSpPr>
-          <p:cNvPr id="276" name="Google Shape;276;g323c9e1032c_1_62:notes"/>
+          <p:cNvPr id="274" name="Google Shape;274;g323493370c0_0_170:notes"/>
           <p:cNvSpPr/>
           <p:nvPr>
             <p:ph idx="2" type="sldImg"/>
@@ -1765,7 +1767,7 @@
       </p:sp>
       <p:sp>
         <p:nvSpPr>
-          <p:cNvPr id="277" name="Google Shape;277;g323c9e1032c_1_62:notes"/>
+          <p:cNvPr id="275" name="Google Shape;275;g323493370c0_0_170:notes"/>
           <p:cNvSpPr txBox="1"/>
           <p:nvPr>
             <p:ph idx="1" type="body"/>
@@ -1928,7 +1930,7 @@
       </p:grpSpPr>
       <p:sp>
         <p:nvSpPr>
-          <p:cNvPr id="284" name="Google Shape;284;g323493370c0_0_188:notes"/>
+          <p:cNvPr id="284" name="Google Shape;284;g323c9e1032c_1_51:notes"/>
           <p:cNvSpPr/>
           <p:nvPr>
             <p:ph idx="2" type="sldImg"/>
@@ -1963,7 +1965,205 @@
       </p:sp>
       <p:sp>
         <p:nvSpPr>
-          <p:cNvPr id="285" name="Google Shape;285;g323493370c0_0_188:notes"/>
+          <p:cNvPr id="285" name="Google Shape;285;g323c9e1032c_1_51:notes"/>
+          <p:cNvSpPr txBox="1"/>
+          <p:nvPr>
+            <p:ph idx="1" type="body"/>
+          </p:nvPr>
+        </p:nvSpPr>
+        <p:spPr>
+          <a:xfrm>
+            <a:off x="685800" y="4343400"/>
+            <a:ext cx="5486400" cy="4114800"/>
+          </a:xfrm>
+          <a:prstGeom prst="rect">
+            <a:avLst/>
+          </a:prstGeom>
+        </p:spPr>
+        <p:txBody>
+          <a:bodyPr anchorCtr="0" anchor="t" bIns="91425" lIns="91425" spcFirstLastPara="1" rIns="91425" wrap="square" tIns="91425">
+            <a:noAutofit/>
+          </a:bodyPr>
+          <a:lstStyle/>
+          <a:p>
+            <a:pPr indent="0" lvl="0" marL="0" rtl="0" algn="l">
+              <a:spcBef>
+                <a:spcPts val="0"/>
+              </a:spcBef>
+              <a:spcAft>
+                <a:spcPts val="0"/>
+              </a:spcAft>
+              <a:buNone/>
+            </a:pPr>
+            <a:r>
+              <a:t/>
+            </a:r>
+            <a:endParaRPr/>
+          </a:p>
+        </p:txBody>
+      </p:sp>
+    </p:spTree>
+  </p:cSld>
+  <p:clrMapOvr>
+    <a:masterClrMapping/>
+  </p:clrMapOvr>
+</p:notes>
+</file>
+
+<file path=ppt/notesSlides/notesSlide21.xml><?xml version="1.0" encoding="utf-8"?>
+<p:notes xmlns:a="http://schemas.openxmlformats.org/drawingml/2006/main" xmlns:r="http://schemas.openxmlformats.org/officeDocument/2006/relationships" xmlns:mc="http://schemas.openxmlformats.org/markup-compatibility/2006" xmlns:mv="urn:schemas-microsoft-com:mac:vml" xmlns:p="http://schemas.openxmlformats.org/presentationml/2006/main" xmlns:c="http://schemas.openxmlformats.org/drawingml/2006/chart" xmlns:dgm="http://schemas.openxmlformats.org/drawingml/2006/diagram" xmlns:o="urn:schemas-microsoft-com:office:office" xmlns:v="urn:schemas-microsoft-com:vml" xmlns:pvml="urn:schemas-microsoft-com:office:powerpoint" xmlns:com="http://schemas.openxmlformats.org/drawingml/2006/compatibility" xmlns:p14="http://schemas.microsoft.com/office/powerpoint/2010/main" xmlns:p15="http://schemas.microsoft.com/office/powerpoint/2012/main" xmlns:ahyp="http://schemas.microsoft.com/office/drawing/2018/hyperlinkcolor" showMasterPhAnim="0" showMasterSp="0">
+  <p:cSld>
+    <p:spTree>
+      <p:nvGrpSpPr>
+        <p:cNvPr id="292" name="Shape 292"/>
+        <p:cNvGrpSpPr/>
+        <p:nvPr/>
+      </p:nvGrpSpPr>
+      <p:grpSpPr>
+        <a:xfrm>
+          <a:off x="0" y="0"/>
+          <a:ext cx="0" cy="0"/>
+          <a:chOff x="0" y="0"/>
+          <a:chExt cx="0" cy="0"/>
+        </a:xfrm>
+      </p:grpSpPr>
+      <p:sp>
+        <p:nvSpPr>
+          <p:cNvPr id="293" name="Google Shape;293;g323c9e1032c_1_62:notes"/>
+          <p:cNvSpPr/>
+          <p:nvPr>
+            <p:ph idx="2" type="sldImg"/>
+          </p:nvPr>
+        </p:nvSpPr>
+        <p:spPr>
+          <a:xfrm>
+            <a:off x="381300" y="685800"/>
+            <a:ext cx="6096000" cy="3429000"/>
+          </a:xfrm>
+          <a:custGeom>
+            <a:rect b="b" l="l" r="r" t="t"/>
+            <a:pathLst>
+              <a:path extrusionOk="0" h="120000" w="120000">
+                <a:moveTo>
+                  <a:pt x="0" y="0"/>
+                </a:moveTo>
+                <a:lnTo>
+                  <a:pt x="120000" y="0"/>
+                </a:lnTo>
+                <a:lnTo>
+                  <a:pt x="120000" y="120000"/>
+                </a:lnTo>
+                <a:lnTo>
+                  <a:pt x="0" y="120000"/>
+                </a:lnTo>
+                <a:close/>
+              </a:path>
+            </a:pathLst>
+          </a:custGeom>
+        </p:spPr>
+      </p:sp>
+      <p:sp>
+        <p:nvSpPr>
+          <p:cNvPr id="294" name="Google Shape;294;g323c9e1032c_1_62:notes"/>
+          <p:cNvSpPr txBox="1"/>
+          <p:nvPr>
+            <p:ph idx="1" type="body"/>
+          </p:nvPr>
+        </p:nvSpPr>
+        <p:spPr>
+          <a:xfrm>
+            <a:off x="685800" y="4343400"/>
+            <a:ext cx="5486400" cy="4114800"/>
+          </a:xfrm>
+          <a:prstGeom prst="rect">
+            <a:avLst/>
+          </a:prstGeom>
+        </p:spPr>
+        <p:txBody>
+          <a:bodyPr anchorCtr="0" anchor="t" bIns="91425" lIns="91425" spcFirstLastPara="1" rIns="91425" wrap="square" tIns="91425">
+            <a:noAutofit/>
+          </a:bodyPr>
+          <a:lstStyle/>
+          <a:p>
+            <a:pPr indent="0" lvl="0" marL="0" rtl="0" algn="l">
+              <a:spcBef>
+                <a:spcPts val="0"/>
+              </a:spcBef>
+              <a:spcAft>
+                <a:spcPts val="0"/>
+              </a:spcAft>
+              <a:buNone/>
+            </a:pPr>
+            <a:r>
+              <a:t/>
+            </a:r>
+            <a:endParaRPr/>
+          </a:p>
+        </p:txBody>
+      </p:sp>
+    </p:spTree>
+  </p:cSld>
+  <p:clrMapOvr>
+    <a:masterClrMapping/>
+  </p:clrMapOvr>
+</p:notes>
+</file>
+
+<file path=ppt/notesSlides/notesSlide22.xml><?xml version="1.0" encoding="utf-8"?>
+<p:notes xmlns:a="http://schemas.openxmlformats.org/drawingml/2006/main" xmlns:r="http://schemas.openxmlformats.org/officeDocument/2006/relationships" xmlns:mc="http://schemas.openxmlformats.org/markup-compatibility/2006" xmlns:mv="urn:schemas-microsoft-com:mac:vml" xmlns:p="http://schemas.openxmlformats.org/presentationml/2006/main" xmlns:c="http://schemas.openxmlformats.org/drawingml/2006/chart" xmlns:dgm="http://schemas.openxmlformats.org/drawingml/2006/diagram" xmlns:o="urn:schemas-microsoft-com:office:office" xmlns:v="urn:schemas-microsoft-com:vml" xmlns:pvml="urn:schemas-microsoft-com:office:powerpoint" xmlns:com="http://schemas.openxmlformats.org/drawingml/2006/compatibility" xmlns:p14="http://schemas.microsoft.com/office/powerpoint/2010/main" xmlns:p15="http://schemas.microsoft.com/office/powerpoint/2012/main" xmlns:ahyp="http://schemas.microsoft.com/office/drawing/2018/hyperlinkcolor" showMasterPhAnim="0" showMasterSp="0">
+  <p:cSld>
+    <p:spTree>
+      <p:nvGrpSpPr>
+        <p:cNvPr id="300" name="Shape 300"/>
+        <p:cNvGrpSpPr/>
+        <p:nvPr/>
+      </p:nvGrpSpPr>
+      <p:grpSpPr>
+        <a:xfrm>
+          <a:off x="0" y="0"/>
+          <a:ext cx="0" cy="0"/>
+          <a:chOff x="0" y="0"/>
+          <a:chExt cx="0" cy="0"/>
+        </a:xfrm>
+      </p:grpSpPr>
+      <p:sp>
+        <p:nvSpPr>
+          <p:cNvPr id="301" name="Google Shape;301;g323493370c0_0_188:notes"/>
+          <p:cNvSpPr/>
+          <p:nvPr>
+            <p:ph idx="2" type="sldImg"/>
+          </p:nvPr>
+        </p:nvSpPr>
+        <p:spPr>
+          <a:xfrm>
+            <a:off x="381300" y="685800"/>
+            <a:ext cx="6096000" cy="3429000"/>
+          </a:xfrm>
+          <a:custGeom>
+            <a:rect b="b" l="l" r="r" t="t"/>
+            <a:pathLst>
+              <a:path extrusionOk="0" h="120000" w="120000">
+                <a:moveTo>
+                  <a:pt x="0" y="0"/>
+                </a:moveTo>
+                <a:lnTo>
+                  <a:pt x="120000" y="0"/>
+                </a:lnTo>
+                <a:lnTo>
+                  <a:pt x="120000" y="120000"/>
+                </a:lnTo>
+                <a:lnTo>
+                  <a:pt x="0" y="120000"/>
+                </a:lnTo>
+                <a:close/>
+              </a:path>
+            </a:pathLst>
+          </a:custGeom>
+        </p:spPr>
+      </p:sp>
+      <p:sp>
+        <p:nvSpPr>
+          <p:cNvPr id="302" name="Google Shape;302;g323493370c0_0_188:notes"/>
           <p:cNvSpPr txBox="1"/>
           <p:nvPr>
             <p:ph idx="1" type="body"/>
@@ -2522,7 +2722,7 @@
       </p:grpSpPr>
       <p:sp>
         <p:nvSpPr>
-          <p:cNvPr id="186" name="Google Shape;186;g323493370c0_0_141:notes"/>
+          <p:cNvPr id="186" name="Google Shape;186;g3248e3421d8_1_0:notes"/>
           <p:cNvSpPr/>
           <p:nvPr>
             <p:ph idx="2" type="sldImg"/>
@@ -2557,7 +2757,7 @@
       </p:sp>
       <p:sp>
         <p:nvSpPr>
-          <p:cNvPr id="187" name="Google Shape;187;g323493370c0_0_141:notes"/>
+          <p:cNvPr id="187" name="Google Shape;187;g3248e3421d8_1_0:notes"/>
           <p:cNvSpPr txBox="1"/>
           <p:nvPr>
             <p:ph idx="1" type="body"/>
@@ -2607,7 +2807,7 @@
   <p:cSld>
     <p:spTree>
       <p:nvGrpSpPr>
-        <p:cNvPr id="192" name="Shape 192"/>
+        <p:cNvPr id="193" name="Shape 193"/>
         <p:cNvGrpSpPr/>
         <p:nvPr/>
       </p:nvGrpSpPr>
@@ -2621,7 +2821,7 @@
       </p:grpSpPr>
       <p:sp>
         <p:nvSpPr>
-          <p:cNvPr id="193" name="Google Shape;193;g323493370c0_0_146:notes"/>
+          <p:cNvPr id="194" name="Google Shape;194;g323493370c0_0_146:notes"/>
           <p:cNvSpPr/>
           <p:nvPr>
             <p:ph idx="2" type="sldImg"/>
@@ -2656,7 +2856,7 @@
       </p:sp>
       <p:sp>
         <p:nvSpPr>
-          <p:cNvPr id="194" name="Google Shape;194;g323493370c0_0_146:notes"/>
+          <p:cNvPr id="195" name="Google Shape;195;g323493370c0_0_146:notes"/>
           <p:cNvSpPr txBox="1"/>
           <p:nvPr>
             <p:ph idx="1" type="body"/>
@@ -10994,7 +11194,7 @@
   <p:cSld>
     <p:spTree>
       <p:nvGrpSpPr>
-        <p:cNvPr id="203" name="Shape 203"/>
+        <p:cNvPr id="204" name="Shape 204"/>
         <p:cNvGrpSpPr/>
         <p:nvPr/>
       </p:nvGrpSpPr>
@@ -11008,7 +11208,7 @@
       </p:grpSpPr>
       <p:sp>
         <p:nvSpPr>
-          <p:cNvPr id="204" name="Google Shape;204;p22"/>
+          <p:cNvPr id="205" name="Google Shape;205;p22"/>
           <p:cNvSpPr txBox="1"/>
           <p:nvPr>
             <p:ph type="title"/>
@@ -11048,7 +11248,7 @@
       </p:sp>
       <p:sp>
         <p:nvSpPr>
-          <p:cNvPr id="205" name="Google Shape;205;p22"/>
+          <p:cNvPr id="206" name="Google Shape;206;p22"/>
           <p:cNvSpPr txBox="1"/>
           <p:nvPr>
             <p:ph idx="12" type="sldNum"/>
@@ -11088,7 +11288,7 @@
       </p:sp>
       <p:sp>
         <p:nvSpPr>
-          <p:cNvPr id="206" name="Google Shape;206;p22"/>
+          <p:cNvPr id="207" name="Google Shape;207;p22"/>
           <p:cNvSpPr txBox="1"/>
           <p:nvPr/>
         </p:nvSpPr>
@@ -11153,7 +11353,7 @@
       </p:sp>
       <p:pic>
         <p:nvPicPr>
-          <p:cNvPr id="207" name="Google Shape;207;p22"/>
+          <p:cNvPr id="208" name="Google Shape;208;p22"/>
           <p:cNvPicPr preferRelativeResize="0"/>
           <p:nvPr/>
         </p:nvPicPr>
@@ -11192,7 +11392,7 @@
   <p:cSld>
     <p:spTree>
       <p:nvGrpSpPr>
-        <p:cNvPr id="211" name="Shape 211"/>
+        <p:cNvPr id="212" name="Shape 212"/>
         <p:cNvGrpSpPr/>
         <p:nvPr/>
       </p:nvGrpSpPr>
@@ -11206,7 +11406,7 @@
       </p:grpSpPr>
       <p:sp>
         <p:nvSpPr>
-          <p:cNvPr id="212" name="Google Shape;212;p23"/>
+          <p:cNvPr id="213" name="Google Shape;213;p23"/>
           <p:cNvSpPr txBox="1"/>
           <p:nvPr>
             <p:ph type="title"/>
@@ -11246,7 +11446,7 @@
       </p:sp>
       <p:sp>
         <p:nvSpPr>
-          <p:cNvPr id="213" name="Google Shape;213;p23"/>
+          <p:cNvPr id="214" name="Google Shape;214;p23"/>
           <p:cNvSpPr txBox="1"/>
           <p:nvPr>
             <p:ph idx="12" type="sldNum"/>
@@ -11286,7 +11486,7 @@
       </p:sp>
       <p:sp>
         <p:nvSpPr>
-          <p:cNvPr id="214" name="Google Shape;214;p23"/>
+          <p:cNvPr id="215" name="Google Shape;215;p23"/>
           <p:cNvSpPr txBox="1"/>
           <p:nvPr/>
         </p:nvSpPr>
@@ -11331,7 +11531,7 @@
                 <a:cs typeface="Lato"/>
                 <a:sym typeface="Lato"/>
               </a:rPr>
-              <a:t>Random Forest</a:t>
+              <a:t>Régression Linéaire</a:t>
             </a:r>
             <a:endParaRPr/>
           </a:p>
@@ -11339,7 +11539,7 @@
       </p:sp>
       <p:pic>
         <p:nvPicPr>
-          <p:cNvPr id="215" name="Google Shape;215;p23"/>
+          <p:cNvPr id="216" name="Google Shape;216;p23"/>
           <p:cNvPicPr preferRelativeResize="0"/>
           <p:nvPr/>
         </p:nvPicPr>
@@ -11353,8 +11553,8 @@
         </p:blipFill>
         <p:spPr>
           <a:xfrm>
-            <a:off x="2112275" y="1307850"/>
-            <a:ext cx="4919450" cy="3689575"/>
+            <a:off x="521750" y="2066925"/>
+            <a:ext cx="7686675" cy="1009650"/>
           </a:xfrm>
           <a:prstGeom prst="rect">
             <a:avLst/>
@@ -11378,7 +11578,7 @@
   <p:cSld>
     <p:spTree>
       <p:nvGrpSpPr>
-        <p:cNvPr id="219" name="Shape 219"/>
+        <p:cNvPr id="220" name="Shape 220"/>
         <p:cNvGrpSpPr/>
         <p:nvPr/>
       </p:nvGrpSpPr>
@@ -11392,7 +11592,7 @@
       </p:grpSpPr>
       <p:sp>
         <p:nvSpPr>
-          <p:cNvPr id="220" name="Google Shape;220;p24"/>
+          <p:cNvPr id="221" name="Google Shape;221;p24"/>
           <p:cNvSpPr txBox="1"/>
           <p:nvPr>
             <p:ph type="title"/>
@@ -11432,7 +11632,7 @@
       </p:sp>
       <p:sp>
         <p:nvSpPr>
-          <p:cNvPr id="221" name="Google Shape;221;p24"/>
+          <p:cNvPr id="222" name="Google Shape;222;p24"/>
           <p:cNvSpPr txBox="1"/>
           <p:nvPr>
             <p:ph idx="12" type="sldNum"/>
@@ -11472,7 +11672,7 @@
       </p:sp>
       <p:sp>
         <p:nvSpPr>
-          <p:cNvPr id="222" name="Google Shape;222;p24"/>
+          <p:cNvPr id="223" name="Google Shape;223;p24"/>
           <p:cNvSpPr txBox="1"/>
           <p:nvPr/>
         </p:nvSpPr>
@@ -11525,7 +11725,7 @@
       </p:sp>
       <p:pic>
         <p:nvPicPr>
-          <p:cNvPr id="223" name="Google Shape;223;p24"/>
+          <p:cNvPr id="224" name="Google Shape;224;p24"/>
           <p:cNvPicPr preferRelativeResize="0"/>
           <p:nvPr/>
         </p:nvPicPr>
@@ -11539,8 +11739,8 @@
         </p:blipFill>
         <p:spPr>
           <a:xfrm>
-            <a:off x="1731825" y="1633425"/>
-            <a:ext cx="5631876" cy="3117300"/>
+            <a:off x="2112275" y="1307850"/>
+            <a:ext cx="4919450" cy="3689575"/>
           </a:xfrm>
           <a:prstGeom prst="rect">
             <a:avLst/>
@@ -11564,7 +11764,7 @@
   <p:cSld>
     <p:spTree>
       <p:nvGrpSpPr>
-        <p:cNvPr id="227" name="Shape 227"/>
+        <p:cNvPr id="228" name="Shape 228"/>
         <p:cNvGrpSpPr/>
         <p:nvPr/>
       </p:nvGrpSpPr>
@@ -11578,7 +11778,7 @@
       </p:grpSpPr>
       <p:sp>
         <p:nvSpPr>
-          <p:cNvPr id="228" name="Google Shape;228;p25"/>
+          <p:cNvPr id="229" name="Google Shape;229;p25"/>
           <p:cNvSpPr txBox="1"/>
           <p:nvPr>
             <p:ph type="title"/>
@@ -11618,7 +11818,7 @@
       </p:sp>
       <p:sp>
         <p:nvSpPr>
-          <p:cNvPr id="229" name="Google Shape;229;p25"/>
+          <p:cNvPr id="230" name="Google Shape;230;p25"/>
           <p:cNvSpPr txBox="1"/>
           <p:nvPr>
             <p:ph idx="12" type="sldNum"/>
@@ -11658,7 +11858,7 @@
       </p:sp>
       <p:sp>
         <p:nvSpPr>
-          <p:cNvPr id="230" name="Google Shape;230;p25"/>
+          <p:cNvPr id="231" name="Google Shape;231;p25"/>
           <p:cNvSpPr txBox="1"/>
           <p:nvPr/>
         </p:nvSpPr>
@@ -11711,7 +11911,7 @@
       </p:sp>
       <p:pic>
         <p:nvPicPr>
-          <p:cNvPr id="231" name="Google Shape;231;p25"/>
+          <p:cNvPr id="232" name="Google Shape;232;p25"/>
           <p:cNvPicPr preferRelativeResize="0"/>
           <p:nvPr/>
         </p:nvPicPr>
@@ -11725,8 +11925,8 @@
         </p:blipFill>
         <p:spPr>
           <a:xfrm>
-            <a:off x="1531788" y="1307850"/>
-            <a:ext cx="6080422" cy="3530850"/>
+            <a:off x="1731825" y="1633425"/>
+            <a:ext cx="5631876" cy="3117300"/>
           </a:xfrm>
           <a:prstGeom prst="rect">
             <a:avLst/>
@@ -11750,7 +11950,7 @@
   <p:cSld>
     <p:spTree>
       <p:nvGrpSpPr>
-        <p:cNvPr id="235" name="Shape 235"/>
+        <p:cNvPr id="236" name="Shape 236"/>
         <p:cNvGrpSpPr/>
         <p:nvPr/>
       </p:nvGrpSpPr>
@@ -11764,7 +11964,7 @@
       </p:grpSpPr>
       <p:sp>
         <p:nvSpPr>
-          <p:cNvPr id="236" name="Google Shape;236;p26"/>
+          <p:cNvPr id="237" name="Google Shape;237;p26"/>
           <p:cNvSpPr txBox="1"/>
           <p:nvPr>
             <p:ph type="title"/>
@@ -11804,7 +12004,7 @@
       </p:sp>
       <p:sp>
         <p:nvSpPr>
-          <p:cNvPr id="237" name="Google Shape;237;p26"/>
+          <p:cNvPr id="238" name="Google Shape;238;p26"/>
           <p:cNvSpPr txBox="1"/>
           <p:nvPr>
             <p:ph idx="12" type="sldNum"/>
@@ -11844,7 +12044,7 @@
       </p:sp>
       <p:sp>
         <p:nvSpPr>
-          <p:cNvPr id="238" name="Google Shape;238;p26"/>
+          <p:cNvPr id="239" name="Google Shape;239;p26"/>
           <p:cNvSpPr txBox="1"/>
           <p:nvPr/>
         </p:nvSpPr>
@@ -11889,7 +12089,7 @@
                 <a:cs typeface="Lato"/>
                 <a:sym typeface="Lato"/>
               </a:rPr>
-              <a:t>XGBoost</a:t>
+              <a:t>Random Forest</a:t>
             </a:r>
             <a:endParaRPr/>
           </a:p>
@@ -11897,7 +12097,7 @@
       </p:sp>
       <p:pic>
         <p:nvPicPr>
-          <p:cNvPr id="239" name="Google Shape;239;p26"/>
+          <p:cNvPr id="240" name="Google Shape;240;p26"/>
           <p:cNvPicPr preferRelativeResize="0"/>
           <p:nvPr/>
         </p:nvPicPr>
@@ -11911,8 +12111,8 @@
         </p:blipFill>
         <p:spPr>
           <a:xfrm>
-            <a:off x="2401575" y="1307850"/>
-            <a:ext cx="4643399" cy="3714724"/>
+            <a:off x="713275" y="1815925"/>
+            <a:ext cx="7219950" cy="1152525"/>
           </a:xfrm>
           <a:prstGeom prst="rect">
             <a:avLst/>
@@ -11936,7 +12136,7 @@
   <p:cSld>
     <p:spTree>
       <p:nvGrpSpPr>
-        <p:cNvPr id="243" name="Shape 243"/>
+        <p:cNvPr id="244" name="Shape 244"/>
         <p:cNvGrpSpPr/>
         <p:nvPr/>
       </p:nvGrpSpPr>
@@ -11950,7 +12150,7 @@
       </p:grpSpPr>
       <p:sp>
         <p:nvSpPr>
-          <p:cNvPr id="244" name="Google Shape;244;p27"/>
+          <p:cNvPr id="245" name="Google Shape;245;p27"/>
           <p:cNvSpPr txBox="1"/>
           <p:nvPr>
             <p:ph type="title"/>
@@ -11990,7 +12190,7 @@
       </p:sp>
       <p:sp>
         <p:nvSpPr>
-          <p:cNvPr id="245" name="Google Shape;245;p27"/>
+          <p:cNvPr id="246" name="Google Shape;246;p27"/>
           <p:cNvSpPr txBox="1"/>
           <p:nvPr>
             <p:ph idx="12" type="sldNum"/>
@@ -12030,7 +12230,7 @@
       </p:sp>
       <p:sp>
         <p:nvSpPr>
-          <p:cNvPr id="246" name="Google Shape;246;p27"/>
+          <p:cNvPr id="247" name="Google Shape;247;p27"/>
           <p:cNvSpPr txBox="1"/>
           <p:nvPr/>
         </p:nvSpPr>
@@ -12075,7 +12275,7 @@
                 <a:cs typeface="Lato"/>
                 <a:sym typeface="Lato"/>
               </a:rPr>
-              <a:t>XGBoost</a:t>
+              <a:t>Random Forest</a:t>
             </a:r>
             <a:endParaRPr/>
           </a:p>
@@ -12083,7 +12283,7 @@
       </p:sp>
       <p:pic>
         <p:nvPicPr>
-          <p:cNvPr id="247" name="Google Shape;247;p27"/>
+          <p:cNvPr id="248" name="Google Shape;248;p27"/>
           <p:cNvPicPr preferRelativeResize="0"/>
           <p:nvPr/>
         </p:nvPicPr>
@@ -12097,8 +12297,8 @@
         </p:blipFill>
         <p:spPr>
           <a:xfrm>
-            <a:off x="2000989" y="1494875"/>
-            <a:ext cx="5631919" cy="3168350"/>
+            <a:off x="1531788" y="1307850"/>
+            <a:ext cx="6080422" cy="3530850"/>
           </a:xfrm>
           <a:prstGeom prst="rect">
             <a:avLst/>
@@ -12122,7 +12322,7 @@
   <p:cSld>
     <p:spTree>
       <p:nvGrpSpPr>
-        <p:cNvPr id="251" name="Shape 251"/>
+        <p:cNvPr id="252" name="Shape 252"/>
         <p:cNvGrpSpPr/>
         <p:nvPr/>
       </p:nvGrpSpPr>
@@ -12136,7 +12336,7 @@
       </p:grpSpPr>
       <p:sp>
         <p:nvSpPr>
-          <p:cNvPr id="252" name="Google Shape;252;p28"/>
+          <p:cNvPr id="253" name="Google Shape;253;p28"/>
           <p:cNvSpPr txBox="1"/>
           <p:nvPr>
             <p:ph type="title"/>
@@ -12176,7 +12376,7 @@
       </p:sp>
       <p:sp>
         <p:nvSpPr>
-          <p:cNvPr id="253" name="Google Shape;253;p28"/>
+          <p:cNvPr id="254" name="Google Shape;254;p28"/>
           <p:cNvSpPr txBox="1"/>
           <p:nvPr>
             <p:ph idx="12" type="sldNum"/>
@@ -12216,7 +12416,7 @@
       </p:sp>
       <p:sp>
         <p:nvSpPr>
-          <p:cNvPr id="254" name="Google Shape;254;p28"/>
+          <p:cNvPr id="255" name="Google Shape;255;p28"/>
           <p:cNvSpPr txBox="1"/>
           <p:nvPr/>
         </p:nvSpPr>
@@ -12269,7 +12469,7 @@
       </p:sp>
       <p:pic>
         <p:nvPicPr>
-          <p:cNvPr id="255" name="Google Shape;255;p28"/>
+          <p:cNvPr id="256" name="Google Shape;256;p28"/>
           <p:cNvPicPr preferRelativeResize="0"/>
           <p:nvPr/>
         </p:nvPicPr>
@@ -12283,8 +12483,8 @@
         </p:blipFill>
         <p:spPr>
           <a:xfrm>
-            <a:off x="2056863" y="1307850"/>
-            <a:ext cx="5520183" cy="3530850"/>
+            <a:off x="2401575" y="1307850"/>
+            <a:ext cx="4643399" cy="3714724"/>
           </a:xfrm>
           <a:prstGeom prst="rect">
             <a:avLst/>
@@ -12308,7 +12508,7 @@
   <p:cSld>
     <p:spTree>
       <p:nvGrpSpPr>
-        <p:cNvPr id="259" name="Shape 259"/>
+        <p:cNvPr id="260" name="Shape 260"/>
         <p:cNvGrpSpPr/>
         <p:nvPr/>
       </p:nvGrpSpPr>
@@ -12322,7 +12522,7 @@
       </p:grpSpPr>
       <p:sp>
         <p:nvSpPr>
-          <p:cNvPr id="260" name="Google Shape;260;p29"/>
+          <p:cNvPr id="261" name="Google Shape;261;p29"/>
           <p:cNvSpPr txBox="1"/>
           <p:nvPr>
             <p:ph type="title"/>
@@ -12354,6 +12554,378 @@
             </a:pPr>
             <a:r>
               <a:rPr lang="fr"/>
+              <a:t>Modèles prédictifs</a:t>
+            </a:r>
+            <a:endParaRPr/>
+          </a:p>
+        </p:txBody>
+      </p:sp>
+      <p:sp>
+        <p:nvSpPr>
+          <p:cNvPr id="262" name="Google Shape;262;p29"/>
+          <p:cNvSpPr txBox="1"/>
+          <p:nvPr>
+            <p:ph idx="12" type="sldNum"/>
+          </p:nvPr>
+        </p:nvSpPr>
+        <p:spPr>
+          <a:xfrm>
+            <a:off x="8472458" y="4663217"/>
+            <a:ext cx="548700" cy="393600"/>
+          </a:xfrm>
+          <a:prstGeom prst="rect">
+            <a:avLst/>
+          </a:prstGeom>
+        </p:spPr>
+        <p:txBody>
+          <a:bodyPr anchorCtr="0" anchor="ctr" bIns="91425" lIns="91425" spcFirstLastPara="1" rIns="91425" wrap="square" tIns="91425">
+            <a:normAutofit/>
+          </a:bodyPr>
+          <a:lstStyle/>
+          <a:p>
+            <a:pPr indent="0" lvl="0" marL="0" rtl="0" algn="r">
+              <a:spcBef>
+                <a:spcPts val="0"/>
+              </a:spcBef>
+              <a:spcAft>
+                <a:spcPts val="0"/>
+              </a:spcAft>
+              <a:buNone/>
+            </a:pPr>
+            <a:fld id="{00000000-1234-1234-1234-123412341234}" type="slidenum">
+              <a:rPr lang="fr"/>
+              <a:t>‹#›</a:t>
+            </a:fld>
+            <a:endParaRPr/>
+          </a:p>
+        </p:txBody>
+      </p:sp>
+      <p:sp>
+        <p:nvSpPr>
+          <p:cNvPr id="263" name="Google Shape;263;p29"/>
+          <p:cNvSpPr txBox="1"/>
+          <p:nvPr/>
+        </p:nvSpPr>
+        <p:spPr>
+          <a:xfrm>
+            <a:off x="1731825" y="848600"/>
+            <a:ext cx="3000000" cy="354000"/>
+          </a:xfrm>
+          <a:prstGeom prst="rect">
+            <a:avLst/>
+          </a:prstGeom>
+          <a:noFill/>
+          <a:ln>
+            <a:noFill/>
+          </a:ln>
+        </p:spPr>
+        <p:txBody>
+          <a:bodyPr anchorCtr="0" anchor="t" bIns="91425" lIns="91425" spcFirstLastPara="1" rIns="91425" wrap="square" tIns="91425">
+            <a:spAutoFit/>
+          </a:bodyPr>
+          <a:lstStyle/>
+          <a:p>
+            <a:pPr indent="0" lvl="0" marL="0" rtl="0" algn="l">
+              <a:lnSpc>
+                <a:spcPct val="115000"/>
+              </a:lnSpc>
+              <a:spcBef>
+                <a:spcPts val="0"/>
+              </a:spcBef>
+              <a:spcAft>
+                <a:spcPts val="1200"/>
+              </a:spcAft>
+              <a:buNone/>
+            </a:pPr>
+            <a:r>
+              <a:rPr lang="fr" sz="1100">
+                <a:solidFill>
+                  <a:schemeClr val="lt1"/>
+                </a:solidFill>
+                <a:latin typeface="Lato"/>
+                <a:ea typeface="Lato"/>
+                <a:cs typeface="Lato"/>
+                <a:sym typeface="Lato"/>
+              </a:rPr>
+              <a:t>XGBoost</a:t>
+            </a:r>
+            <a:endParaRPr/>
+          </a:p>
+        </p:txBody>
+      </p:sp>
+      <p:pic>
+        <p:nvPicPr>
+          <p:cNvPr id="264" name="Google Shape;264;p29"/>
+          <p:cNvPicPr preferRelativeResize="0"/>
+          <p:nvPr/>
+        </p:nvPicPr>
+        <p:blipFill>
+          <a:blip r:embed="rId3">
+            <a:alphaModFix/>
+          </a:blip>
+          <a:stretch>
+            <a:fillRect/>
+          </a:stretch>
+        </p:blipFill>
+        <p:spPr>
+          <a:xfrm>
+            <a:off x="2000989" y="1494875"/>
+            <a:ext cx="5631919" cy="3168350"/>
+          </a:xfrm>
+          <a:prstGeom prst="rect">
+            <a:avLst/>
+          </a:prstGeom>
+          <a:noFill/>
+          <a:ln>
+            <a:noFill/>
+          </a:ln>
+        </p:spPr>
+      </p:pic>
+    </p:spTree>
+  </p:cSld>
+  <p:clrMapOvr>
+    <a:masterClrMapping/>
+  </p:clrMapOvr>
+</p:sld>
+</file>
+
+<file path=ppt/slides/slide18.xml><?xml version="1.0" encoding="utf-8"?>
+<p:sld xmlns:a="http://schemas.openxmlformats.org/drawingml/2006/main" xmlns:r="http://schemas.openxmlformats.org/officeDocument/2006/relationships" xmlns:mc="http://schemas.openxmlformats.org/markup-compatibility/2006" xmlns:mv="urn:schemas-microsoft-com:mac:vml" xmlns:p="http://schemas.openxmlformats.org/presentationml/2006/main" xmlns:c="http://schemas.openxmlformats.org/drawingml/2006/chart" xmlns:dgm="http://schemas.openxmlformats.org/drawingml/2006/diagram" xmlns:o="urn:schemas-microsoft-com:office:office" xmlns:v="urn:schemas-microsoft-com:vml" xmlns:pvml="urn:schemas-microsoft-com:office:powerpoint" xmlns:com="http://schemas.openxmlformats.org/drawingml/2006/compatibility" xmlns:p14="http://schemas.microsoft.com/office/powerpoint/2010/main" xmlns:p15="http://schemas.microsoft.com/office/powerpoint/2012/main" xmlns:ahyp="http://schemas.microsoft.com/office/drawing/2018/hyperlinkcolor">
+  <p:cSld>
+    <p:spTree>
+      <p:nvGrpSpPr>
+        <p:cNvPr id="268" name="Shape 268"/>
+        <p:cNvGrpSpPr/>
+        <p:nvPr/>
+      </p:nvGrpSpPr>
+      <p:grpSpPr>
+        <a:xfrm>
+          <a:off x="0" y="0"/>
+          <a:ext cx="0" cy="0"/>
+          <a:chOff x="0" y="0"/>
+          <a:chExt cx="0" cy="0"/>
+        </a:xfrm>
+      </p:grpSpPr>
+      <p:sp>
+        <p:nvSpPr>
+          <p:cNvPr id="269" name="Google Shape;269;p30"/>
+          <p:cNvSpPr txBox="1"/>
+          <p:nvPr>
+            <p:ph type="title"/>
+          </p:nvPr>
+        </p:nvSpPr>
+        <p:spPr>
+          <a:xfrm>
+            <a:off x="1297500" y="393750"/>
+            <a:ext cx="7038900" cy="914100"/>
+          </a:xfrm>
+          <a:prstGeom prst="rect">
+            <a:avLst/>
+          </a:prstGeom>
+        </p:spPr>
+        <p:txBody>
+          <a:bodyPr anchorCtr="0" anchor="t" bIns="91425" lIns="91425" spcFirstLastPara="1" rIns="91425" wrap="square" tIns="91425">
+            <a:normAutofit/>
+          </a:bodyPr>
+          <a:lstStyle/>
+          <a:p>
+            <a:pPr indent="0" lvl="0" marL="0" rtl="0" algn="l">
+              <a:spcBef>
+                <a:spcPts val="0"/>
+              </a:spcBef>
+              <a:spcAft>
+                <a:spcPts val="0"/>
+              </a:spcAft>
+              <a:buNone/>
+            </a:pPr>
+            <a:r>
+              <a:rPr lang="fr"/>
+              <a:t>Modèles prédictifs</a:t>
+            </a:r>
+            <a:endParaRPr/>
+          </a:p>
+        </p:txBody>
+      </p:sp>
+      <p:sp>
+        <p:nvSpPr>
+          <p:cNvPr id="270" name="Google Shape;270;p30"/>
+          <p:cNvSpPr txBox="1"/>
+          <p:nvPr>
+            <p:ph idx="12" type="sldNum"/>
+          </p:nvPr>
+        </p:nvSpPr>
+        <p:spPr>
+          <a:xfrm>
+            <a:off x="8472458" y="4663217"/>
+            <a:ext cx="548700" cy="393600"/>
+          </a:xfrm>
+          <a:prstGeom prst="rect">
+            <a:avLst/>
+          </a:prstGeom>
+        </p:spPr>
+        <p:txBody>
+          <a:bodyPr anchorCtr="0" anchor="ctr" bIns="91425" lIns="91425" spcFirstLastPara="1" rIns="91425" wrap="square" tIns="91425">
+            <a:normAutofit/>
+          </a:bodyPr>
+          <a:lstStyle/>
+          <a:p>
+            <a:pPr indent="0" lvl="0" marL="0" rtl="0" algn="r">
+              <a:spcBef>
+                <a:spcPts val="0"/>
+              </a:spcBef>
+              <a:spcAft>
+                <a:spcPts val="0"/>
+              </a:spcAft>
+              <a:buNone/>
+            </a:pPr>
+            <a:fld id="{00000000-1234-1234-1234-123412341234}" type="slidenum">
+              <a:rPr lang="fr"/>
+              <a:t>‹#›</a:t>
+            </a:fld>
+            <a:endParaRPr/>
+          </a:p>
+        </p:txBody>
+      </p:sp>
+      <p:sp>
+        <p:nvSpPr>
+          <p:cNvPr id="271" name="Google Shape;271;p30"/>
+          <p:cNvSpPr txBox="1"/>
+          <p:nvPr/>
+        </p:nvSpPr>
+        <p:spPr>
+          <a:xfrm>
+            <a:off x="1731825" y="848600"/>
+            <a:ext cx="3000000" cy="354000"/>
+          </a:xfrm>
+          <a:prstGeom prst="rect">
+            <a:avLst/>
+          </a:prstGeom>
+          <a:noFill/>
+          <a:ln>
+            <a:noFill/>
+          </a:ln>
+        </p:spPr>
+        <p:txBody>
+          <a:bodyPr anchorCtr="0" anchor="t" bIns="91425" lIns="91425" spcFirstLastPara="1" rIns="91425" wrap="square" tIns="91425">
+            <a:spAutoFit/>
+          </a:bodyPr>
+          <a:lstStyle/>
+          <a:p>
+            <a:pPr indent="0" lvl="0" marL="0" rtl="0" algn="l">
+              <a:lnSpc>
+                <a:spcPct val="115000"/>
+              </a:lnSpc>
+              <a:spcBef>
+                <a:spcPts val="0"/>
+              </a:spcBef>
+              <a:spcAft>
+                <a:spcPts val="1200"/>
+              </a:spcAft>
+              <a:buNone/>
+            </a:pPr>
+            <a:r>
+              <a:rPr lang="fr" sz="1100">
+                <a:solidFill>
+                  <a:schemeClr val="lt1"/>
+                </a:solidFill>
+                <a:latin typeface="Lato"/>
+                <a:ea typeface="Lato"/>
+                <a:cs typeface="Lato"/>
+                <a:sym typeface="Lato"/>
+              </a:rPr>
+              <a:t>XGBoost</a:t>
+            </a:r>
+            <a:endParaRPr/>
+          </a:p>
+        </p:txBody>
+      </p:sp>
+      <p:pic>
+        <p:nvPicPr>
+          <p:cNvPr id="272" name="Google Shape;272;p30"/>
+          <p:cNvPicPr preferRelativeResize="0"/>
+          <p:nvPr/>
+        </p:nvPicPr>
+        <p:blipFill>
+          <a:blip r:embed="rId3">
+            <a:alphaModFix/>
+          </a:blip>
+          <a:stretch>
+            <a:fillRect/>
+          </a:stretch>
+        </p:blipFill>
+        <p:spPr>
+          <a:xfrm>
+            <a:off x="2056863" y="1307850"/>
+            <a:ext cx="5520183" cy="3530850"/>
+          </a:xfrm>
+          <a:prstGeom prst="rect">
+            <a:avLst/>
+          </a:prstGeom>
+          <a:noFill/>
+          <a:ln>
+            <a:noFill/>
+          </a:ln>
+        </p:spPr>
+      </p:pic>
+    </p:spTree>
+  </p:cSld>
+  <p:clrMapOvr>
+    <a:masterClrMapping/>
+  </p:clrMapOvr>
+</p:sld>
+</file>
+
+<file path=ppt/slides/slide19.xml><?xml version="1.0" encoding="utf-8"?>
+<p:sld xmlns:a="http://schemas.openxmlformats.org/drawingml/2006/main" xmlns:r="http://schemas.openxmlformats.org/officeDocument/2006/relationships" xmlns:mc="http://schemas.openxmlformats.org/markup-compatibility/2006" xmlns:mv="urn:schemas-microsoft-com:mac:vml" xmlns:p="http://schemas.openxmlformats.org/presentationml/2006/main" xmlns:c="http://schemas.openxmlformats.org/drawingml/2006/chart" xmlns:dgm="http://schemas.openxmlformats.org/drawingml/2006/diagram" xmlns:o="urn:schemas-microsoft-com:office:office" xmlns:v="urn:schemas-microsoft-com:vml" xmlns:pvml="urn:schemas-microsoft-com:office:powerpoint" xmlns:com="http://schemas.openxmlformats.org/drawingml/2006/compatibility" xmlns:p14="http://schemas.microsoft.com/office/powerpoint/2010/main" xmlns:p15="http://schemas.microsoft.com/office/powerpoint/2012/main" xmlns:ahyp="http://schemas.microsoft.com/office/drawing/2018/hyperlinkcolor">
+  <p:cSld>
+    <p:spTree>
+      <p:nvGrpSpPr>
+        <p:cNvPr id="276" name="Shape 276"/>
+        <p:cNvGrpSpPr/>
+        <p:nvPr/>
+      </p:nvGrpSpPr>
+      <p:grpSpPr>
+        <a:xfrm>
+          <a:off x="0" y="0"/>
+          <a:ext cx="0" cy="0"/>
+          <a:chOff x="0" y="0"/>
+          <a:chExt cx="0" cy="0"/>
+        </a:xfrm>
+      </p:grpSpPr>
+      <p:sp>
+        <p:nvSpPr>
+          <p:cNvPr id="277" name="Google Shape;277;p31"/>
+          <p:cNvSpPr txBox="1"/>
+          <p:nvPr>
+            <p:ph type="title"/>
+          </p:nvPr>
+        </p:nvSpPr>
+        <p:spPr>
+          <a:xfrm>
+            <a:off x="1297500" y="393750"/>
+            <a:ext cx="7038900" cy="914100"/>
+          </a:xfrm>
+          <a:prstGeom prst="rect">
+            <a:avLst/>
+          </a:prstGeom>
+        </p:spPr>
+        <p:txBody>
+          <a:bodyPr anchorCtr="0" anchor="t" bIns="91425" lIns="91425" spcFirstLastPara="1" rIns="91425" wrap="square" tIns="91425">
+            <a:normAutofit/>
+          </a:bodyPr>
+          <a:lstStyle/>
+          <a:p>
+            <a:pPr indent="0" lvl="0" marL="0" rtl="0" algn="l">
+              <a:spcBef>
+                <a:spcPts val="0"/>
+              </a:spcBef>
+              <a:spcAft>
+                <a:spcPts val="0"/>
+              </a:spcAft>
+              <a:buNone/>
+            </a:pPr>
+            <a:r>
+              <a:rPr lang="fr"/>
               <a:t>Modèles Prédictifs</a:t>
             </a:r>
             <a:endParaRPr/>
@@ -12362,7 +12934,7 @@
       </p:sp>
       <p:sp>
         <p:nvSpPr>
-          <p:cNvPr id="261" name="Google Shape;261;p29"/>
+          <p:cNvPr id="278" name="Google Shape;278;p31"/>
           <p:cNvSpPr txBox="1"/>
           <p:nvPr/>
         </p:nvSpPr>
@@ -12420,7 +12992,7 @@
       </p:sp>
       <p:pic>
         <p:nvPicPr>
-          <p:cNvPr id="262" name="Google Shape;262;p29"/>
+          <p:cNvPr id="279" name="Google Shape;279;p31"/>
           <p:cNvPicPr preferRelativeResize="0"/>
           <p:nvPr/>
         </p:nvPicPr>
@@ -12448,7 +13020,7 @@
       </p:pic>
       <p:sp>
         <p:nvSpPr>
-          <p:cNvPr id="263" name="Google Shape;263;p29"/>
+          <p:cNvPr id="280" name="Google Shape;280;p31"/>
           <p:cNvSpPr txBox="1"/>
           <p:nvPr/>
         </p:nvSpPr>
@@ -12506,7 +13078,7 @@
       </p:sp>
       <p:sp>
         <p:nvSpPr>
-          <p:cNvPr id="264" name="Google Shape;264;p29"/>
+          <p:cNvPr id="281" name="Google Shape;281;p31"/>
           <p:cNvSpPr txBox="1"/>
           <p:nvPr>
             <p:ph idx="12" type="sldNum"/>
@@ -12546,7 +13118,7 @@
       </p:sp>
       <p:sp>
         <p:nvSpPr>
-          <p:cNvPr id="265" name="Google Shape;265;p29"/>
+          <p:cNvPr id="282" name="Google Shape;282;p31"/>
           <p:cNvSpPr txBox="1"/>
           <p:nvPr/>
         </p:nvSpPr>
@@ -12634,440 +13206,6 @@
 </p:sld>
 </file>
 
-<file path=ppt/slides/slide18.xml><?xml version="1.0" encoding="utf-8"?>
-<p:sld xmlns:a="http://schemas.openxmlformats.org/drawingml/2006/main" xmlns:r="http://schemas.openxmlformats.org/officeDocument/2006/relationships" xmlns:mc="http://schemas.openxmlformats.org/markup-compatibility/2006" xmlns:mv="urn:schemas-microsoft-com:mac:vml" xmlns:p="http://schemas.openxmlformats.org/presentationml/2006/main" xmlns:c="http://schemas.openxmlformats.org/drawingml/2006/chart" xmlns:dgm="http://schemas.openxmlformats.org/drawingml/2006/diagram" xmlns:o="urn:schemas-microsoft-com:office:office" xmlns:v="urn:schemas-microsoft-com:vml" xmlns:pvml="urn:schemas-microsoft-com:office:powerpoint" xmlns:com="http://schemas.openxmlformats.org/drawingml/2006/compatibility" xmlns:p14="http://schemas.microsoft.com/office/powerpoint/2010/main" xmlns:p15="http://schemas.microsoft.com/office/powerpoint/2012/main" xmlns:ahyp="http://schemas.microsoft.com/office/drawing/2018/hyperlinkcolor">
-  <p:cSld>
-    <p:spTree>
-      <p:nvGrpSpPr>
-        <p:cNvPr id="269" name="Shape 269"/>
-        <p:cNvGrpSpPr/>
-        <p:nvPr/>
-      </p:nvGrpSpPr>
-      <p:grpSpPr>
-        <a:xfrm>
-          <a:off x="0" y="0"/>
-          <a:ext cx="0" cy="0"/>
-          <a:chOff x="0" y="0"/>
-          <a:chExt cx="0" cy="0"/>
-        </a:xfrm>
-      </p:grpSpPr>
-      <p:sp>
-        <p:nvSpPr>
-          <p:cNvPr id="270" name="Google Shape;270;p30"/>
-          <p:cNvSpPr txBox="1"/>
-          <p:nvPr>
-            <p:ph type="title"/>
-          </p:nvPr>
-        </p:nvSpPr>
-        <p:spPr>
-          <a:xfrm>
-            <a:off x="1297500" y="393750"/>
-            <a:ext cx="7038900" cy="914100"/>
-          </a:xfrm>
-          <a:prstGeom prst="rect">
-            <a:avLst/>
-          </a:prstGeom>
-        </p:spPr>
-        <p:txBody>
-          <a:bodyPr anchorCtr="0" anchor="t" bIns="91425" lIns="91425" spcFirstLastPara="1" rIns="91425" wrap="square" tIns="91425">
-            <a:normAutofit/>
-          </a:bodyPr>
-          <a:lstStyle/>
-          <a:p>
-            <a:pPr indent="0" lvl="0" marL="0" rtl="0" algn="l">
-              <a:spcBef>
-                <a:spcPts val="0"/>
-              </a:spcBef>
-              <a:spcAft>
-                <a:spcPts val="0"/>
-              </a:spcAft>
-              <a:buNone/>
-            </a:pPr>
-            <a:r>
-              <a:rPr lang="fr"/>
-              <a:t>Modèles Prédictifs</a:t>
-            </a:r>
-            <a:endParaRPr/>
-          </a:p>
-        </p:txBody>
-      </p:sp>
-      <p:sp>
-        <p:nvSpPr>
-          <p:cNvPr id="271" name="Google Shape;271;p30"/>
-          <p:cNvSpPr txBox="1"/>
-          <p:nvPr/>
-        </p:nvSpPr>
-        <p:spPr>
-          <a:xfrm>
-            <a:off x="1556850" y="839325"/>
-            <a:ext cx="3678000" cy="393600"/>
-          </a:xfrm>
-          <a:prstGeom prst="rect">
-            <a:avLst/>
-          </a:prstGeom>
-          <a:noFill/>
-          <a:ln>
-            <a:noFill/>
-          </a:ln>
-        </p:spPr>
-        <p:txBody>
-          <a:bodyPr anchorCtr="0" anchor="t" bIns="91425" lIns="91425" spcFirstLastPara="1" rIns="91425" wrap="square" tIns="91425">
-            <a:noAutofit/>
-          </a:bodyPr>
-          <a:lstStyle/>
-          <a:p>
-            <a:pPr indent="0" lvl="0" marL="0" rtl="0" algn="l">
-              <a:spcBef>
-                <a:spcPts val="0"/>
-              </a:spcBef>
-              <a:spcAft>
-                <a:spcPts val="0"/>
-              </a:spcAft>
-              <a:buNone/>
-            </a:pPr>
-            <a:r>
-              <a:rPr b="1" lang="fr" sz="1100">
-                <a:solidFill>
-                  <a:schemeClr val="lt1"/>
-                </a:solidFill>
-                <a:latin typeface="Lato"/>
-                <a:ea typeface="Lato"/>
-                <a:cs typeface="Lato"/>
-                <a:sym typeface="Lato"/>
-              </a:rPr>
-              <a:t>Résultats des tests :</a:t>
-            </a:r>
-            <a:r>
-              <a:rPr lang="fr" sz="1100">
-                <a:solidFill>
-                  <a:schemeClr val="lt1"/>
-                </a:solidFill>
-                <a:latin typeface="Lato"/>
-                <a:ea typeface="Lato"/>
-                <a:cs typeface="Lato"/>
-                <a:sym typeface="Lato"/>
-              </a:rPr>
-              <a:t> Sur les transactions de 2024 </a:t>
-            </a:r>
-            <a:endParaRPr sz="1100">
-              <a:solidFill>
-                <a:schemeClr val="lt1"/>
-              </a:solidFill>
-              <a:latin typeface="Lato"/>
-              <a:ea typeface="Lato"/>
-              <a:cs typeface="Lato"/>
-              <a:sym typeface="Lato"/>
-            </a:endParaRPr>
-          </a:p>
-        </p:txBody>
-      </p:sp>
-      <p:sp>
-        <p:nvSpPr>
-          <p:cNvPr id="272" name="Google Shape;272;p30"/>
-          <p:cNvSpPr txBox="1"/>
-          <p:nvPr>
-            <p:ph idx="12" type="sldNum"/>
-          </p:nvPr>
-        </p:nvSpPr>
-        <p:spPr>
-          <a:xfrm>
-            <a:off x="8472458" y="4663217"/>
-            <a:ext cx="548700" cy="393600"/>
-          </a:xfrm>
-          <a:prstGeom prst="rect">
-            <a:avLst/>
-          </a:prstGeom>
-        </p:spPr>
-        <p:txBody>
-          <a:bodyPr anchorCtr="0" anchor="ctr" bIns="91425" lIns="91425" spcFirstLastPara="1" rIns="91425" wrap="square" tIns="91425">
-            <a:normAutofit/>
-          </a:bodyPr>
-          <a:lstStyle/>
-          <a:p>
-            <a:pPr indent="0" lvl="0" marL="0" rtl="0" algn="r">
-              <a:spcBef>
-                <a:spcPts val="0"/>
-              </a:spcBef>
-              <a:spcAft>
-                <a:spcPts val="0"/>
-              </a:spcAft>
-              <a:buNone/>
-            </a:pPr>
-            <a:fld id="{00000000-1234-1234-1234-123412341234}" type="slidenum">
-              <a:rPr lang="fr"/>
-              <a:t>‹#›</a:t>
-            </a:fld>
-            <a:endParaRPr/>
-          </a:p>
-        </p:txBody>
-      </p:sp>
-      <p:pic>
-        <p:nvPicPr>
-          <p:cNvPr id="273" name="Google Shape;273;p30"/>
-          <p:cNvPicPr preferRelativeResize="0"/>
-          <p:nvPr/>
-        </p:nvPicPr>
-        <p:blipFill>
-          <a:blip r:embed="rId3">
-            <a:alphaModFix/>
-          </a:blip>
-          <a:stretch>
-            <a:fillRect/>
-          </a:stretch>
-        </p:blipFill>
-        <p:spPr>
-          <a:xfrm>
-            <a:off x="183075" y="1603625"/>
-            <a:ext cx="4388932" cy="3273712"/>
-          </a:xfrm>
-          <a:prstGeom prst="rect">
-            <a:avLst/>
-          </a:prstGeom>
-          <a:noFill/>
-          <a:ln>
-            <a:noFill/>
-          </a:ln>
-        </p:spPr>
-      </p:pic>
-      <p:pic>
-        <p:nvPicPr>
-          <p:cNvPr id="274" name="Google Shape;274;p30"/>
-          <p:cNvPicPr preferRelativeResize="0"/>
-          <p:nvPr/>
-        </p:nvPicPr>
-        <p:blipFill>
-          <a:blip r:embed="rId4">
-            <a:alphaModFix/>
-          </a:blip>
-          <a:stretch>
-            <a:fillRect/>
-          </a:stretch>
-        </p:blipFill>
-        <p:spPr>
-          <a:xfrm>
-            <a:off x="4724399" y="1603626"/>
-            <a:ext cx="4250768" cy="3273701"/>
-          </a:xfrm>
-          <a:prstGeom prst="rect">
-            <a:avLst/>
-          </a:prstGeom>
-          <a:noFill/>
-          <a:ln>
-            <a:noFill/>
-          </a:ln>
-        </p:spPr>
-      </p:pic>
-    </p:spTree>
-  </p:cSld>
-  <p:clrMapOvr>
-    <a:masterClrMapping/>
-  </p:clrMapOvr>
-</p:sld>
-</file>
-
-<file path=ppt/slides/slide19.xml><?xml version="1.0" encoding="utf-8"?>
-<p:sld xmlns:a="http://schemas.openxmlformats.org/drawingml/2006/main" xmlns:r="http://schemas.openxmlformats.org/officeDocument/2006/relationships" xmlns:mc="http://schemas.openxmlformats.org/markup-compatibility/2006" xmlns:mv="urn:schemas-microsoft-com:mac:vml" xmlns:p="http://schemas.openxmlformats.org/presentationml/2006/main" xmlns:c="http://schemas.openxmlformats.org/drawingml/2006/chart" xmlns:dgm="http://schemas.openxmlformats.org/drawingml/2006/diagram" xmlns:o="urn:schemas-microsoft-com:office:office" xmlns:v="urn:schemas-microsoft-com:vml" xmlns:pvml="urn:schemas-microsoft-com:office:powerpoint" xmlns:com="http://schemas.openxmlformats.org/drawingml/2006/compatibility" xmlns:p14="http://schemas.microsoft.com/office/powerpoint/2010/main" xmlns:p15="http://schemas.microsoft.com/office/powerpoint/2012/main" xmlns:ahyp="http://schemas.microsoft.com/office/drawing/2018/hyperlinkcolor">
-  <p:cSld>
-    <p:spTree>
-      <p:nvGrpSpPr>
-        <p:cNvPr id="278" name="Shape 278"/>
-        <p:cNvGrpSpPr/>
-        <p:nvPr/>
-      </p:nvGrpSpPr>
-      <p:grpSpPr>
-        <a:xfrm>
-          <a:off x="0" y="0"/>
-          <a:ext cx="0" cy="0"/>
-          <a:chOff x="0" y="0"/>
-          <a:chExt cx="0" cy="0"/>
-        </a:xfrm>
-      </p:grpSpPr>
-      <p:sp>
-        <p:nvSpPr>
-          <p:cNvPr id="279" name="Google Shape;279;p31"/>
-          <p:cNvSpPr txBox="1"/>
-          <p:nvPr>
-            <p:ph idx="12" type="sldNum"/>
-          </p:nvPr>
-        </p:nvSpPr>
-        <p:spPr>
-          <a:xfrm>
-            <a:off x="8472458" y="4663217"/>
-            <a:ext cx="548700" cy="393600"/>
-          </a:xfrm>
-          <a:prstGeom prst="rect">
-            <a:avLst/>
-          </a:prstGeom>
-        </p:spPr>
-        <p:txBody>
-          <a:bodyPr anchorCtr="0" anchor="ctr" bIns="91425" lIns="91425" spcFirstLastPara="1" rIns="91425" wrap="square" tIns="91425">
-            <a:normAutofit/>
-          </a:bodyPr>
-          <a:lstStyle/>
-          <a:p>
-            <a:pPr indent="0" lvl="0" marL="0" rtl="0" algn="r">
-              <a:spcBef>
-                <a:spcPts val="0"/>
-              </a:spcBef>
-              <a:spcAft>
-                <a:spcPts val="0"/>
-              </a:spcAft>
-              <a:buNone/>
-            </a:pPr>
-            <a:fld id="{00000000-1234-1234-1234-123412341234}" type="slidenum">
-              <a:rPr lang="fr"/>
-              <a:t>‹#›</a:t>
-            </a:fld>
-            <a:endParaRPr/>
-          </a:p>
-        </p:txBody>
-      </p:sp>
-      <p:sp>
-        <p:nvSpPr>
-          <p:cNvPr id="280" name="Google Shape;280;p31"/>
-          <p:cNvSpPr txBox="1"/>
-          <p:nvPr>
-            <p:ph type="title"/>
-          </p:nvPr>
-        </p:nvSpPr>
-        <p:spPr>
-          <a:xfrm>
-            <a:off x="1297500" y="393750"/>
-            <a:ext cx="7038900" cy="914100"/>
-          </a:xfrm>
-          <a:prstGeom prst="rect">
-            <a:avLst/>
-          </a:prstGeom>
-        </p:spPr>
-        <p:txBody>
-          <a:bodyPr anchorCtr="0" anchor="t" bIns="91425" lIns="91425" spcFirstLastPara="1" rIns="91425" wrap="square" tIns="91425">
-            <a:normAutofit/>
-          </a:bodyPr>
-          <a:lstStyle/>
-          <a:p>
-            <a:pPr indent="0" lvl="0" marL="0" rtl="0" algn="l">
-              <a:spcBef>
-                <a:spcPts val="0"/>
-              </a:spcBef>
-              <a:spcAft>
-                <a:spcPts val="0"/>
-              </a:spcAft>
-              <a:buNone/>
-            </a:pPr>
-            <a:r>
-              <a:rPr lang="fr"/>
-              <a:t>Modèles Prédictifs</a:t>
-            </a:r>
-            <a:endParaRPr/>
-          </a:p>
-        </p:txBody>
-      </p:sp>
-      <p:sp>
-        <p:nvSpPr>
-          <p:cNvPr id="281" name="Google Shape;281;p31"/>
-          <p:cNvSpPr txBox="1"/>
-          <p:nvPr/>
-        </p:nvSpPr>
-        <p:spPr>
-          <a:xfrm>
-            <a:off x="1556850" y="839325"/>
-            <a:ext cx="3678000" cy="393600"/>
-          </a:xfrm>
-          <a:prstGeom prst="rect">
-            <a:avLst/>
-          </a:prstGeom>
-          <a:noFill/>
-          <a:ln>
-            <a:noFill/>
-          </a:ln>
-        </p:spPr>
-        <p:txBody>
-          <a:bodyPr anchorCtr="0" anchor="t" bIns="91425" lIns="91425" spcFirstLastPara="1" rIns="91425" wrap="square" tIns="91425">
-            <a:noAutofit/>
-          </a:bodyPr>
-          <a:lstStyle/>
-          <a:p>
-            <a:pPr indent="0" lvl="0" marL="0" rtl="0" algn="l">
-              <a:spcBef>
-                <a:spcPts val="0"/>
-              </a:spcBef>
-              <a:spcAft>
-                <a:spcPts val="0"/>
-              </a:spcAft>
-              <a:buNone/>
-            </a:pPr>
-            <a:r>
-              <a:rPr b="1" lang="fr" sz="1100">
-                <a:solidFill>
-                  <a:schemeClr val="lt1"/>
-                </a:solidFill>
-                <a:latin typeface="Lato"/>
-                <a:ea typeface="Lato"/>
-                <a:cs typeface="Lato"/>
-                <a:sym typeface="Lato"/>
-              </a:rPr>
-              <a:t>Résultats des tests :</a:t>
-            </a:r>
-            <a:r>
-              <a:rPr lang="fr" sz="1100">
-                <a:solidFill>
-                  <a:schemeClr val="lt1"/>
-                </a:solidFill>
-                <a:latin typeface="Lato"/>
-                <a:ea typeface="Lato"/>
-                <a:cs typeface="Lato"/>
-                <a:sym typeface="Lato"/>
-              </a:rPr>
-              <a:t> Sur les transactions de 2024 </a:t>
-            </a:r>
-            <a:endParaRPr sz="1100">
-              <a:solidFill>
-                <a:schemeClr val="lt1"/>
-              </a:solidFill>
-              <a:latin typeface="Lato"/>
-              <a:ea typeface="Lato"/>
-              <a:cs typeface="Lato"/>
-              <a:sym typeface="Lato"/>
-            </a:endParaRPr>
-          </a:p>
-        </p:txBody>
-      </p:sp>
-      <p:pic>
-        <p:nvPicPr>
-          <p:cNvPr id="282" name="Google Shape;282;p31"/>
-          <p:cNvPicPr preferRelativeResize="0"/>
-          <p:nvPr/>
-        </p:nvPicPr>
-        <p:blipFill>
-          <a:blip r:embed="rId3">
-            <a:alphaModFix/>
-          </a:blip>
-          <a:stretch>
-            <a:fillRect/>
-          </a:stretch>
-        </p:blipFill>
-        <p:spPr>
-          <a:xfrm>
-            <a:off x="2271840" y="1231650"/>
-            <a:ext cx="5079435" cy="3748975"/>
-          </a:xfrm>
-          <a:prstGeom prst="rect">
-            <a:avLst/>
-          </a:prstGeom>
-          <a:noFill/>
-          <a:ln>
-            <a:noFill/>
-          </a:ln>
-        </p:spPr>
-      </p:pic>
-    </p:spTree>
-  </p:cSld>
-  <p:clrMapOvr>
-    <a:masterClrMapping/>
-  </p:clrMapOvr>
-</p:sld>
-</file>
-
 <file path=ppt/slides/slide2.xml><?xml version="1.0" encoding="utf-8"?>
 <p:sld xmlns:a="http://schemas.openxmlformats.org/drawingml/2006/main" xmlns:r="http://schemas.openxmlformats.org/officeDocument/2006/relationships" xmlns:mc="http://schemas.openxmlformats.org/markup-compatibility/2006" xmlns:mv="urn:schemas-microsoft-com:mac:vml" xmlns:p="http://schemas.openxmlformats.org/presentationml/2006/main" xmlns:c="http://schemas.openxmlformats.org/drawingml/2006/chart" xmlns:dgm="http://schemas.openxmlformats.org/drawingml/2006/diagram" xmlns:o="urn:schemas-microsoft-com:office:office" xmlns:v="urn:schemas-microsoft-com:vml" xmlns:pvml="urn:schemas-microsoft-com:office:powerpoint" xmlns:com="http://schemas.openxmlformats.org/drawingml/2006/compatibility" xmlns:p14="http://schemas.microsoft.com/office/powerpoint/2010/main" xmlns:p15="http://schemas.microsoft.com/office/powerpoint/2012/main" xmlns:ahyp="http://schemas.microsoft.com/office/drawing/2018/hyperlinkcolor">
   <p:cSld>
@@ -13211,7 +13349,7 @@
             </a:pPr>
             <a:r>
               <a:rPr lang="fr"/>
-              <a:t>Corrélation entre les variables explicatives</a:t>
+              <a:t>Préparation des données</a:t>
             </a:r>
             <a:endParaRPr/>
           </a:p>
@@ -13422,6 +13560,440 @@
             </a:pPr>
             <a:r>
               <a:rPr lang="fr"/>
+              <a:t>Modèles Prédictifs</a:t>
+            </a:r>
+            <a:endParaRPr/>
+          </a:p>
+        </p:txBody>
+      </p:sp>
+      <p:sp>
+        <p:nvSpPr>
+          <p:cNvPr id="288" name="Google Shape;288;p32"/>
+          <p:cNvSpPr txBox="1"/>
+          <p:nvPr/>
+        </p:nvSpPr>
+        <p:spPr>
+          <a:xfrm>
+            <a:off x="1556850" y="839325"/>
+            <a:ext cx="3678000" cy="393600"/>
+          </a:xfrm>
+          <a:prstGeom prst="rect">
+            <a:avLst/>
+          </a:prstGeom>
+          <a:noFill/>
+          <a:ln>
+            <a:noFill/>
+          </a:ln>
+        </p:spPr>
+        <p:txBody>
+          <a:bodyPr anchorCtr="0" anchor="t" bIns="91425" lIns="91425" spcFirstLastPara="1" rIns="91425" wrap="square" tIns="91425">
+            <a:noAutofit/>
+          </a:bodyPr>
+          <a:lstStyle/>
+          <a:p>
+            <a:pPr indent="0" lvl="0" marL="0" rtl="0" algn="l">
+              <a:spcBef>
+                <a:spcPts val="0"/>
+              </a:spcBef>
+              <a:spcAft>
+                <a:spcPts val="0"/>
+              </a:spcAft>
+              <a:buNone/>
+            </a:pPr>
+            <a:r>
+              <a:rPr b="1" lang="fr" sz="1100">
+                <a:solidFill>
+                  <a:schemeClr val="lt1"/>
+                </a:solidFill>
+                <a:latin typeface="Lato"/>
+                <a:ea typeface="Lato"/>
+                <a:cs typeface="Lato"/>
+                <a:sym typeface="Lato"/>
+              </a:rPr>
+              <a:t>Résultats des tests :</a:t>
+            </a:r>
+            <a:r>
+              <a:rPr lang="fr" sz="1100">
+                <a:solidFill>
+                  <a:schemeClr val="lt1"/>
+                </a:solidFill>
+                <a:latin typeface="Lato"/>
+                <a:ea typeface="Lato"/>
+                <a:cs typeface="Lato"/>
+                <a:sym typeface="Lato"/>
+              </a:rPr>
+              <a:t> Sur les transactions de 2024 </a:t>
+            </a:r>
+            <a:endParaRPr sz="1100">
+              <a:solidFill>
+                <a:schemeClr val="lt1"/>
+              </a:solidFill>
+              <a:latin typeface="Lato"/>
+              <a:ea typeface="Lato"/>
+              <a:cs typeface="Lato"/>
+              <a:sym typeface="Lato"/>
+            </a:endParaRPr>
+          </a:p>
+        </p:txBody>
+      </p:sp>
+      <p:sp>
+        <p:nvSpPr>
+          <p:cNvPr id="289" name="Google Shape;289;p32"/>
+          <p:cNvSpPr txBox="1"/>
+          <p:nvPr>
+            <p:ph idx="12" type="sldNum"/>
+          </p:nvPr>
+        </p:nvSpPr>
+        <p:spPr>
+          <a:xfrm>
+            <a:off x="8472458" y="4663217"/>
+            <a:ext cx="548700" cy="393600"/>
+          </a:xfrm>
+          <a:prstGeom prst="rect">
+            <a:avLst/>
+          </a:prstGeom>
+        </p:spPr>
+        <p:txBody>
+          <a:bodyPr anchorCtr="0" anchor="ctr" bIns="91425" lIns="91425" spcFirstLastPara="1" rIns="91425" wrap="square" tIns="91425">
+            <a:normAutofit/>
+          </a:bodyPr>
+          <a:lstStyle/>
+          <a:p>
+            <a:pPr indent="0" lvl="0" marL="0" rtl="0" algn="r">
+              <a:spcBef>
+                <a:spcPts val="0"/>
+              </a:spcBef>
+              <a:spcAft>
+                <a:spcPts val="0"/>
+              </a:spcAft>
+              <a:buNone/>
+            </a:pPr>
+            <a:fld id="{00000000-1234-1234-1234-123412341234}" type="slidenum">
+              <a:rPr lang="fr"/>
+              <a:t>‹#›</a:t>
+            </a:fld>
+            <a:endParaRPr/>
+          </a:p>
+        </p:txBody>
+      </p:sp>
+      <p:pic>
+        <p:nvPicPr>
+          <p:cNvPr id="290" name="Google Shape;290;p32"/>
+          <p:cNvPicPr preferRelativeResize="0"/>
+          <p:nvPr/>
+        </p:nvPicPr>
+        <p:blipFill>
+          <a:blip r:embed="rId3">
+            <a:alphaModFix/>
+          </a:blip>
+          <a:stretch>
+            <a:fillRect/>
+          </a:stretch>
+        </p:blipFill>
+        <p:spPr>
+          <a:xfrm>
+            <a:off x="183075" y="1603625"/>
+            <a:ext cx="4388932" cy="3273712"/>
+          </a:xfrm>
+          <a:prstGeom prst="rect">
+            <a:avLst/>
+          </a:prstGeom>
+          <a:noFill/>
+          <a:ln>
+            <a:noFill/>
+          </a:ln>
+        </p:spPr>
+      </p:pic>
+      <p:pic>
+        <p:nvPicPr>
+          <p:cNvPr id="291" name="Google Shape;291;p32"/>
+          <p:cNvPicPr preferRelativeResize="0"/>
+          <p:nvPr/>
+        </p:nvPicPr>
+        <p:blipFill>
+          <a:blip r:embed="rId4">
+            <a:alphaModFix/>
+          </a:blip>
+          <a:stretch>
+            <a:fillRect/>
+          </a:stretch>
+        </p:blipFill>
+        <p:spPr>
+          <a:xfrm>
+            <a:off x="4724399" y="1603626"/>
+            <a:ext cx="4250768" cy="3273701"/>
+          </a:xfrm>
+          <a:prstGeom prst="rect">
+            <a:avLst/>
+          </a:prstGeom>
+          <a:noFill/>
+          <a:ln>
+            <a:noFill/>
+          </a:ln>
+        </p:spPr>
+      </p:pic>
+    </p:spTree>
+  </p:cSld>
+  <p:clrMapOvr>
+    <a:masterClrMapping/>
+  </p:clrMapOvr>
+</p:sld>
+</file>
+
+<file path=ppt/slides/slide21.xml><?xml version="1.0" encoding="utf-8"?>
+<p:sld xmlns:a="http://schemas.openxmlformats.org/drawingml/2006/main" xmlns:r="http://schemas.openxmlformats.org/officeDocument/2006/relationships" xmlns:mc="http://schemas.openxmlformats.org/markup-compatibility/2006" xmlns:mv="urn:schemas-microsoft-com:mac:vml" xmlns:p="http://schemas.openxmlformats.org/presentationml/2006/main" xmlns:c="http://schemas.openxmlformats.org/drawingml/2006/chart" xmlns:dgm="http://schemas.openxmlformats.org/drawingml/2006/diagram" xmlns:o="urn:schemas-microsoft-com:office:office" xmlns:v="urn:schemas-microsoft-com:vml" xmlns:pvml="urn:schemas-microsoft-com:office:powerpoint" xmlns:com="http://schemas.openxmlformats.org/drawingml/2006/compatibility" xmlns:p14="http://schemas.microsoft.com/office/powerpoint/2010/main" xmlns:p15="http://schemas.microsoft.com/office/powerpoint/2012/main" xmlns:ahyp="http://schemas.microsoft.com/office/drawing/2018/hyperlinkcolor">
+  <p:cSld>
+    <p:spTree>
+      <p:nvGrpSpPr>
+        <p:cNvPr id="295" name="Shape 295"/>
+        <p:cNvGrpSpPr/>
+        <p:nvPr/>
+      </p:nvGrpSpPr>
+      <p:grpSpPr>
+        <a:xfrm>
+          <a:off x="0" y="0"/>
+          <a:ext cx="0" cy="0"/>
+          <a:chOff x="0" y="0"/>
+          <a:chExt cx="0" cy="0"/>
+        </a:xfrm>
+      </p:grpSpPr>
+      <p:sp>
+        <p:nvSpPr>
+          <p:cNvPr id="296" name="Google Shape;296;p33"/>
+          <p:cNvSpPr txBox="1"/>
+          <p:nvPr>
+            <p:ph idx="12" type="sldNum"/>
+          </p:nvPr>
+        </p:nvSpPr>
+        <p:spPr>
+          <a:xfrm>
+            <a:off x="8472458" y="4663217"/>
+            <a:ext cx="548700" cy="393600"/>
+          </a:xfrm>
+          <a:prstGeom prst="rect">
+            <a:avLst/>
+          </a:prstGeom>
+        </p:spPr>
+        <p:txBody>
+          <a:bodyPr anchorCtr="0" anchor="ctr" bIns="91425" lIns="91425" spcFirstLastPara="1" rIns="91425" wrap="square" tIns="91425">
+            <a:normAutofit/>
+          </a:bodyPr>
+          <a:lstStyle/>
+          <a:p>
+            <a:pPr indent="0" lvl="0" marL="0" rtl="0" algn="r">
+              <a:spcBef>
+                <a:spcPts val="0"/>
+              </a:spcBef>
+              <a:spcAft>
+                <a:spcPts val="0"/>
+              </a:spcAft>
+              <a:buNone/>
+            </a:pPr>
+            <a:fld id="{00000000-1234-1234-1234-123412341234}" type="slidenum">
+              <a:rPr lang="fr"/>
+              <a:t>‹#›</a:t>
+            </a:fld>
+            <a:endParaRPr/>
+          </a:p>
+        </p:txBody>
+      </p:sp>
+      <p:sp>
+        <p:nvSpPr>
+          <p:cNvPr id="297" name="Google Shape;297;p33"/>
+          <p:cNvSpPr txBox="1"/>
+          <p:nvPr>
+            <p:ph type="title"/>
+          </p:nvPr>
+        </p:nvSpPr>
+        <p:spPr>
+          <a:xfrm>
+            <a:off x="1297500" y="393750"/>
+            <a:ext cx="7038900" cy="914100"/>
+          </a:xfrm>
+          <a:prstGeom prst="rect">
+            <a:avLst/>
+          </a:prstGeom>
+        </p:spPr>
+        <p:txBody>
+          <a:bodyPr anchorCtr="0" anchor="t" bIns="91425" lIns="91425" spcFirstLastPara="1" rIns="91425" wrap="square" tIns="91425">
+            <a:normAutofit/>
+          </a:bodyPr>
+          <a:lstStyle/>
+          <a:p>
+            <a:pPr indent="0" lvl="0" marL="0" rtl="0" algn="l">
+              <a:spcBef>
+                <a:spcPts val="0"/>
+              </a:spcBef>
+              <a:spcAft>
+                <a:spcPts val="0"/>
+              </a:spcAft>
+              <a:buNone/>
+            </a:pPr>
+            <a:r>
+              <a:rPr lang="fr"/>
+              <a:t>Modèles Prédictifs</a:t>
+            </a:r>
+            <a:endParaRPr/>
+          </a:p>
+        </p:txBody>
+      </p:sp>
+      <p:sp>
+        <p:nvSpPr>
+          <p:cNvPr id="298" name="Google Shape;298;p33"/>
+          <p:cNvSpPr txBox="1"/>
+          <p:nvPr/>
+        </p:nvSpPr>
+        <p:spPr>
+          <a:xfrm>
+            <a:off x="1556850" y="839325"/>
+            <a:ext cx="3678000" cy="393600"/>
+          </a:xfrm>
+          <a:prstGeom prst="rect">
+            <a:avLst/>
+          </a:prstGeom>
+          <a:noFill/>
+          <a:ln>
+            <a:noFill/>
+          </a:ln>
+        </p:spPr>
+        <p:txBody>
+          <a:bodyPr anchorCtr="0" anchor="t" bIns="91425" lIns="91425" spcFirstLastPara="1" rIns="91425" wrap="square" tIns="91425">
+            <a:noAutofit/>
+          </a:bodyPr>
+          <a:lstStyle/>
+          <a:p>
+            <a:pPr indent="0" lvl="0" marL="0" rtl="0" algn="l">
+              <a:spcBef>
+                <a:spcPts val="0"/>
+              </a:spcBef>
+              <a:spcAft>
+                <a:spcPts val="0"/>
+              </a:spcAft>
+              <a:buNone/>
+            </a:pPr>
+            <a:r>
+              <a:rPr b="1" lang="fr" sz="1100">
+                <a:solidFill>
+                  <a:schemeClr val="lt1"/>
+                </a:solidFill>
+                <a:latin typeface="Lato"/>
+                <a:ea typeface="Lato"/>
+                <a:cs typeface="Lato"/>
+                <a:sym typeface="Lato"/>
+              </a:rPr>
+              <a:t>Résultats des tests :</a:t>
+            </a:r>
+            <a:r>
+              <a:rPr lang="fr" sz="1100">
+                <a:solidFill>
+                  <a:schemeClr val="lt1"/>
+                </a:solidFill>
+                <a:latin typeface="Lato"/>
+                <a:ea typeface="Lato"/>
+                <a:cs typeface="Lato"/>
+                <a:sym typeface="Lato"/>
+              </a:rPr>
+              <a:t> Sur les transactions de 2024 </a:t>
+            </a:r>
+            <a:endParaRPr sz="1100">
+              <a:solidFill>
+                <a:schemeClr val="lt1"/>
+              </a:solidFill>
+              <a:latin typeface="Lato"/>
+              <a:ea typeface="Lato"/>
+              <a:cs typeface="Lato"/>
+              <a:sym typeface="Lato"/>
+            </a:endParaRPr>
+          </a:p>
+        </p:txBody>
+      </p:sp>
+      <p:pic>
+        <p:nvPicPr>
+          <p:cNvPr id="299" name="Google Shape;299;p33"/>
+          <p:cNvPicPr preferRelativeResize="0"/>
+          <p:nvPr/>
+        </p:nvPicPr>
+        <p:blipFill>
+          <a:blip r:embed="rId3">
+            <a:alphaModFix/>
+          </a:blip>
+          <a:stretch>
+            <a:fillRect/>
+          </a:stretch>
+        </p:blipFill>
+        <p:spPr>
+          <a:xfrm>
+            <a:off x="2271840" y="1231650"/>
+            <a:ext cx="5079435" cy="3748975"/>
+          </a:xfrm>
+          <a:prstGeom prst="rect">
+            <a:avLst/>
+          </a:prstGeom>
+          <a:noFill/>
+          <a:ln>
+            <a:noFill/>
+          </a:ln>
+        </p:spPr>
+      </p:pic>
+    </p:spTree>
+  </p:cSld>
+  <p:clrMapOvr>
+    <a:masterClrMapping/>
+  </p:clrMapOvr>
+</p:sld>
+</file>
+
+<file path=ppt/slides/slide22.xml><?xml version="1.0" encoding="utf-8"?>
+<p:sld xmlns:a="http://schemas.openxmlformats.org/drawingml/2006/main" xmlns:r="http://schemas.openxmlformats.org/officeDocument/2006/relationships" xmlns:mc="http://schemas.openxmlformats.org/markup-compatibility/2006" xmlns:mv="urn:schemas-microsoft-com:mac:vml" xmlns:p="http://schemas.openxmlformats.org/presentationml/2006/main" xmlns:c="http://schemas.openxmlformats.org/drawingml/2006/chart" xmlns:dgm="http://schemas.openxmlformats.org/drawingml/2006/diagram" xmlns:o="urn:schemas-microsoft-com:office:office" xmlns:v="urn:schemas-microsoft-com:vml" xmlns:pvml="urn:schemas-microsoft-com:office:powerpoint" xmlns:com="http://schemas.openxmlformats.org/drawingml/2006/compatibility" xmlns:p14="http://schemas.microsoft.com/office/powerpoint/2010/main" xmlns:p15="http://schemas.microsoft.com/office/powerpoint/2012/main" xmlns:ahyp="http://schemas.microsoft.com/office/drawing/2018/hyperlinkcolor">
+  <p:cSld>
+    <p:spTree>
+      <p:nvGrpSpPr>
+        <p:cNvPr id="303" name="Shape 303"/>
+        <p:cNvGrpSpPr/>
+        <p:nvPr/>
+      </p:nvGrpSpPr>
+      <p:grpSpPr>
+        <a:xfrm>
+          <a:off x="0" y="0"/>
+          <a:ext cx="0" cy="0"/>
+          <a:chOff x="0" y="0"/>
+          <a:chExt cx="0" cy="0"/>
+        </a:xfrm>
+      </p:grpSpPr>
+      <p:sp>
+        <p:nvSpPr>
+          <p:cNvPr id="304" name="Google Shape;304;p34"/>
+          <p:cNvSpPr txBox="1"/>
+          <p:nvPr>
+            <p:ph type="title"/>
+          </p:nvPr>
+        </p:nvSpPr>
+        <p:spPr>
+          <a:xfrm>
+            <a:off x="1297500" y="393750"/>
+            <a:ext cx="7038900" cy="914100"/>
+          </a:xfrm>
+          <a:prstGeom prst="rect">
+            <a:avLst/>
+          </a:prstGeom>
+        </p:spPr>
+        <p:txBody>
+          <a:bodyPr anchorCtr="0" anchor="t" bIns="91425" lIns="91425" spcFirstLastPara="1" rIns="91425" wrap="square" tIns="91425">
+            <a:normAutofit/>
+          </a:bodyPr>
+          <a:lstStyle/>
+          <a:p>
+            <a:pPr indent="0" lvl="0" marL="0" rtl="0" algn="l">
+              <a:spcBef>
+                <a:spcPts val="0"/>
+              </a:spcBef>
+              <a:spcAft>
+                <a:spcPts val="0"/>
+              </a:spcAft>
+              <a:buNone/>
+            </a:pPr>
+            <a:r>
+              <a:rPr lang="fr"/>
               <a:t>Conclusion</a:t>
             </a:r>
             <a:endParaRPr/>
@@ -13430,7 +14002,7 @@
       </p:sp>
       <p:sp>
         <p:nvSpPr>
-          <p:cNvPr id="288" name="Google Shape;288;p32"/>
+          <p:cNvPr id="305" name="Google Shape;305;p34"/>
           <p:cNvSpPr txBox="1"/>
           <p:nvPr/>
         </p:nvSpPr>
@@ -13584,7 +14156,7 @@
       </p:sp>
       <p:sp>
         <p:nvSpPr>
-          <p:cNvPr id="289" name="Google Shape;289;p32"/>
+          <p:cNvPr id="306" name="Google Shape;306;p34"/>
           <p:cNvSpPr txBox="1"/>
           <p:nvPr>
             <p:ph idx="12" type="sldNum"/>
@@ -13913,7 +14485,7 @@
         <p:spPr>
           <a:xfrm>
             <a:off x="1507200" y="895500"/>
-            <a:ext cx="1066500" cy="291000"/>
+            <a:ext cx="2723400" cy="291000"/>
           </a:xfrm>
           <a:prstGeom prst="rect">
             <a:avLst/>
@@ -13921,24 +14493,32 @@
         </p:spPr>
         <p:txBody>
           <a:bodyPr anchorCtr="0" anchor="t" bIns="91425" lIns="91425" spcFirstLastPara="1" rIns="91425" wrap="square" tIns="91425">
-            <a:normAutofit fontScale="55000" lnSpcReduction="20000"/>
+            <a:noAutofit/>
           </a:bodyPr>
           <a:lstStyle/>
           <a:p>
             <a:pPr indent="0" lvl="0" marL="0" rtl="0" algn="l">
+              <a:lnSpc>
+                <a:spcPct val="95000"/>
+              </a:lnSpc>
               <a:spcBef>
                 <a:spcPts val="0"/>
               </a:spcBef>
               <a:spcAft>
                 <a:spcPts val="1200"/>
               </a:spcAft>
+              <a:buSzPts val="605"/>
               <a:buNone/>
             </a:pPr>
             <a:r>
-              <a:rPr lang="fr"/>
-              <a:t>Prétraitement</a:t>
+              <a:rPr lang="fr" sz="1215"/>
+              <a:t>Traitement des valeurs manquantes</a:t>
             </a:r>
-            <a:endParaRPr/>
+            <a:r>
+              <a:rPr lang="fr" sz="914"/>
+              <a:t> </a:t>
+            </a:r>
+            <a:endParaRPr sz="914"/>
           </a:p>
         </p:txBody>
       </p:sp>
@@ -14451,7 +15031,7 @@
         </p:nvSpPr>
         <p:spPr>
           <a:xfrm>
-            <a:off x="1683325" y="1011375"/>
+            <a:off x="1678650" y="1013550"/>
             <a:ext cx="5212800" cy="294300"/>
           </a:xfrm>
           <a:prstGeom prst="rect">
@@ -14490,7 +15070,33 @@
                 <a:cs typeface="Lato"/>
                 <a:sym typeface="Lato"/>
               </a:rPr>
-              <a:t>Origine et objectifs de l’étude</a:t>
+              <a:t>Quelques statistiques descriptives :</a:t>
+            </a:r>
+            <a:endParaRPr sz="1100">
+              <a:solidFill>
+                <a:schemeClr val="lt1"/>
+              </a:solidFill>
+              <a:latin typeface="Lato"/>
+              <a:ea typeface="Lato"/>
+              <a:cs typeface="Lato"/>
+              <a:sym typeface="Lato"/>
+            </a:endParaRPr>
+          </a:p>
+          <a:p>
+            <a:pPr indent="0" lvl="0" marL="0" rtl="0" algn="l">
+              <a:lnSpc>
+                <a:spcPct val="115000"/>
+              </a:lnSpc>
+              <a:spcBef>
+                <a:spcPts val="1200"/>
+              </a:spcBef>
+              <a:spcAft>
+                <a:spcPts val="0"/>
+              </a:spcAft>
+              <a:buNone/>
+            </a:pPr>
+            <a:r>
+              <a:t/>
             </a:r>
             <a:endParaRPr sz="1100">
               <a:solidFill>
@@ -15088,7 +15694,7 @@
             </a:pPr>
             <a:r>
               <a:rPr lang="fr"/>
-              <a:t>Présentation de la base de données</a:t>
+              <a:t>Présentation de la base de données </a:t>
             </a:r>
             <a:endParaRPr/>
           </a:p>
@@ -15097,114 +15703,6 @@
       <p:sp>
         <p:nvSpPr>
           <p:cNvPr id="190" name="Google Shape;190;p20"/>
-          <p:cNvSpPr txBox="1"/>
-          <p:nvPr>
-            <p:ph idx="1" type="body"/>
-          </p:nvPr>
-        </p:nvSpPr>
-        <p:spPr>
-          <a:xfrm>
-            <a:off x="1297500" y="1567550"/>
-            <a:ext cx="7038900" cy="2911200"/>
-          </a:xfrm>
-          <a:prstGeom prst="rect">
-            <a:avLst/>
-          </a:prstGeom>
-        </p:spPr>
-        <p:txBody>
-          <a:bodyPr anchorCtr="0" anchor="t" bIns="91425" lIns="91425" spcFirstLastPara="1" rIns="91425" wrap="square" tIns="91425">
-            <a:normAutofit/>
-          </a:bodyPr>
-          <a:lstStyle/>
-          <a:p>
-            <a:pPr indent="0" lvl="0" marL="0" rtl="0" algn="l">
-              <a:spcBef>
-                <a:spcPts val="0"/>
-              </a:spcBef>
-              <a:spcAft>
-                <a:spcPts val="0"/>
-              </a:spcAft>
-              <a:buNone/>
-            </a:pPr>
-            <a:r>
-              <a:rPr lang="fr"/>
-              <a:t>Nous obtenons donc que les variables explicatives les plus importantes de ce dataset pour prédire les prix sont : </a:t>
-            </a:r>
-            <a:endParaRPr/>
-          </a:p>
-          <a:p>
-            <a:pPr indent="-311150" lvl="0" marL="457200" rtl="0" algn="l">
-              <a:spcBef>
-                <a:spcPts val="1200"/>
-              </a:spcBef>
-              <a:spcAft>
-                <a:spcPts val="0"/>
-              </a:spcAft>
-              <a:buSzPts val="1300"/>
-              <a:buChar char="-"/>
-            </a:pPr>
-            <a:r>
-              <a:rPr lang="fr"/>
-              <a:t>La commune du bien </a:t>
-            </a:r>
-            <a:endParaRPr/>
-          </a:p>
-          <a:p>
-            <a:pPr indent="-311150" lvl="0" marL="457200" rtl="0" algn="l">
-              <a:spcBef>
-                <a:spcPts val="0"/>
-              </a:spcBef>
-              <a:spcAft>
-                <a:spcPts val="0"/>
-              </a:spcAft>
-              <a:buSzPts val="1300"/>
-              <a:buChar char="-"/>
-            </a:pPr>
-            <a:r>
-              <a:rPr lang="fr"/>
-              <a:t>Le type de bien </a:t>
-            </a:r>
-            <a:endParaRPr/>
-          </a:p>
-          <a:p>
-            <a:pPr indent="-311150" lvl="0" marL="457200" rtl="0" algn="l">
-              <a:spcBef>
-                <a:spcPts val="0"/>
-              </a:spcBef>
-              <a:spcAft>
-                <a:spcPts val="0"/>
-              </a:spcAft>
-              <a:buSzPts val="1300"/>
-              <a:buChar char="-"/>
-            </a:pPr>
-            <a:r>
-              <a:rPr lang="fr"/>
-              <a:t>La surface du bien </a:t>
-            </a:r>
-            <a:endParaRPr/>
-          </a:p>
-          <a:p>
-            <a:pPr indent="-311150" lvl="0" marL="457200" rtl="0" algn="l">
-              <a:spcBef>
-                <a:spcPts val="0"/>
-              </a:spcBef>
-              <a:spcAft>
-                <a:spcPts val="0"/>
-              </a:spcAft>
-              <a:buSzPts val="1300"/>
-              <a:buChar char="-"/>
-            </a:pPr>
-            <a:r>
-              <a:rPr lang="fr"/>
-              <a:t>La date de mise sur le marché du bien </a:t>
-            </a:r>
-            <a:endParaRPr/>
-          </a:p>
-        </p:txBody>
-      </p:sp>
-      <p:sp>
-        <p:nvSpPr>
-          <p:cNvPr id="191" name="Google Shape;191;p20"/>
           <p:cNvSpPr txBox="1"/>
           <p:nvPr>
             <p:ph idx="12" type="sldNum"/>
@@ -15239,6 +15737,534 @@
               <a:t>‹#›</a:t>
             </a:fld>
             <a:endParaRPr/>
+          </a:p>
+        </p:txBody>
+      </p:sp>
+      <p:sp>
+        <p:nvSpPr>
+          <p:cNvPr id="191" name="Google Shape;191;p20"/>
+          <p:cNvSpPr txBox="1"/>
+          <p:nvPr/>
+        </p:nvSpPr>
+        <p:spPr>
+          <a:xfrm>
+            <a:off x="1549525" y="1484850"/>
+            <a:ext cx="7602000" cy="2786100"/>
+          </a:xfrm>
+          <a:prstGeom prst="rect">
+            <a:avLst/>
+          </a:prstGeom>
+          <a:noFill/>
+          <a:ln>
+            <a:noFill/>
+          </a:ln>
+        </p:spPr>
+        <p:txBody>
+          <a:bodyPr anchorCtr="0" anchor="t" bIns="91425" lIns="91425" spcFirstLastPara="1" rIns="91425" wrap="square" tIns="91425">
+            <a:spAutoFit/>
+          </a:bodyPr>
+          <a:lstStyle/>
+          <a:p>
+            <a:pPr indent="0" lvl="0" marL="0" rtl="0" algn="l">
+              <a:spcBef>
+                <a:spcPts val="0"/>
+              </a:spcBef>
+              <a:spcAft>
+                <a:spcPts val="0"/>
+              </a:spcAft>
+              <a:buNone/>
+            </a:pPr>
+            <a:r>
+              <a:rPr lang="fr" sz="1300">
+                <a:solidFill>
+                  <a:schemeClr val="lt1"/>
+                </a:solidFill>
+                <a:latin typeface="Lato"/>
+                <a:ea typeface="Lato"/>
+                <a:cs typeface="Lato"/>
+                <a:sym typeface="Lato"/>
+              </a:rPr>
+              <a:t>Segmentation des données : </a:t>
+            </a:r>
+            <a:endParaRPr sz="1300">
+              <a:solidFill>
+                <a:schemeClr val="lt1"/>
+              </a:solidFill>
+              <a:latin typeface="Lato"/>
+              <a:ea typeface="Lato"/>
+              <a:cs typeface="Lato"/>
+              <a:sym typeface="Lato"/>
+            </a:endParaRPr>
+          </a:p>
+          <a:p>
+            <a:pPr indent="-311150" lvl="0" marL="457200" rtl="0" algn="l">
+              <a:spcBef>
+                <a:spcPts val="0"/>
+              </a:spcBef>
+              <a:spcAft>
+                <a:spcPts val="0"/>
+              </a:spcAft>
+              <a:buClr>
+                <a:schemeClr val="lt1"/>
+              </a:buClr>
+              <a:buSzPts val="1300"/>
+              <a:buFont typeface="Lato"/>
+              <a:buChar char="-"/>
+            </a:pPr>
+            <a:r>
+              <a:rPr lang="fr" sz="1300">
+                <a:solidFill>
+                  <a:schemeClr val="lt1"/>
+                </a:solidFill>
+                <a:latin typeface="Lato"/>
+                <a:ea typeface="Lato"/>
+                <a:cs typeface="Lato"/>
+                <a:sym typeface="Lato"/>
+              </a:rPr>
+              <a:t>Regroupement par clusters avec les critères </a:t>
+            </a:r>
+            <a:r>
+              <a:rPr i="1" lang="fr" sz="1300">
+                <a:solidFill>
+                  <a:schemeClr val="lt1"/>
+                </a:solidFill>
+                <a:latin typeface="Lato"/>
+                <a:ea typeface="Lato"/>
+                <a:cs typeface="Lato"/>
+                <a:sym typeface="Lato"/>
+              </a:rPr>
+              <a:t>Surface</a:t>
+            </a:r>
+            <a:r>
+              <a:rPr lang="fr" sz="1300">
+                <a:solidFill>
+                  <a:schemeClr val="lt1"/>
+                </a:solidFill>
+                <a:latin typeface="Lato"/>
+                <a:ea typeface="Lato"/>
+                <a:cs typeface="Lato"/>
+                <a:sym typeface="Lato"/>
+              </a:rPr>
+              <a:t> et </a:t>
+            </a:r>
+            <a:r>
+              <a:rPr i="1" lang="fr" sz="1300">
+                <a:solidFill>
+                  <a:schemeClr val="lt1"/>
+                </a:solidFill>
+                <a:latin typeface="Lato"/>
+                <a:ea typeface="Lato"/>
+                <a:cs typeface="Lato"/>
+                <a:sym typeface="Lato"/>
+              </a:rPr>
+              <a:t>prix_m²</a:t>
+            </a:r>
+            <a:endParaRPr i="1" sz="1300">
+              <a:solidFill>
+                <a:schemeClr val="lt1"/>
+              </a:solidFill>
+              <a:latin typeface="Lato"/>
+              <a:ea typeface="Lato"/>
+              <a:cs typeface="Lato"/>
+              <a:sym typeface="Lato"/>
+            </a:endParaRPr>
+          </a:p>
+          <a:p>
+            <a:pPr indent="-311150" lvl="0" marL="457200" rtl="0" algn="l">
+              <a:spcBef>
+                <a:spcPts val="0"/>
+              </a:spcBef>
+              <a:spcAft>
+                <a:spcPts val="0"/>
+              </a:spcAft>
+              <a:buClr>
+                <a:schemeClr val="lt1"/>
+              </a:buClr>
+              <a:buSzPts val="1300"/>
+              <a:buFont typeface="Lato"/>
+              <a:buChar char="-"/>
+            </a:pPr>
+            <a:r>
+              <a:rPr lang="fr" sz="1300">
+                <a:solidFill>
+                  <a:schemeClr val="lt1"/>
+                </a:solidFill>
+                <a:latin typeface="Lato"/>
+                <a:ea typeface="Lato"/>
+                <a:cs typeface="Lato"/>
+                <a:sym typeface="Lato"/>
+              </a:rPr>
+              <a:t>Méthode utilisée : K-Means</a:t>
+            </a:r>
+            <a:endParaRPr sz="1300">
+              <a:solidFill>
+                <a:schemeClr val="lt1"/>
+              </a:solidFill>
+              <a:latin typeface="Lato"/>
+              <a:ea typeface="Lato"/>
+              <a:cs typeface="Lato"/>
+              <a:sym typeface="Lato"/>
+            </a:endParaRPr>
+          </a:p>
+          <a:p>
+            <a:pPr indent="0" lvl="0" marL="0" rtl="0" algn="l">
+              <a:spcBef>
+                <a:spcPts val="0"/>
+              </a:spcBef>
+              <a:spcAft>
+                <a:spcPts val="0"/>
+              </a:spcAft>
+              <a:buNone/>
+            </a:pPr>
+            <a:r>
+              <a:t/>
+            </a:r>
+            <a:endParaRPr sz="1300">
+              <a:solidFill>
+                <a:schemeClr val="lt1"/>
+              </a:solidFill>
+              <a:latin typeface="Lato"/>
+              <a:ea typeface="Lato"/>
+              <a:cs typeface="Lato"/>
+              <a:sym typeface="Lato"/>
+            </a:endParaRPr>
+          </a:p>
+          <a:p>
+            <a:pPr indent="0" lvl="0" marL="0" rtl="0" algn="l">
+              <a:spcBef>
+                <a:spcPts val="0"/>
+              </a:spcBef>
+              <a:spcAft>
+                <a:spcPts val="0"/>
+              </a:spcAft>
+              <a:buNone/>
+            </a:pPr>
+            <a:r>
+              <a:t/>
+            </a:r>
+            <a:endParaRPr sz="1300">
+              <a:solidFill>
+                <a:schemeClr val="lt1"/>
+              </a:solidFill>
+              <a:latin typeface="Lato"/>
+              <a:ea typeface="Lato"/>
+              <a:cs typeface="Lato"/>
+              <a:sym typeface="Lato"/>
+            </a:endParaRPr>
+          </a:p>
+          <a:p>
+            <a:pPr indent="0" lvl="0" marL="0" rtl="0" algn="l">
+              <a:spcBef>
+                <a:spcPts val="0"/>
+              </a:spcBef>
+              <a:spcAft>
+                <a:spcPts val="0"/>
+              </a:spcAft>
+              <a:buNone/>
+            </a:pPr>
+            <a:r>
+              <a:rPr lang="fr" sz="1300">
+                <a:solidFill>
+                  <a:schemeClr val="lt1"/>
+                </a:solidFill>
+                <a:latin typeface="Lato"/>
+                <a:ea typeface="Lato"/>
+                <a:cs typeface="Lato"/>
+                <a:sym typeface="Lato"/>
+              </a:rPr>
+              <a:t>Division Test_set et Train_set par segment (répartiton 80/20).</a:t>
+            </a:r>
+            <a:endParaRPr sz="1300">
+              <a:solidFill>
+                <a:schemeClr val="lt1"/>
+              </a:solidFill>
+              <a:latin typeface="Lato"/>
+              <a:ea typeface="Lato"/>
+              <a:cs typeface="Lato"/>
+              <a:sym typeface="Lato"/>
+            </a:endParaRPr>
+          </a:p>
+          <a:p>
+            <a:pPr indent="0" lvl="0" marL="0" rtl="0" algn="l">
+              <a:spcBef>
+                <a:spcPts val="0"/>
+              </a:spcBef>
+              <a:spcAft>
+                <a:spcPts val="0"/>
+              </a:spcAft>
+              <a:buNone/>
+            </a:pPr>
+            <a:r>
+              <a:t/>
+            </a:r>
+            <a:endParaRPr sz="1300">
+              <a:solidFill>
+                <a:schemeClr val="lt1"/>
+              </a:solidFill>
+              <a:latin typeface="Lato"/>
+              <a:ea typeface="Lato"/>
+              <a:cs typeface="Lato"/>
+              <a:sym typeface="Lato"/>
+            </a:endParaRPr>
+          </a:p>
+          <a:p>
+            <a:pPr indent="0" lvl="0" marL="0" rtl="0" algn="l">
+              <a:spcBef>
+                <a:spcPts val="0"/>
+              </a:spcBef>
+              <a:spcAft>
+                <a:spcPts val="0"/>
+              </a:spcAft>
+              <a:buNone/>
+            </a:pPr>
+            <a:r>
+              <a:t/>
+            </a:r>
+            <a:endParaRPr sz="1300">
+              <a:solidFill>
+                <a:schemeClr val="lt1"/>
+              </a:solidFill>
+              <a:latin typeface="Lato"/>
+              <a:ea typeface="Lato"/>
+              <a:cs typeface="Lato"/>
+              <a:sym typeface="Lato"/>
+            </a:endParaRPr>
+          </a:p>
+          <a:p>
+            <a:pPr indent="0" lvl="0" marL="0" rtl="0" algn="l">
+              <a:spcBef>
+                <a:spcPts val="0"/>
+              </a:spcBef>
+              <a:spcAft>
+                <a:spcPts val="0"/>
+              </a:spcAft>
+              <a:buNone/>
+            </a:pPr>
+            <a:r>
+              <a:rPr lang="fr" sz="1300">
+                <a:solidFill>
+                  <a:schemeClr val="lt1"/>
+                </a:solidFill>
+                <a:latin typeface="Lato"/>
+                <a:ea typeface="Lato"/>
+                <a:cs typeface="Lato"/>
+                <a:sym typeface="Lato"/>
+              </a:rPr>
+              <a:t>Application des modèles :</a:t>
+            </a:r>
+            <a:endParaRPr sz="1300">
+              <a:solidFill>
+                <a:schemeClr val="lt1"/>
+              </a:solidFill>
+              <a:latin typeface="Lato"/>
+              <a:ea typeface="Lato"/>
+              <a:cs typeface="Lato"/>
+              <a:sym typeface="Lato"/>
+            </a:endParaRPr>
+          </a:p>
+          <a:p>
+            <a:pPr indent="0" lvl="0" marL="0" rtl="0" algn="l">
+              <a:spcBef>
+                <a:spcPts val="0"/>
+              </a:spcBef>
+              <a:spcAft>
+                <a:spcPts val="0"/>
+              </a:spcAft>
+              <a:buNone/>
+            </a:pPr>
+            <a:r>
+              <a:t/>
+            </a:r>
+            <a:endParaRPr sz="1300">
+              <a:solidFill>
+                <a:schemeClr val="lt1"/>
+              </a:solidFill>
+              <a:latin typeface="Lato"/>
+              <a:ea typeface="Lato"/>
+              <a:cs typeface="Lato"/>
+              <a:sym typeface="Lato"/>
+            </a:endParaRPr>
+          </a:p>
+          <a:p>
+            <a:pPr indent="-311150" lvl="0" marL="457200" rtl="0" algn="l">
+              <a:spcBef>
+                <a:spcPts val="0"/>
+              </a:spcBef>
+              <a:spcAft>
+                <a:spcPts val="0"/>
+              </a:spcAft>
+              <a:buClr>
+                <a:schemeClr val="lt1"/>
+              </a:buClr>
+              <a:buSzPts val="1300"/>
+              <a:buFont typeface="Lato"/>
+              <a:buAutoNum type="arabicParenR"/>
+            </a:pPr>
+            <a:r>
+              <a:rPr lang="fr" sz="1300">
+                <a:solidFill>
+                  <a:schemeClr val="lt1"/>
+                </a:solidFill>
+                <a:latin typeface="Lato"/>
+                <a:ea typeface="Lato"/>
+                <a:cs typeface="Lato"/>
+                <a:sym typeface="Lato"/>
+              </a:rPr>
+              <a:t>Regression linéaire</a:t>
+            </a:r>
+            <a:endParaRPr sz="1300">
+              <a:solidFill>
+                <a:schemeClr val="lt1"/>
+              </a:solidFill>
+              <a:latin typeface="Lato"/>
+              <a:ea typeface="Lato"/>
+              <a:cs typeface="Lato"/>
+              <a:sym typeface="Lato"/>
+            </a:endParaRPr>
+          </a:p>
+          <a:p>
+            <a:pPr indent="-311150" lvl="0" marL="457200" rtl="0" algn="l">
+              <a:spcBef>
+                <a:spcPts val="0"/>
+              </a:spcBef>
+              <a:spcAft>
+                <a:spcPts val="0"/>
+              </a:spcAft>
+              <a:buClr>
+                <a:schemeClr val="lt1"/>
+              </a:buClr>
+              <a:buSzPts val="1300"/>
+              <a:buFont typeface="Lato"/>
+              <a:buAutoNum type="arabicParenR"/>
+            </a:pPr>
+            <a:r>
+              <a:rPr lang="fr" sz="1300">
+                <a:solidFill>
+                  <a:schemeClr val="lt1"/>
+                </a:solidFill>
+                <a:latin typeface="Lato"/>
+                <a:ea typeface="Lato"/>
+                <a:cs typeface="Lato"/>
+                <a:sym typeface="Lato"/>
+              </a:rPr>
+              <a:t>Random Forest</a:t>
+            </a:r>
+            <a:endParaRPr sz="1300">
+              <a:solidFill>
+                <a:schemeClr val="lt1"/>
+              </a:solidFill>
+              <a:latin typeface="Lato"/>
+              <a:ea typeface="Lato"/>
+              <a:cs typeface="Lato"/>
+              <a:sym typeface="Lato"/>
+            </a:endParaRPr>
+          </a:p>
+          <a:p>
+            <a:pPr indent="-311150" lvl="0" marL="457200" rtl="0" algn="l">
+              <a:spcBef>
+                <a:spcPts val="0"/>
+              </a:spcBef>
+              <a:spcAft>
+                <a:spcPts val="0"/>
+              </a:spcAft>
+              <a:buClr>
+                <a:schemeClr val="lt1"/>
+              </a:buClr>
+              <a:buSzPts val="1300"/>
+              <a:buFont typeface="Lato"/>
+              <a:buAutoNum type="arabicParenR"/>
+            </a:pPr>
+            <a:r>
+              <a:rPr lang="fr" sz="1300">
+                <a:solidFill>
+                  <a:schemeClr val="lt1"/>
+                </a:solidFill>
+                <a:latin typeface="Lato"/>
+                <a:ea typeface="Lato"/>
+                <a:cs typeface="Lato"/>
+                <a:sym typeface="Lato"/>
+              </a:rPr>
+              <a:t>XGBoost</a:t>
+            </a:r>
+            <a:endParaRPr sz="1300">
+              <a:solidFill>
+                <a:schemeClr val="lt1"/>
+              </a:solidFill>
+              <a:latin typeface="Lato"/>
+              <a:ea typeface="Lato"/>
+              <a:cs typeface="Lato"/>
+              <a:sym typeface="Lato"/>
+            </a:endParaRPr>
+          </a:p>
+        </p:txBody>
+      </p:sp>
+      <p:sp>
+        <p:nvSpPr>
+          <p:cNvPr id="192" name="Google Shape;192;p20"/>
+          <p:cNvSpPr txBox="1"/>
+          <p:nvPr/>
+        </p:nvSpPr>
+        <p:spPr>
+          <a:xfrm>
+            <a:off x="1549525" y="1091250"/>
+            <a:ext cx="4008000" cy="393600"/>
+          </a:xfrm>
+          <a:prstGeom prst="rect">
+            <a:avLst/>
+          </a:prstGeom>
+          <a:noFill/>
+          <a:ln>
+            <a:noFill/>
+          </a:ln>
+        </p:spPr>
+        <p:txBody>
+          <a:bodyPr anchorCtr="0" anchor="t" bIns="91425" lIns="91425" spcFirstLastPara="1" rIns="91425" wrap="square" tIns="91425">
+            <a:noAutofit/>
+          </a:bodyPr>
+          <a:lstStyle/>
+          <a:p>
+            <a:pPr indent="0" lvl="0" marL="0" rtl="0" algn="l">
+              <a:spcBef>
+                <a:spcPts val="0"/>
+              </a:spcBef>
+              <a:spcAft>
+                <a:spcPts val="0"/>
+              </a:spcAft>
+              <a:buNone/>
+            </a:pPr>
+            <a:r>
+              <a:rPr lang="fr" sz="1500">
+                <a:solidFill>
+                  <a:schemeClr val="lt1"/>
+                </a:solidFill>
+                <a:latin typeface="Lato"/>
+                <a:ea typeface="Lato"/>
+                <a:cs typeface="Lato"/>
+                <a:sym typeface="Lato"/>
+              </a:rPr>
+              <a:t>Préparation des bases :</a:t>
+            </a:r>
+            <a:r>
+              <a:rPr lang="fr" sz="1300">
+                <a:solidFill>
+                  <a:schemeClr val="lt1"/>
+                </a:solidFill>
+                <a:latin typeface="Lato"/>
+                <a:ea typeface="Lato"/>
+                <a:cs typeface="Lato"/>
+                <a:sym typeface="Lato"/>
+              </a:rPr>
+              <a:t> </a:t>
+            </a:r>
+            <a:endParaRPr sz="1300">
+              <a:solidFill>
+                <a:schemeClr val="lt1"/>
+              </a:solidFill>
+              <a:latin typeface="Lato"/>
+              <a:ea typeface="Lato"/>
+              <a:cs typeface="Lato"/>
+              <a:sym typeface="Lato"/>
+            </a:endParaRPr>
           </a:p>
         </p:txBody>
       </p:sp>
@@ -15255,7 +16281,7 @@
   <p:cSld>
     <p:spTree>
       <p:nvGrpSpPr>
-        <p:cNvPr id="195" name="Shape 195"/>
+        <p:cNvPr id="196" name="Shape 196"/>
         <p:cNvGrpSpPr/>
         <p:nvPr/>
       </p:nvGrpSpPr>
@@ -15269,7 +16295,7 @@
       </p:grpSpPr>
       <p:sp>
         <p:nvSpPr>
-          <p:cNvPr id="196" name="Google Shape;196;p21"/>
+          <p:cNvPr id="197" name="Google Shape;197;p21"/>
           <p:cNvSpPr txBox="1"/>
           <p:nvPr>
             <p:ph type="title"/>
@@ -15309,7 +16335,7 @@
       </p:sp>
       <p:sp>
         <p:nvSpPr>
-          <p:cNvPr id="197" name="Google Shape;197;p21"/>
+          <p:cNvPr id="198" name="Google Shape;198;p21"/>
           <p:cNvSpPr txBox="1"/>
           <p:nvPr>
             <p:ph idx="12" type="sldNum"/>
@@ -15349,7 +16375,7 @@
       </p:sp>
       <p:sp>
         <p:nvSpPr>
-          <p:cNvPr id="198" name="Google Shape;198;p21"/>
+          <p:cNvPr id="199" name="Google Shape;199;p21"/>
           <p:cNvSpPr txBox="1"/>
           <p:nvPr/>
         </p:nvSpPr>
@@ -15402,7 +16428,7 @@
       </p:sp>
       <p:pic>
         <p:nvPicPr>
-          <p:cNvPr id="199" name="Google Shape;199;p21"/>
+          <p:cNvPr id="200" name="Google Shape;200;p21"/>
           <p:cNvPicPr preferRelativeResize="0"/>
           <p:nvPr/>
         </p:nvPicPr>
@@ -15437,6 +16463,285 @@
 </file>
 
 <file path=ppt/theme/theme1.xml><?xml version="1.0" encoding="utf-8"?>
+<a:theme xmlns:a="http://schemas.openxmlformats.org/drawingml/2006/main" xmlns:r="http://schemas.openxmlformats.org/officeDocument/2006/relationships" name="Focus">
+  <a:themeElements>
+    <a:clrScheme name="Focus">
+      <a:dk1>
+        <a:srgbClr val="1B212C"/>
+      </a:dk1>
+      <a:lt1>
+        <a:srgbClr val="FFFFFF"/>
+      </a:lt1>
+      <a:dk2>
+        <a:srgbClr val="D9D9D9"/>
+      </a:dk2>
+      <a:lt2>
+        <a:srgbClr val="82C7A5"/>
+      </a:lt2>
+      <a:accent1>
+        <a:srgbClr val="0145AC"/>
+      </a:accent1>
+      <a:accent2>
+        <a:srgbClr val="EECE1A"/>
+      </a:accent2>
+      <a:accent3>
+        <a:srgbClr val="4E5567"/>
+      </a:accent3>
+      <a:accent4>
+        <a:srgbClr val="F4D6AD"/>
+      </a:accent4>
+      <a:accent5>
+        <a:srgbClr val="7890CD"/>
+      </a:accent5>
+      <a:accent6>
+        <a:srgbClr val="F15E22"/>
+      </a:accent6>
+      <a:hlink>
+        <a:srgbClr val="7890CD"/>
+      </a:hlink>
+      <a:folHlink>
+        <a:srgbClr val="7890CD"/>
+      </a:folHlink>
+    </a:clrScheme>
+    <a:fontScheme name="Office">
+      <a:majorFont>
+        <a:latin typeface="Arial"/>
+        <a:ea typeface=""/>
+        <a:cs typeface=""/>
+        <a:font script="Jpan" typeface="ＭＳ Ｐゴシック"/>
+        <a:font script="Hang" typeface="맑은 고딕"/>
+        <a:font script="Hans" typeface="宋体"/>
+        <a:font script="Hant" typeface="新細明體"/>
+        <a:font script="Arab" typeface="Times New Roman"/>
+        <a:font script="Hebr" typeface="Times New Roman"/>
+        <a:font script="Thai" typeface="Angsana New"/>
+        <a:font script="Ethi" typeface="Nyala"/>
+        <a:font script="Beng" typeface="Vrinda"/>
+        <a:font script="Gujr" typeface="Shruti"/>
+        <a:font script="Khmr" typeface="MoolBoran"/>
+        <a:font script="Knda" typeface="Tunga"/>
+        <a:font script="Guru" typeface="Raavi"/>
+        <a:font script="Cans" typeface="Euphemia"/>
+        <a:font script="Cher" typeface="Plantagenet Cherokee"/>
+        <a:font script="Yiii" typeface="Microsoft Yi Baiti"/>
+        <a:font script="Tibt" typeface="Microsoft Himalaya"/>
+        <a:font script="Thaa" typeface="MV Boli"/>
+        <a:font script="Deva" typeface="Mangal"/>
+        <a:font script="Telu" typeface="Gautami"/>
+        <a:font script="Taml" typeface="Latha"/>
+        <a:font script="Syrc" typeface="Estrangelo Edessa"/>
+        <a:font script="Orya" typeface="Kalinga"/>
+        <a:font script="Mlym" typeface="Kartika"/>
+        <a:font script="Laoo" typeface="DokChampa"/>
+        <a:font script="Sinh" typeface="Iskoola Pota"/>
+        <a:font script="Mong" typeface="Mongolian Baiti"/>
+        <a:font script="Viet" typeface="Times New Roman"/>
+        <a:font script="Uigh" typeface="Microsoft Uighur"/>
+        <a:font script="Geor" typeface="Sylfaen"/>
+      </a:majorFont>
+      <a:minorFont>
+        <a:latin typeface="Arial"/>
+        <a:ea typeface=""/>
+        <a:cs typeface=""/>
+        <a:font script="Jpan" typeface="ＭＳ Ｐゴシック"/>
+        <a:font script="Hang" typeface="맑은 고딕"/>
+        <a:font script="Hans" typeface="宋体"/>
+        <a:font script="Hant" typeface="新細明體"/>
+        <a:font script="Arab" typeface="Arial"/>
+        <a:font script="Hebr" typeface="Arial"/>
+        <a:font script="Thai" typeface="Cordia New"/>
+        <a:font script="Ethi" typeface="Nyala"/>
+        <a:font script="Beng" typeface="Vrinda"/>
+        <a:font script="Gujr" typeface="Shruti"/>
+        <a:font script="Khmr" typeface="DaunPenh"/>
+        <a:font script="Knda" typeface="Tunga"/>
+        <a:font script="Guru" typeface="Raavi"/>
+        <a:font script="Cans" typeface="Euphemia"/>
+        <a:font script="Cher" typeface="Plantagenet Cherokee"/>
+        <a:font script="Yiii" typeface="Microsoft Yi Baiti"/>
+        <a:font script="Tibt" typeface="Microsoft Himalaya"/>
+        <a:font script="Thaa" typeface="MV Boli"/>
+        <a:font script="Deva" typeface="Mangal"/>
+        <a:font script="Telu" typeface="Gautami"/>
+        <a:font script="Taml" typeface="Latha"/>
+        <a:font script="Syrc" typeface="Estrangelo Edessa"/>
+        <a:font script="Orya" typeface="Kalinga"/>
+        <a:font script="Mlym" typeface="Kartika"/>
+        <a:font script="Laoo" typeface="DokChampa"/>
+        <a:font script="Sinh" typeface="Iskoola Pota"/>
+        <a:font script="Mong" typeface="Mongolian Baiti"/>
+        <a:font script="Viet" typeface="Arial"/>
+        <a:font script="Uigh" typeface="Microsoft Uighur"/>
+        <a:font script="Geor" typeface="Sylfaen"/>
+      </a:minorFont>
+    </a:fontScheme>
+    <a:fmtScheme name="Office">
+      <a:fillStyleLst>
+        <a:solidFill>
+          <a:schemeClr val="phClr"/>
+        </a:solidFill>
+        <a:gradFill rotWithShape="1">
+          <a:gsLst>
+            <a:gs pos="0">
+              <a:schemeClr val="phClr">
+                <a:tint val="50000"/>
+                <a:satMod val="300000"/>
+              </a:schemeClr>
+            </a:gs>
+            <a:gs pos="35000">
+              <a:schemeClr val="phClr">
+                <a:tint val="37000"/>
+                <a:satMod val="300000"/>
+              </a:schemeClr>
+            </a:gs>
+            <a:gs pos="100000">
+              <a:schemeClr val="phClr">
+                <a:tint val="15000"/>
+                <a:satMod val="350000"/>
+              </a:schemeClr>
+            </a:gs>
+          </a:gsLst>
+          <a:lin ang="16200000" scaled="1"/>
+        </a:gradFill>
+        <a:gradFill rotWithShape="1">
+          <a:gsLst>
+            <a:gs pos="0">
+              <a:schemeClr val="phClr">
+                <a:tint val="100000"/>
+                <a:shade val="100000"/>
+                <a:satMod val="130000"/>
+              </a:schemeClr>
+            </a:gs>
+            <a:gs pos="100000">
+              <a:schemeClr val="phClr">
+                <a:tint val="50000"/>
+                <a:shade val="100000"/>
+                <a:satMod val="350000"/>
+              </a:schemeClr>
+            </a:gs>
+          </a:gsLst>
+          <a:lin ang="16200000" scaled="0"/>
+        </a:gradFill>
+      </a:fillStyleLst>
+      <a:lnStyleLst>
+        <a:ln w="9525" cap="flat" cmpd="sng" algn="ctr">
+          <a:solidFill>
+            <a:schemeClr val="phClr">
+              <a:shade val="95000"/>
+              <a:satMod val="105000"/>
+            </a:schemeClr>
+          </a:solidFill>
+          <a:prstDash val="solid"/>
+        </a:ln>
+        <a:ln w="25400" cap="flat" cmpd="sng" algn="ctr">
+          <a:solidFill>
+            <a:schemeClr val="phClr"/>
+          </a:solidFill>
+          <a:prstDash val="solid"/>
+        </a:ln>
+        <a:ln w="38100" cap="flat" cmpd="sng" algn="ctr">
+          <a:solidFill>
+            <a:schemeClr val="phClr"/>
+          </a:solidFill>
+          <a:prstDash val="solid"/>
+        </a:ln>
+      </a:lnStyleLst>
+      <a:effectStyleLst>
+        <a:effectStyle>
+          <a:effectLst>
+            <a:outerShdw blurRad="40000" dist="20000" dir="5400000" rotWithShape="0">
+              <a:srgbClr val="000000">
+                <a:alpha val="38000"/>
+              </a:srgbClr>
+            </a:outerShdw>
+          </a:effectLst>
+        </a:effectStyle>
+        <a:effectStyle>
+          <a:effectLst>
+            <a:outerShdw blurRad="40000" dist="23000" dir="5400000" rotWithShape="0">
+              <a:srgbClr val="000000">
+                <a:alpha val="35000"/>
+              </a:srgbClr>
+            </a:outerShdw>
+          </a:effectLst>
+        </a:effectStyle>
+        <a:effectStyle>
+          <a:effectLst>
+            <a:outerShdw blurRad="40000" dist="23000" dir="5400000" rotWithShape="0">
+              <a:srgbClr val="000000">
+                <a:alpha val="35000"/>
+              </a:srgbClr>
+            </a:outerShdw>
+          </a:effectLst>
+          <a:scene3d>
+            <a:camera prst="orthographicFront">
+              <a:rot lat="0" lon="0" rev="0"/>
+            </a:camera>
+            <a:lightRig rig="threePt" dir="t">
+              <a:rot lat="0" lon="0" rev="1200000"/>
+            </a:lightRig>
+          </a:scene3d>
+          <a:sp3d>
+            <a:bevelT w="63500" h="25400"/>
+          </a:sp3d>
+        </a:effectStyle>
+      </a:effectStyleLst>
+      <a:bgFillStyleLst>
+        <a:solidFill>
+          <a:schemeClr val="phClr"/>
+        </a:solidFill>
+        <a:gradFill rotWithShape="1">
+          <a:gsLst>
+            <a:gs pos="0">
+              <a:schemeClr val="phClr">
+                <a:tint val="40000"/>
+                <a:satMod val="350000"/>
+              </a:schemeClr>
+            </a:gs>
+            <a:gs pos="40000">
+              <a:schemeClr val="phClr">
+                <a:tint val="45000"/>
+                <a:shade val="99000"/>
+                <a:satMod val="350000"/>
+              </a:schemeClr>
+            </a:gs>
+            <a:gs pos="100000">
+              <a:schemeClr val="phClr">
+                <a:shade val="20000"/>
+                <a:satMod val="255000"/>
+              </a:schemeClr>
+            </a:gs>
+          </a:gsLst>
+          <a:path path="circle">
+            <a:fillToRect l="50000" t="-80000" r="50000" b="180000"/>
+          </a:path>
+        </a:gradFill>
+        <a:gradFill rotWithShape="1">
+          <a:gsLst>
+            <a:gs pos="0">
+              <a:schemeClr val="phClr">
+                <a:tint val="80000"/>
+                <a:satMod val="300000"/>
+              </a:schemeClr>
+            </a:gs>
+            <a:gs pos="100000">
+              <a:schemeClr val="phClr">
+                <a:shade val="30000"/>
+                <a:satMod val="200000"/>
+              </a:schemeClr>
+            </a:gs>
+          </a:gsLst>
+          <a:path path="circle">
+            <a:fillToRect l="50000" t="50000" r="50000" b="50000"/>
+          </a:path>
+        </a:gradFill>
+      </a:bgFillStyleLst>
+    </a:fmtScheme>
+  </a:themeElements>
+</a:theme>
+</file>
+
+<file path=ppt/theme/theme2.xml><?xml version="1.0" encoding="utf-8"?>
 <a:theme xmlns:a="http://schemas.openxmlformats.org/drawingml/2006/main" xmlns:r="http://schemas.openxmlformats.org/officeDocument/2006/relationships">
   <a:themeElements>
     <a:clrScheme name="Default">
@@ -15713,283 +17018,4 @@
     </a:fmtScheme>
   </a:themeElements>
 </a:theme>
-</file>
-
-<file path=ppt/theme/theme2.xml><?xml version="1.0" encoding="utf-8"?>
-<a:theme xmlns:a="http://schemas.openxmlformats.org/drawingml/2006/main" xmlns:r="http://schemas.openxmlformats.org/officeDocument/2006/relationships" name="Focus">
-  <a:themeElements>
-    <a:clrScheme name="Focus">
-      <a:dk1>
-        <a:srgbClr val="1B212C"/>
-      </a:dk1>
-      <a:lt1>
-        <a:srgbClr val="FFFFFF"/>
-      </a:lt1>
-      <a:dk2>
-        <a:srgbClr val="D9D9D9"/>
-      </a:dk2>
-      <a:lt2>
-        <a:srgbClr val="82C7A5"/>
-      </a:lt2>
-      <a:accent1>
-        <a:srgbClr val="0145AC"/>
-      </a:accent1>
-      <a:accent2>
-        <a:srgbClr val="EECE1A"/>
-      </a:accent2>
-      <a:accent3>
-        <a:srgbClr val="4E5567"/>
-      </a:accent3>
-      <a:accent4>
-        <a:srgbClr val="F4D6AD"/>
-      </a:accent4>
-      <a:accent5>
-        <a:srgbClr val="7890CD"/>
-      </a:accent5>
-      <a:accent6>
-        <a:srgbClr val="F15E22"/>
-      </a:accent6>
-      <a:hlink>
-        <a:srgbClr val="7890CD"/>
-      </a:hlink>
-      <a:folHlink>
-        <a:srgbClr val="7890CD"/>
-      </a:folHlink>
-    </a:clrScheme>
-    <a:fontScheme name="Office">
-      <a:majorFont>
-        <a:latin typeface="Arial"/>
-        <a:ea typeface=""/>
-        <a:cs typeface=""/>
-        <a:font script="Jpan" typeface="ＭＳ Ｐゴシック"/>
-        <a:font script="Hang" typeface="맑은 고딕"/>
-        <a:font script="Hans" typeface="宋体"/>
-        <a:font script="Hant" typeface="新細明體"/>
-        <a:font script="Arab" typeface="Times New Roman"/>
-        <a:font script="Hebr" typeface="Times New Roman"/>
-        <a:font script="Thai" typeface="Angsana New"/>
-        <a:font script="Ethi" typeface="Nyala"/>
-        <a:font script="Beng" typeface="Vrinda"/>
-        <a:font script="Gujr" typeface="Shruti"/>
-        <a:font script="Khmr" typeface="MoolBoran"/>
-        <a:font script="Knda" typeface="Tunga"/>
-        <a:font script="Guru" typeface="Raavi"/>
-        <a:font script="Cans" typeface="Euphemia"/>
-        <a:font script="Cher" typeface="Plantagenet Cherokee"/>
-        <a:font script="Yiii" typeface="Microsoft Yi Baiti"/>
-        <a:font script="Tibt" typeface="Microsoft Himalaya"/>
-        <a:font script="Thaa" typeface="MV Boli"/>
-        <a:font script="Deva" typeface="Mangal"/>
-        <a:font script="Telu" typeface="Gautami"/>
-        <a:font script="Taml" typeface="Latha"/>
-        <a:font script="Syrc" typeface="Estrangelo Edessa"/>
-        <a:font script="Orya" typeface="Kalinga"/>
-        <a:font script="Mlym" typeface="Kartika"/>
-        <a:font script="Laoo" typeface="DokChampa"/>
-        <a:font script="Sinh" typeface="Iskoola Pota"/>
-        <a:font script="Mong" typeface="Mongolian Baiti"/>
-        <a:font script="Viet" typeface="Times New Roman"/>
-        <a:font script="Uigh" typeface="Microsoft Uighur"/>
-        <a:font script="Geor" typeface="Sylfaen"/>
-      </a:majorFont>
-      <a:minorFont>
-        <a:latin typeface="Arial"/>
-        <a:ea typeface=""/>
-        <a:cs typeface=""/>
-        <a:font script="Jpan" typeface="ＭＳ Ｐゴシック"/>
-        <a:font script="Hang" typeface="맑은 고딕"/>
-        <a:font script="Hans" typeface="宋体"/>
-        <a:font script="Hant" typeface="新細明體"/>
-        <a:font script="Arab" typeface="Arial"/>
-        <a:font script="Hebr" typeface="Arial"/>
-        <a:font script="Thai" typeface="Cordia New"/>
-        <a:font script="Ethi" typeface="Nyala"/>
-        <a:font script="Beng" typeface="Vrinda"/>
-        <a:font script="Gujr" typeface="Shruti"/>
-        <a:font script="Khmr" typeface="DaunPenh"/>
-        <a:font script="Knda" typeface="Tunga"/>
-        <a:font script="Guru" typeface="Raavi"/>
-        <a:font script="Cans" typeface="Euphemia"/>
-        <a:font script="Cher" typeface="Plantagenet Cherokee"/>
-        <a:font script="Yiii" typeface="Microsoft Yi Baiti"/>
-        <a:font script="Tibt" typeface="Microsoft Himalaya"/>
-        <a:font script="Thaa" typeface="MV Boli"/>
-        <a:font script="Deva" typeface="Mangal"/>
-        <a:font script="Telu" typeface="Gautami"/>
-        <a:font script="Taml" typeface="Latha"/>
-        <a:font script="Syrc" typeface="Estrangelo Edessa"/>
-        <a:font script="Orya" typeface="Kalinga"/>
-        <a:font script="Mlym" typeface="Kartika"/>
-        <a:font script="Laoo" typeface="DokChampa"/>
-        <a:font script="Sinh" typeface="Iskoola Pota"/>
-        <a:font script="Mong" typeface="Mongolian Baiti"/>
-        <a:font script="Viet" typeface="Arial"/>
-        <a:font script="Uigh" typeface="Microsoft Uighur"/>
-        <a:font script="Geor" typeface="Sylfaen"/>
-      </a:minorFont>
-    </a:fontScheme>
-    <a:fmtScheme name="Office">
-      <a:fillStyleLst>
-        <a:solidFill>
-          <a:schemeClr val="phClr"/>
-        </a:solidFill>
-        <a:gradFill rotWithShape="1">
-          <a:gsLst>
-            <a:gs pos="0">
-              <a:schemeClr val="phClr">
-                <a:tint val="50000"/>
-                <a:satMod val="300000"/>
-              </a:schemeClr>
-            </a:gs>
-            <a:gs pos="35000">
-              <a:schemeClr val="phClr">
-                <a:tint val="37000"/>
-                <a:satMod val="300000"/>
-              </a:schemeClr>
-            </a:gs>
-            <a:gs pos="100000">
-              <a:schemeClr val="phClr">
-                <a:tint val="15000"/>
-                <a:satMod val="350000"/>
-              </a:schemeClr>
-            </a:gs>
-          </a:gsLst>
-          <a:lin ang="16200000" scaled="1"/>
-        </a:gradFill>
-        <a:gradFill rotWithShape="1">
-          <a:gsLst>
-            <a:gs pos="0">
-              <a:schemeClr val="phClr">
-                <a:tint val="100000"/>
-                <a:shade val="100000"/>
-                <a:satMod val="130000"/>
-              </a:schemeClr>
-            </a:gs>
-            <a:gs pos="100000">
-              <a:schemeClr val="phClr">
-                <a:tint val="50000"/>
-                <a:shade val="100000"/>
-                <a:satMod val="350000"/>
-              </a:schemeClr>
-            </a:gs>
-          </a:gsLst>
-          <a:lin ang="16200000" scaled="0"/>
-        </a:gradFill>
-      </a:fillStyleLst>
-      <a:lnStyleLst>
-        <a:ln w="9525" cap="flat" cmpd="sng" algn="ctr">
-          <a:solidFill>
-            <a:schemeClr val="phClr">
-              <a:shade val="95000"/>
-              <a:satMod val="105000"/>
-            </a:schemeClr>
-          </a:solidFill>
-          <a:prstDash val="solid"/>
-        </a:ln>
-        <a:ln w="25400" cap="flat" cmpd="sng" algn="ctr">
-          <a:solidFill>
-            <a:schemeClr val="phClr"/>
-          </a:solidFill>
-          <a:prstDash val="solid"/>
-        </a:ln>
-        <a:ln w="38100" cap="flat" cmpd="sng" algn="ctr">
-          <a:solidFill>
-            <a:schemeClr val="phClr"/>
-          </a:solidFill>
-          <a:prstDash val="solid"/>
-        </a:ln>
-      </a:lnStyleLst>
-      <a:effectStyleLst>
-        <a:effectStyle>
-          <a:effectLst>
-            <a:outerShdw blurRad="40000" dist="20000" dir="5400000" rotWithShape="0">
-              <a:srgbClr val="000000">
-                <a:alpha val="38000"/>
-              </a:srgbClr>
-            </a:outerShdw>
-          </a:effectLst>
-        </a:effectStyle>
-        <a:effectStyle>
-          <a:effectLst>
-            <a:outerShdw blurRad="40000" dist="23000" dir="5400000" rotWithShape="0">
-              <a:srgbClr val="000000">
-                <a:alpha val="35000"/>
-              </a:srgbClr>
-            </a:outerShdw>
-          </a:effectLst>
-        </a:effectStyle>
-        <a:effectStyle>
-          <a:effectLst>
-            <a:outerShdw blurRad="40000" dist="23000" dir="5400000" rotWithShape="0">
-              <a:srgbClr val="000000">
-                <a:alpha val="35000"/>
-              </a:srgbClr>
-            </a:outerShdw>
-          </a:effectLst>
-          <a:scene3d>
-            <a:camera prst="orthographicFront">
-              <a:rot lat="0" lon="0" rev="0"/>
-            </a:camera>
-            <a:lightRig rig="threePt" dir="t">
-              <a:rot lat="0" lon="0" rev="1200000"/>
-            </a:lightRig>
-          </a:scene3d>
-          <a:sp3d>
-            <a:bevelT w="63500" h="25400"/>
-          </a:sp3d>
-        </a:effectStyle>
-      </a:effectStyleLst>
-      <a:bgFillStyleLst>
-        <a:solidFill>
-          <a:schemeClr val="phClr"/>
-        </a:solidFill>
-        <a:gradFill rotWithShape="1">
-          <a:gsLst>
-            <a:gs pos="0">
-              <a:schemeClr val="phClr">
-                <a:tint val="40000"/>
-                <a:satMod val="350000"/>
-              </a:schemeClr>
-            </a:gs>
-            <a:gs pos="40000">
-              <a:schemeClr val="phClr">
-                <a:tint val="45000"/>
-                <a:shade val="99000"/>
-                <a:satMod val="350000"/>
-              </a:schemeClr>
-            </a:gs>
-            <a:gs pos="100000">
-              <a:schemeClr val="phClr">
-                <a:shade val="20000"/>
-                <a:satMod val="255000"/>
-              </a:schemeClr>
-            </a:gs>
-          </a:gsLst>
-          <a:path path="circle">
-            <a:fillToRect l="50000" t="-80000" r="50000" b="180000"/>
-          </a:path>
-        </a:gradFill>
-        <a:gradFill rotWithShape="1">
-          <a:gsLst>
-            <a:gs pos="0">
-              <a:schemeClr val="phClr">
-                <a:tint val="80000"/>
-                <a:satMod val="300000"/>
-              </a:schemeClr>
-            </a:gs>
-            <a:gs pos="100000">
-              <a:schemeClr val="phClr">
-                <a:shade val="30000"/>
-                <a:satMod val="200000"/>
-              </a:schemeClr>
-            </a:gs>
-          </a:gsLst>
-          <a:path path="circle">
-            <a:fillToRect l="50000" t="50000" r="50000" b="50000"/>
-          </a:path>
-        </a:gradFill>
-      </a:bgFillStyleLst>
-    </a:fmtScheme>
-  </a:themeElements>
-</a:theme>
 </file>